--- a/ppt/4 一维数组.pptx
+++ b/ppt/4 一维数组.pptx
@@ -5,22 +5,35 @@
     <p:sldMasterId id="2147483648" r:id="rId1"/>
   </p:sldMasterIdLst>
   <p:notesMasterIdLst>
-    <p:notesMasterId r:id="rId15"/>
+    <p:notesMasterId r:id="rId28"/>
   </p:notesMasterIdLst>
   <p:sldIdLst>
     <p:sldId id="258" r:id="rId2"/>
     <p:sldId id="266" r:id="rId3"/>
     <p:sldId id="304" r:id="rId4"/>
-    <p:sldId id="319" r:id="rId5"/>
-    <p:sldId id="320" r:id="rId6"/>
-    <p:sldId id="321" r:id="rId7"/>
-    <p:sldId id="323" r:id="rId8"/>
-    <p:sldId id="322" r:id="rId9"/>
-    <p:sldId id="324" r:id="rId10"/>
-    <p:sldId id="325" r:id="rId11"/>
-    <p:sldId id="326" r:id="rId12"/>
-    <p:sldId id="279" r:id="rId13"/>
-    <p:sldId id="318" r:id="rId14"/>
+    <p:sldId id="327" r:id="rId5"/>
+    <p:sldId id="328" r:id="rId6"/>
+    <p:sldId id="329" r:id="rId7"/>
+    <p:sldId id="330" r:id="rId8"/>
+    <p:sldId id="331" r:id="rId9"/>
+    <p:sldId id="332" r:id="rId10"/>
+    <p:sldId id="333" r:id="rId11"/>
+    <p:sldId id="339" r:id="rId12"/>
+    <p:sldId id="334" r:id="rId13"/>
+    <p:sldId id="335" r:id="rId14"/>
+    <p:sldId id="336" r:id="rId15"/>
+    <p:sldId id="337" r:id="rId16"/>
+    <p:sldId id="338" r:id="rId17"/>
+    <p:sldId id="319" r:id="rId18"/>
+    <p:sldId id="320" r:id="rId19"/>
+    <p:sldId id="321" r:id="rId20"/>
+    <p:sldId id="323" r:id="rId21"/>
+    <p:sldId id="322" r:id="rId22"/>
+    <p:sldId id="324" r:id="rId23"/>
+    <p:sldId id="325" r:id="rId24"/>
+    <p:sldId id="326" r:id="rId25"/>
+    <p:sldId id="279" r:id="rId26"/>
+    <p:sldId id="318" r:id="rId27"/>
   </p:sldIdLst>
   <p:sldSz cx="12192000" cy="6858000"/>
   <p:notesSz cx="6858000" cy="9144000"/>
@@ -131,6 +144,19 @@
           <p14:sldIdLst>
             <p14:sldId id="266"/>
             <p14:sldId id="304"/>
+            <p14:sldId id="327"/>
+            <p14:sldId id="328"/>
+            <p14:sldId id="329"/>
+            <p14:sldId id="330"/>
+            <p14:sldId id="331"/>
+            <p14:sldId id="332"/>
+            <p14:sldId id="333"/>
+            <p14:sldId id="339"/>
+            <p14:sldId id="334"/>
+            <p14:sldId id="335"/>
+            <p14:sldId id="336"/>
+            <p14:sldId id="337"/>
+            <p14:sldId id="338"/>
             <p14:sldId id="319"/>
             <p14:sldId id="320"/>
             <p14:sldId id="321"/>
@@ -631,42 +657,8 @@
           <a:p>
             <a:r>
               <a:rPr kumimoji="1" lang="zh-CN" altLang="en-US" dirty="0"/>
-              <a:t>思考 </a:t>
-            </a:r>
-            <a:r>
-              <a:rPr kumimoji="1" lang="en-US" altLang="zh-CN" dirty="0"/>
-              <a:t>string</a:t>
-            </a:r>
-            <a:r>
-              <a:rPr kumimoji="1" lang="zh-CN" altLang="en-US" dirty="0"/>
-              <a:t> </a:t>
-            </a:r>
-            <a:r>
-              <a:rPr kumimoji="1" lang="en-US" altLang="zh-CN" dirty="0"/>
-              <a:t>===</a:t>
-            </a:r>
-            <a:r>
-              <a:rPr kumimoji="1" lang="zh-CN" altLang="en-US" dirty="0"/>
-              <a:t> 和</a:t>
-            </a:r>
-            <a:r>
-              <a:rPr kumimoji="1" lang="en-US" altLang="zh-CN" dirty="0"/>
-              <a:t>equal</a:t>
-            </a:r>
-            <a:r>
-              <a:rPr kumimoji="1" lang="zh-CN" altLang="en-US" dirty="0"/>
-              <a:t>的区别</a:t>
-            </a:r>
-            <a:endParaRPr kumimoji="1" lang="en-US" altLang="zh-CN" dirty="0"/>
-          </a:p>
-          <a:p>
-            <a:r>
-              <a:rPr lang="en-US" altLang="zh-CN" dirty="0">
-                <a:hlinkClick r:id="rId3"/>
-              </a:rPr>
-              <a:t>https://www.cnblogs.com/dongguol/p/5845076.html</a:t>
-            </a:r>
-            <a:endParaRPr kumimoji="1" lang="zh-CN" altLang="en-US" dirty="0"/>
+              <a:t>切换到代码演示</a:t>
+            </a:r>
           </a:p>
         </p:txBody>
       </p:sp>
@@ -696,7 +688,7 @@
     </p:spTree>
     <p:extLst>
       <p:ext uri="{BB962C8B-B14F-4D97-AF65-F5344CB8AC3E}">
-        <p14:creationId xmlns:p14="http://schemas.microsoft.com/office/powerpoint/2010/main" val="3285456080"/>
+        <p14:creationId xmlns:p14="http://schemas.microsoft.com/office/powerpoint/2010/main" val="473441969"/>
       </p:ext>
     </p:extLst>
   </p:cSld>
@@ -750,7 +742,10 @@
           <a:bodyPr/>
           <a:lstStyle/>
           <a:p>
-            <a:endParaRPr kumimoji="1" lang="zh-CN" altLang="en-US" dirty="0"/>
+            <a:r>
+              <a:rPr kumimoji="1" lang="zh-CN" altLang="en-US" dirty="0"/>
+              <a:t>切换到代码演示</a:t>
+            </a:r>
           </a:p>
         </p:txBody>
       </p:sp>
@@ -780,7 +775,7 @@
     </p:spTree>
     <p:extLst>
       <p:ext uri="{BB962C8B-B14F-4D97-AF65-F5344CB8AC3E}">
-        <p14:creationId xmlns:p14="http://schemas.microsoft.com/office/powerpoint/2010/main" val="4167110842"/>
+        <p14:creationId xmlns:p14="http://schemas.microsoft.com/office/powerpoint/2010/main" val="2652634680"/>
       </p:ext>
     </p:extLst>
   </p:cSld>
@@ -834,7 +829,10 @@
           <a:bodyPr/>
           <a:lstStyle/>
           <a:p>
-            <a:endParaRPr kumimoji="1" lang="zh-CN" altLang="en-US" dirty="0"/>
+            <a:r>
+              <a:rPr kumimoji="1" lang="zh-CN" altLang="en-US" dirty="0"/>
+              <a:t>切换到代码演示</a:t>
+            </a:r>
           </a:p>
         </p:txBody>
       </p:sp>
@@ -864,7 +862,616 @@
     </p:spTree>
     <p:extLst>
       <p:ext uri="{BB962C8B-B14F-4D97-AF65-F5344CB8AC3E}">
-        <p14:creationId xmlns:p14="http://schemas.microsoft.com/office/powerpoint/2010/main" val="216142064"/>
+        <p14:creationId xmlns:p14="http://schemas.microsoft.com/office/powerpoint/2010/main" val="1959469783"/>
+      </p:ext>
+    </p:extLst>
+  </p:cSld>
+  <p:clrMapOvr>
+    <a:masterClrMapping/>
+  </p:clrMapOvr>
+</p:notes>
+</file>
+
+<file path=ppt/notesSlides/notesSlide13.xml><?xml version="1.0" encoding="utf-8"?>
+<p:notes xmlns:a="http://schemas.openxmlformats.org/drawingml/2006/main" xmlns:r="http://schemas.openxmlformats.org/officeDocument/2006/relationships" xmlns:p="http://schemas.openxmlformats.org/presentationml/2006/main">
+  <p:cSld>
+    <p:spTree>
+      <p:nvGrpSpPr>
+        <p:cNvPr id="1" name=""/>
+        <p:cNvGrpSpPr/>
+        <p:nvPr/>
+      </p:nvGrpSpPr>
+      <p:grpSpPr>
+        <a:xfrm>
+          <a:off x="0" y="0"/>
+          <a:ext cx="0" cy="0"/>
+          <a:chOff x="0" y="0"/>
+          <a:chExt cx="0" cy="0"/>
+        </a:xfrm>
+      </p:grpSpPr>
+      <p:sp>
+        <p:nvSpPr>
+          <p:cNvPr id="2" name="幻灯片图像占位符 1"/>
+          <p:cNvSpPr>
+            <a:spLocks noGrp="1" noRot="1" noChangeAspect="1"/>
+          </p:cNvSpPr>
+          <p:nvPr>
+            <p:ph type="sldImg"/>
+          </p:nvPr>
+        </p:nvSpPr>
+        <p:spPr/>
+      </p:sp>
+      <p:sp>
+        <p:nvSpPr>
+          <p:cNvPr id="3" name="备注占位符 2"/>
+          <p:cNvSpPr>
+            <a:spLocks noGrp="1"/>
+          </p:cNvSpPr>
+          <p:nvPr>
+            <p:ph type="body" idx="1"/>
+          </p:nvPr>
+        </p:nvSpPr>
+        <p:spPr/>
+        <p:txBody>
+          <a:bodyPr/>
+          <a:lstStyle/>
+          <a:p>
+            <a:r>
+              <a:rPr kumimoji="1" lang="zh-CN" altLang="en-US" dirty="0"/>
+              <a:t>切换到代码演示</a:t>
+            </a:r>
+          </a:p>
+        </p:txBody>
+      </p:sp>
+      <p:sp>
+        <p:nvSpPr>
+          <p:cNvPr id="4" name="灯片编号占位符 3"/>
+          <p:cNvSpPr>
+            <a:spLocks noGrp="1"/>
+          </p:cNvSpPr>
+          <p:nvPr>
+            <p:ph type="sldNum" sz="quarter" idx="5"/>
+          </p:nvPr>
+        </p:nvSpPr>
+        <p:spPr/>
+        <p:txBody>
+          <a:bodyPr/>
+          <a:lstStyle/>
+          <a:p>
+            <a:fld id="{0F8E57A1-C481-6944-857F-EAC8E932B5ED}" type="slidenum">
+              <a:rPr kumimoji="1" lang="zh-CN" altLang="en-US" smtClean="0"/>
+              <a:t>14</a:t>
+            </a:fld>
+            <a:endParaRPr kumimoji="1" lang="zh-CN" altLang="en-US"/>
+          </a:p>
+        </p:txBody>
+      </p:sp>
+    </p:spTree>
+    <p:extLst>
+      <p:ext uri="{BB962C8B-B14F-4D97-AF65-F5344CB8AC3E}">
+        <p14:creationId xmlns:p14="http://schemas.microsoft.com/office/powerpoint/2010/main" val="181174276"/>
+      </p:ext>
+    </p:extLst>
+  </p:cSld>
+  <p:clrMapOvr>
+    <a:masterClrMapping/>
+  </p:clrMapOvr>
+</p:notes>
+</file>
+
+<file path=ppt/notesSlides/notesSlide14.xml><?xml version="1.0" encoding="utf-8"?>
+<p:notes xmlns:a="http://schemas.openxmlformats.org/drawingml/2006/main" xmlns:r="http://schemas.openxmlformats.org/officeDocument/2006/relationships" xmlns:p="http://schemas.openxmlformats.org/presentationml/2006/main">
+  <p:cSld>
+    <p:spTree>
+      <p:nvGrpSpPr>
+        <p:cNvPr id="1" name=""/>
+        <p:cNvGrpSpPr/>
+        <p:nvPr/>
+      </p:nvGrpSpPr>
+      <p:grpSpPr>
+        <a:xfrm>
+          <a:off x="0" y="0"/>
+          <a:ext cx="0" cy="0"/>
+          <a:chOff x="0" y="0"/>
+          <a:chExt cx="0" cy="0"/>
+        </a:xfrm>
+      </p:grpSpPr>
+      <p:sp>
+        <p:nvSpPr>
+          <p:cNvPr id="2" name="幻灯片图像占位符 1"/>
+          <p:cNvSpPr>
+            <a:spLocks noGrp="1" noRot="1" noChangeAspect="1"/>
+          </p:cNvSpPr>
+          <p:nvPr>
+            <p:ph type="sldImg"/>
+          </p:nvPr>
+        </p:nvSpPr>
+        <p:spPr/>
+      </p:sp>
+      <p:sp>
+        <p:nvSpPr>
+          <p:cNvPr id="3" name="备注占位符 2"/>
+          <p:cNvSpPr>
+            <a:spLocks noGrp="1"/>
+          </p:cNvSpPr>
+          <p:nvPr>
+            <p:ph type="body" idx="1"/>
+          </p:nvPr>
+        </p:nvSpPr>
+        <p:spPr/>
+        <p:txBody>
+          <a:bodyPr/>
+          <a:lstStyle/>
+          <a:p>
+            <a:r>
+              <a:rPr kumimoji="1" lang="zh-CN" altLang="en-US" dirty="0"/>
+              <a:t>切换到代码演示</a:t>
+            </a:r>
+          </a:p>
+        </p:txBody>
+      </p:sp>
+      <p:sp>
+        <p:nvSpPr>
+          <p:cNvPr id="4" name="灯片编号占位符 3"/>
+          <p:cNvSpPr>
+            <a:spLocks noGrp="1"/>
+          </p:cNvSpPr>
+          <p:nvPr>
+            <p:ph type="sldNum" sz="quarter" idx="5"/>
+          </p:nvPr>
+        </p:nvSpPr>
+        <p:spPr/>
+        <p:txBody>
+          <a:bodyPr/>
+          <a:lstStyle/>
+          <a:p>
+            <a:fld id="{0F8E57A1-C481-6944-857F-EAC8E932B5ED}" type="slidenum">
+              <a:rPr kumimoji="1" lang="zh-CN" altLang="en-US" smtClean="0"/>
+              <a:t>15</a:t>
+            </a:fld>
+            <a:endParaRPr kumimoji="1" lang="zh-CN" altLang="en-US"/>
+          </a:p>
+        </p:txBody>
+      </p:sp>
+    </p:spTree>
+    <p:extLst>
+      <p:ext uri="{BB962C8B-B14F-4D97-AF65-F5344CB8AC3E}">
+        <p14:creationId xmlns:p14="http://schemas.microsoft.com/office/powerpoint/2010/main" val="2530573924"/>
+      </p:ext>
+    </p:extLst>
+  </p:cSld>
+  <p:clrMapOvr>
+    <a:masterClrMapping/>
+  </p:clrMapOvr>
+</p:notes>
+</file>
+
+<file path=ppt/notesSlides/notesSlide15.xml><?xml version="1.0" encoding="utf-8"?>
+<p:notes xmlns:a="http://schemas.openxmlformats.org/drawingml/2006/main" xmlns:r="http://schemas.openxmlformats.org/officeDocument/2006/relationships" xmlns:p="http://schemas.openxmlformats.org/presentationml/2006/main">
+  <p:cSld>
+    <p:spTree>
+      <p:nvGrpSpPr>
+        <p:cNvPr id="1" name=""/>
+        <p:cNvGrpSpPr/>
+        <p:nvPr/>
+      </p:nvGrpSpPr>
+      <p:grpSpPr>
+        <a:xfrm>
+          <a:off x="0" y="0"/>
+          <a:ext cx="0" cy="0"/>
+          <a:chOff x="0" y="0"/>
+          <a:chExt cx="0" cy="0"/>
+        </a:xfrm>
+      </p:grpSpPr>
+      <p:sp>
+        <p:nvSpPr>
+          <p:cNvPr id="2" name="幻灯片图像占位符 1"/>
+          <p:cNvSpPr>
+            <a:spLocks noGrp="1" noRot="1" noChangeAspect="1"/>
+          </p:cNvSpPr>
+          <p:nvPr>
+            <p:ph type="sldImg"/>
+          </p:nvPr>
+        </p:nvSpPr>
+        <p:spPr/>
+      </p:sp>
+      <p:sp>
+        <p:nvSpPr>
+          <p:cNvPr id="3" name="备注占位符 2"/>
+          <p:cNvSpPr>
+            <a:spLocks noGrp="1"/>
+          </p:cNvSpPr>
+          <p:nvPr>
+            <p:ph type="body" idx="1"/>
+          </p:nvPr>
+        </p:nvSpPr>
+        <p:spPr/>
+        <p:txBody>
+          <a:bodyPr/>
+          <a:lstStyle/>
+          <a:p>
+            <a:r>
+              <a:rPr kumimoji="1" lang="zh-CN" altLang="en-US" dirty="0"/>
+              <a:t>切换到代码演示</a:t>
+            </a:r>
+          </a:p>
+        </p:txBody>
+      </p:sp>
+      <p:sp>
+        <p:nvSpPr>
+          <p:cNvPr id="4" name="灯片编号占位符 3"/>
+          <p:cNvSpPr>
+            <a:spLocks noGrp="1"/>
+          </p:cNvSpPr>
+          <p:nvPr>
+            <p:ph type="sldNum" sz="quarter" idx="5"/>
+          </p:nvPr>
+        </p:nvSpPr>
+        <p:spPr/>
+        <p:txBody>
+          <a:bodyPr/>
+          <a:lstStyle/>
+          <a:p>
+            <a:fld id="{0F8E57A1-C481-6944-857F-EAC8E932B5ED}" type="slidenum">
+              <a:rPr kumimoji="1" lang="zh-CN" altLang="en-US" smtClean="0"/>
+              <a:t>16</a:t>
+            </a:fld>
+            <a:endParaRPr kumimoji="1" lang="zh-CN" altLang="en-US"/>
+          </a:p>
+        </p:txBody>
+      </p:sp>
+    </p:spTree>
+    <p:extLst>
+      <p:ext uri="{BB962C8B-B14F-4D97-AF65-F5344CB8AC3E}">
+        <p14:creationId xmlns:p14="http://schemas.microsoft.com/office/powerpoint/2010/main" val="2973052489"/>
+      </p:ext>
+    </p:extLst>
+  </p:cSld>
+  <p:clrMapOvr>
+    <a:masterClrMapping/>
+  </p:clrMapOvr>
+</p:notes>
+</file>
+
+<file path=ppt/notesSlides/notesSlide16.xml><?xml version="1.0" encoding="utf-8"?>
+<p:notes xmlns:a="http://schemas.openxmlformats.org/drawingml/2006/main" xmlns:r="http://schemas.openxmlformats.org/officeDocument/2006/relationships" xmlns:p="http://schemas.openxmlformats.org/presentationml/2006/main">
+  <p:cSld>
+    <p:spTree>
+      <p:nvGrpSpPr>
+        <p:cNvPr id="1" name=""/>
+        <p:cNvGrpSpPr/>
+        <p:nvPr/>
+      </p:nvGrpSpPr>
+      <p:grpSpPr>
+        <a:xfrm>
+          <a:off x="0" y="0"/>
+          <a:ext cx="0" cy="0"/>
+          <a:chOff x="0" y="0"/>
+          <a:chExt cx="0" cy="0"/>
+        </a:xfrm>
+      </p:grpSpPr>
+      <p:sp>
+        <p:nvSpPr>
+          <p:cNvPr id="2" name="幻灯片图像占位符 1"/>
+          <p:cNvSpPr>
+            <a:spLocks noGrp="1" noRot="1" noChangeAspect="1"/>
+          </p:cNvSpPr>
+          <p:nvPr>
+            <p:ph type="sldImg"/>
+          </p:nvPr>
+        </p:nvSpPr>
+        <p:spPr/>
+      </p:sp>
+      <p:sp>
+        <p:nvSpPr>
+          <p:cNvPr id="3" name="备注占位符 2"/>
+          <p:cNvSpPr>
+            <a:spLocks noGrp="1"/>
+          </p:cNvSpPr>
+          <p:nvPr>
+            <p:ph type="body" idx="1"/>
+          </p:nvPr>
+        </p:nvSpPr>
+        <p:spPr/>
+        <p:txBody>
+          <a:bodyPr/>
+          <a:lstStyle/>
+          <a:p>
+            <a:r>
+              <a:rPr kumimoji="1" lang="zh-CN" altLang="en-US" dirty="0"/>
+              <a:t>切换到代码演示</a:t>
+            </a:r>
+          </a:p>
+        </p:txBody>
+      </p:sp>
+      <p:sp>
+        <p:nvSpPr>
+          <p:cNvPr id="4" name="灯片编号占位符 3"/>
+          <p:cNvSpPr>
+            <a:spLocks noGrp="1"/>
+          </p:cNvSpPr>
+          <p:nvPr>
+            <p:ph type="sldNum" sz="quarter" idx="5"/>
+          </p:nvPr>
+        </p:nvSpPr>
+        <p:spPr/>
+        <p:txBody>
+          <a:bodyPr/>
+          <a:lstStyle/>
+          <a:p>
+            <a:fld id="{0F8E57A1-C481-6944-857F-EAC8E932B5ED}" type="slidenum">
+              <a:rPr kumimoji="1" lang="zh-CN" altLang="en-US" smtClean="0"/>
+              <a:t>17</a:t>
+            </a:fld>
+            <a:endParaRPr kumimoji="1" lang="zh-CN" altLang="en-US"/>
+          </a:p>
+        </p:txBody>
+      </p:sp>
+    </p:spTree>
+    <p:extLst>
+      <p:ext uri="{BB962C8B-B14F-4D97-AF65-F5344CB8AC3E}">
+        <p14:creationId xmlns:p14="http://schemas.microsoft.com/office/powerpoint/2010/main" val="4167065664"/>
+      </p:ext>
+    </p:extLst>
+  </p:cSld>
+  <p:clrMapOvr>
+    <a:masterClrMapping/>
+  </p:clrMapOvr>
+</p:notes>
+</file>
+
+<file path=ppt/notesSlides/notesSlide17.xml><?xml version="1.0" encoding="utf-8"?>
+<p:notes xmlns:a="http://schemas.openxmlformats.org/drawingml/2006/main" xmlns:r="http://schemas.openxmlformats.org/officeDocument/2006/relationships" xmlns:p="http://schemas.openxmlformats.org/presentationml/2006/main">
+  <p:cSld>
+    <p:spTree>
+      <p:nvGrpSpPr>
+        <p:cNvPr id="1" name=""/>
+        <p:cNvGrpSpPr/>
+        <p:nvPr/>
+      </p:nvGrpSpPr>
+      <p:grpSpPr>
+        <a:xfrm>
+          <a:off x="0" y="0"/>
+          <a:ext cx="0" cy="0"/>
+          <a:chOff x="0" y="0"/>
+          <a:chExt cx="0" cy="0"/>
+        </a:xfrm>
+      </p:grpSpPr>
+      <p:sp>
+        <p:nvSpPr>
+          <p:cNvPr id="2" name="幻灯片图像占位符 1"/>
+          <p:cNvSpPr>
+            <a:spLocks noGrp="1" noRot="1" noChangeAspect="1"/>
+          </p:cNvSpPr>
+          <p:nvPr>
+            <p:ph type="sldImg"/>
+          </p:nvPr>
+        </p:nvSpPr>
+        <p:spPr/>
+      </p:sp>
+      <p:sp>
+        <p:nvSpPr>
+          <p:cNvPr id="3" name="备注占位符 2"/>
+          <p:cNvSpPr>
+            <a:spLocks noGrp="1"/>
+          </p:cNvSpPr>
+          <p:nvPr>
+            <p:ph type="body" idx="1"/>
+          </p:nvPr>
+        </p:nvSpPr>
+        <p:spPr/>
+        <p:txBody>
+          <a:bodyPr/>
+          <a:lstStyle/>
+          <a:p>
+            <a:r>
+              <a:rPr kumimoji="1" lang="zh-CN" altLang="en-US" dirty="0"/>
+              <a:t>切换到代码演示</a:t>
+            </a:r>
+          </a:p>
+        </p:txBody>
+      </p:sp>
+      <p:sp>
+        <p:nvSpPr>
+          <p:cNvPr id="4" name="灯片编号占位符 3"/>
+          <p:cNvSpPr>
+            <a:spLocks noGrp="1"/>
+          </p:cNvSpPr>
+          <p:nvPr>
+            <p:ph type="sldNum" sz="quarter" idx="5"/>
+          </p:nvPr>
+        </p:nvSpPr>
+        <p:spPr/>
+        <p:txBody>
+          <a:bodyPr/>
+          <a:lstStyle/>
+          <a:p>
+            <a:fld id="{0F8E57A1-C481-6944-857F-EAC8E932B5ED}" type="slidenum">
+              <a:rPr kumimoji="1" lang="zh-CN" altLang="en-US" smtClean="0"/>
+              <a:t>18</a:t>
+            </a:fld>
+            <a:endParaRPr kumimoji="1" lang="zh-CN" altLang="en-US"/>
+          </a:p>
+        </p:txBody>
+      </p:sp>
+    </p:spTree>
+    <p:extLst>
+      <p:ext uri="{BB962C8B-B14F-4D97-AF65-F5344CB8AC3E}">
+        <p14:creationId xmlns:p14="http://schemas.microsoft.com/office/powerpoint/2010/main" val="3878273792"/>
+      </p:ext>
+    </p:extLst>
+  </p:cSld>
+  <p:clrMapOvr>
+    <a:masterClrMapping/>
+  </p:clrMapOvr>
+</p:notes>
+</file>
+
+<file path=ppt/notesSlides/notesSlide18.xml><?xml version="1.0" encoding="utf-8"?>
+<p:notes xmlns:a="http://schemas.openxmlformats.org/drawingml/2006/main" xmlns:r="http://schemas.openxmlformats.org/officeDocument/2006/relationships" xmlns:p="http://schemas.openxmlformats.org/presentationml/2006/main">
+  <p:cSld>
+    <p:spTree>
+      <p:nvGrpSpPr>
+        <p:cNvPr id="1" name=""/>
+        <p:cNvGrpSpPr/>
+        <p:nvPr/>
+      </p:nvGrpSpPr>
+      <p:grpSpPr>
+        <a:xfrm>
+          <a:off x="0" y="0"/>
+          <a:ext cx="0" cy="0"/>
+          <a:chOff x="0" y="0"/>
+          <a:chExt cx="0" cy="0"/>
+        </a:xfrm>
+      </p:grpSpPr>
+      <p:sp>
+        <p:nvSpPr>
+          <p:cNvPr id="2" name="幻灯片图像占位符 1"/>
+          <p:cNvSpPr>
+            <a:spLocks noGrp="1" noRot="1" noChangeAspect="1"/>
+          </p:cNvSpPr>
+          <p:nvPr>
+            <p:ph type="sldImg"/>
+          </p:nvPr>
+        </p:nvSpPr>
+        <p:spPr/>
+      </p:sp>
+      <p:sp>
+        <p:nvSpPr>
+          <p:cNvPr id="3" name="备注占位符 2"/>
+          <p:cNvSpPr>
+            <a:spLocks noGrp="1"/>
+          </p:cNvSpPr>
+          <p:nvPr>
+            <p:ph type="body" idx="1"/>
+          </p:nvPr>
+        </p:nvSpPr>
+        <p:spPr/>
+        <p:txBody>
+          <a:bodyPr/>
+          <a:lstStyle/>
+          <a:p>
+            <a:r>
+              <a:rPr kumimoji="1" lang="zh-CN" altLang="en-US" dirty="0"/>
+              <a:t>切换到代码演示</a:t>
+            </a:r>
+          </a:p>
+        </p:txBody>
+      </p:sp>
+      <p:sp>
+        <p:nvSpPr>
+          <p:cNvPr id="4" name="灯片编号占位符 3"/>
+          <p:cNvSpPr>
+            <a:spLocks noGrp="1"/>
+          </p:cNvSpPr>
+          <p:nvPr>
+            <p:ph type="sldNum" sz="quarter" idx="5"/>
+          </p:nvPr>
+        </p:nvSpPr>
+        <p:spPr/>
+        <p:txBody>
+          <a:bodyPr/>
+          <a:lstStyle/>
+          <a:p>
+            <a:fld id="{0F8E57A1-C481-6944-857F-EAC8E932B5ED}" type="slidenum">
+              <a:rPr kumimoji="1" lang="zh-CN" altLang="en-US" smtClean="0"/>
+              <a:t>19</a:t>
+            </a:fld>
+            <a:endParaRPr kumimoji="1" lang="zh-CN" altLang="en-US"/>
+          </a:p>
+        </p:txBody>
+      </p:sp>
+    </p:spTree>
+    <p:extLst>
+      <p:ext uri="{BB962C8B-B14F-4D97-AF65-F5344CB8AC3E}">
+        <p14:creationId xmlns:p14="http://schemas.microsoft.com/office/powerpoint/2010/main" val="170240638"/>
+      </p:ext>
+    </p:extLst>
+  </p:cSld>
+  <p:clrMapOvr>
+    <a:masterClrMapping/>
+  </p:clrMapOvr>
+</p:notes>
+</file>
+
+<file path=ppt/notesSlides/notesSlide19.xml><?xml version="1.0" encoding="utf-8"?>
+<p:notes xmlns:a="http://schemas.openxmlformats.org/drawingml/2006/main" xmlns:r="http://schemas.openxmlformats.org/officeDocument/2006/relationships" xmlns:p="http://schemas.openxmlformats.org/presentationml/2006/main">
+  <p:cSld>
+    <p:spTree>
+      <p:nvGrpSpPr>
+        <p:cNvPr id="1" name=""/>
+        <p:cNvGrpSpPr/>
+        <p:nvPr/>
+      </p:nvGrpSpPr>
+      <p:grpSpPr>
+        <a:xfrm>
+          <a:off x="0" y="0"/>
+          <a:ext cx="0" cy="0"/>
+          <a:chOff x="0" y="0"/>
+          <a:chExt cx="0" cy="0"/>
+        </a:xfrm>
+      </p:grpSpPr>
+      <p:sp>
+        <p:nvSpPr>
+          <p:cNvPr id="2" name="幻灯片图像占位符 1"/>
+          <p:cNvSpPr>
+            <a:spLocks noGrp="1" noRot="1" noChangeAspect="1"/>
+          </p:cNvSpPr>
+          <p:nvPr>
+            <p:ph type="sldImg"/>
+          </p:nvPr>
+        </p:nvSpPr>
+        <p:spPr/>
+      </p:sp>
+      <p:sp>
+        <p:nvSpPr>
+          <p:cNvPr id="3" name="备注占位符 2"/>
+          <p:cNvSpPr>
+            <a:spLocks noGrp="1"/>
+          </p:cNvSpPr>
+          <p:nvPr>
+            <p:ph type="body" idx="1"/>
+          </p:nvPr>
+        </p:nvSpPr>
+        <p:spPr/>
+        <p:txBody>
+          <a:bodyPr/>
+          <a:lstStyle/>
+          <a:p>
+            <a:r>
+              <a:rPr kumimoji="1" lang="zh-CN" altLang="en-US" dirty="0"/>
+              <a:t>切换到代码演示</a:t>
+            </a:r>
+          </a:p>
+        </p:txBody>
+      </p:sp>
+      <p:sp>
+        <p:nvSpPr>
+          <p:cNvPr id="4" name="灯片编号占位符 3"/>
+          <p:cNvSpPr>
+            <a:spLocks noGrp="1"/>
+          </p:cNvSpPr>
+          <p:nvPr>
+            <p:ph type="sldNum" sz="quarter" idx="5"/>
+          </p:nvPr>
+        </p:nvSpPr>
+        <p:spPr/>
+        <p:txBody>
+          <a:bodyPr/>
+          <a:lstStyle/>
+          <a:p>
+            <a:fld id="{0F8E57A1-C481-6944-857F-EAC8E932B5ED}" type="slidenum">
+              <a:rPr kumimoji="1" lang="zh-CN" altLang="en-US" smtClean="0"/>
+              <a:t>20</a:t>
+            </a:fld>
+            <a:endParaRPr kumimoji="1" lang="zh-CN" altLang="en-US"/>
+          </a:p>
+        </p:txBody>
+      </p:sp>
+    </p:spTree>
+    <p:extLst>
+      <p:ext uri="{BB962C8B-B14F-4D97-AF65-F5344CB8AC3E}">
+        <p14:creationId xmlns:p14="http://schemas.microsoft.com/office/powerpoint/2010/main" val="1804485898"/>
       </p:ext>
     </p:extLst>
   </p:cSld>
@@ -961,6 +1568,556 @@
 </p:notes>
 </file>
 
+<file path=ppt/notesSlides/notesSlide20.xml><?xml version="1.0" encoding="utf-8"?>
+<p:notes xmlns:a="http://schemas.openxmlformats.org/drawingml/2006/main" xmlns:r="http://schemas.openxmlformats.org/officeDocument/2006/relationships" xmlns:p="http://schemas.openxmlformats.org/presentationml/2006/main">
+  <p:cSld>
+    <p:spTree>
+      <p:nvGrpSpPr>
+        <p:cNvPr id="1" name=""/>
+        <p:cNvGrpSpPr/>
+        <p:nvPr/>
+      </p:nvGrpSpPr>
+      <p:grpSpPr>
+        <a:xfrm>
+          <a:off x="0" y="0"/>
+          <a:ext cx="0" cy="0"/>
+          <a:chOff x="0" y="0"/>
+          <a:chExt cx="0" cy="0"/>
+        </a:xfrm>
+      </p:grpSpPr>
+      <p:sp>
+        <p:nvSpPr>
+          <p:cNvPr id="2" name="幻灯片图像占位符 1"/>
+          <p:cNvSpPr>
+            <a:spLocks noGrp="1" noRot="1" noChangeAspect="1"/>
+          </p:cNvSpPr>
+          <p:nvPr>
+            <p:ph type="sldImg"/>
+          </p:nvPr>
+        </p:nvSpPr>
+        <p:spPr/>
+      </p:sp>
+      <p:sp>
+        <p:nvSpPr>
+          <p:cNvPr id="3" name="备注占位符 2"/>
+          <p:cNvSpPr>
+            <a:spLocks noGrp="1"/>
+          </p:cNvSpPr>
+          <p:nvPr>
+            <p:ph type="body" idx="1"/>
+          </p:nvPr>
+        </p:nvSpPr>
+        <p:spPr/>
+        <p:txBody>
+          <a:bodyPr/>
+          <a:lstStyle/>
+          <a:p>
+            <a:r>
+              <a:rPr kumimoji="1" lang="zh-CN" altLang="en-US" dirty="0"/>
+              <a:t>切换到代码演示</a:t>
+            </a:r>
+          </a:p>
+        </p:txBody>
+      </p:sp>
+      <p:sp>
+        <p:nvSpPr>
+          <p:cNvPr id="4" name="灯片编号占位符 3"/>
+          <p:cNvSpPr>
+            <a:spLocks noGrp="1"/>
+          </p:cNvSpPr>
+          <p:nvPr>
+            <p:ph type="sldNum" sz="quarter" idx="5"/>
+          </p:nvPr>
+        </p:nvSpPr>
+        <p:spPr/>
+        <p:txBody>
+          <a:bodyPr/>
+          <a:lstStyle/>
+          <a:p>
+            <a:fld id="{0F8E57A1-C481-6944-857F-EAC8E932B5ED}" type="slidenum">
+              <a:rPr kumimoji="1" lang="zh-CN" altLang="en-US" smtClean="0"/>
+              <a:t>21</a:t>
+            </a:fld>
+            <a:endParaRPr kumimoji="1" lang="zh-CN" altLang="en-US"/>
+          </a:p>
+        </p:txBody>
+      </p:sp>
+    </p:spTree>
+    <p:extLst>
+      <p:ext uri="{BB962C8B-B14F-4D97-AF65-F5344CB8AC3E}">
+        <p14:creationId xmlns:p14="http://schemas.microsoft.com/office/powerpoint/2010/main" val="1812784520"/>
+      </p:ext>
+    </p:extLst>
+  </p:cSld>
+  <p:clrMapOvr>
+    <a:masterClrMapping/>
+  </p:clrMapOvr>
+</p:notes>
+</file>
+
+<file path=ppt/notesSlides/notesSlide21.xml><?xml version="1.0" encoding="utf-8"?>
+<p:notes xmlns:a="http://schemas.openxmlformats.org/drawingml/2006/main" xmlns:r="http://schemas.openxmlformats.org/officeDocument/2006/relationships" xmlns:p="http://schemas.openxmlformats.org/presentationml/2006/main">
+  <p:cSld>
+    <p:spTree>
+      <p:nvGrpSpPr>
+        <p:cNvPr id="1" name=""/>
+        <p:cNvGrpSpPr/>
+        <p:nvPr/>
+      </p:nvGrpSpPr>
+      <p:grpSpPr>
+        <a:xfrm>
+          <a:off x="0" y="0"/>
+          <a:ext cx="0" cy="0"/>
+          <a:chOff x="0" y="0"/>
+          <a:chExt cx="0" cy="0"/>
+        </a:xfrm>
+      </p:grpSpPr>
+      <p:sp>
+        <p:nvSpPr>
+          <p:cNvPr id="2" name="幻灯片图像占位符 1"/>
+          <p:cNvSpPr>
+            <a:spLocks noGrp="1" noRot="1" noChangeAspect="1"/>
+          </p:cNvSpPr>
+          <p:nvPr>
+            <p:ph type="sldImg"/>
+          </p:nvPr>
+        </p:nvSpPr>
+        <p:spPr/>
+      </p:sp>
+      <p:sp>
+        <p:nvSpPr>
+          <p:cNvPr id="3" name="备注占位符 2"/>
+          <p:cNvSpPr>
+            <a:spLocks noGrp="1"/>
+          </p:cNvSpPr>
+          <p:nvPr>
+            <p:ph type="body" idx="1"/>
+          </p:nvPr>
+        </p:nvSpPr>
+        <p:spPr/>
+        <p:txBody>
+          <a:bodyPr/>
+          <a:lstStyle/>
+          <a:p>
+            <a:r>
+              <a:rPr kumimoji="1" lang="zh-CN" altLang="en-US" dirty="0"/>
+              <a:t>切换到代码演示</a:t>
+            </a:r>
+          </a:p>
+        </p:txBody>
+      </p:sp>
+      <p:sp>
+        <p:nvSpPr>
+          <p:cNvPr id="4" name="灯片编号占位符 3"/>
+          <p:cNvSpPr>
+            <a:spLocks noGrp="1"/>
+          </p:cNvSpPr>
+          <p:nvPr>
+            <p:ph type="sldNum" sz="quarter" idx="5"/>
+          </p:nvPr>
+        </p:nvSpPr>
+        <p:spPr/>
+        <p:txBody>
+          <a:bodyPr/>
+          <a:lstStyle/>
+          <a:p>
+            <a:fld id="{0F8E57A1-C481-6944-857F-EAC8E932B5ED}" type="slidenum">
+              <a:rPr kumimoji="1" lang="zh-CN" altLang="en-US" smtClean="0"/>
+              <a:t>22</a:t>
+            </a:fld>
+            <a:endParaRPr kumimoji="1" lang="zh-CN" altLang="en-US"/>
+          </a:p>
+        </p:txBody>
+      </p:sp>
+    </p:spTree>
+    <p:extLst>
+      <p:ext uri="{BB962C8B-B14F-4D97-AF65-F5344CB8AC3E}">
+        <p14:creationId xmlns:p14="http://schemas.microsoft.com/office/powerpoint/2010/main" val="2895295428"/>
+      </p:ext>
+    </p:extLst>
+  </p:cSld>
+  <p:clrMapOvr>
+    <a:masterClrMapping/>
+  </p:clrMapOvr>
+</p:notes>
+</file>
+
+<file path=ppt/notesSlides/notesSlide22.xml><?xml version="1.0" encoding="utf-8"?>
+<p:notes xmlns:a="http://schemas.openxmlformats.org/drawingml/2006/main" xmlns:r="http://schemas.openxmlformats.org/officeDocument/2006/relationships" xmlns:p="http://schemas.openxmlformats.org/presentationml/2006/main">
+  <p:cSld>
+    <p:spTree>
+      <p:nvGrpSpPr>
+        <p:cNvPr id="1" name=""/>
+        <p:cNvGrpSpPr/>
+        <p:nvPr/>
+      </p:nvGrpSpPr>
+      <p:grpSpPr>
+        <a:xfrm>
+          <a:off x="0" y="0"/>
+          <a:ext cx="0" cy="0"/>
+          <a:chOff x="0" y="0"/>
+          <a:chExt cx="0" cy="0"/>
+        </a:xfrm>
+      </p:grpSpPr>
+      <p:sp>
+        <p:nvSpPr>
+          <p:cNvPr id="2" name="幻灯片图像占位符 1"/>
+          <p:cNvSpPr>
+            <a:spLocks noGrp="1" noRot="1" noChangeAspect="1"/>
+          </p:cNvSpPr>
+          <p:nvPr>
+            <p:ph type="sldImg"/>
+          </p:nvPr>
+        </p:nvSpPr>
+        <p:spPr/>
+      </p:sp>
+      <p:sp>
+        <p:nvSpPr>
+          <p:cNvPr id="3" name="备注占位符 2"/>
+          <p:cNvSpPr>
+            <a:spLocks noGrp="1"/>
+          </p:cNvSpPr>
+          <p:nvPr>
+            <p:ph type="body" idx="1"/>
+          </p:nvPr>
+        </p:nvSpPr>
+        <p:spPr/>
+        <p:txBody>
+          <a:bodyPr/>
+          <a:lstStyle/>
+          <a:p>
+            <a:r>
+              <a:rPr kumimoji="1" lang="zh-CN" altLang="en-US" dirty="0"/>
+              <a:t>切换到代码演示</a:t>
+            </a:r>
+          </a:p>
+        </p:txBody>
+      </p:sp>
+      <p:sp>
+        <p:nvSpPr>
+          <p:cNvPr id="4" name="灯片编号占位符 3"/>
+          <p:cNvSpPr>
+            <a:spLocks noGrp="1"/>
+          </p:cNvSpPr>
+          <p:nvPr>
+            <p:ph type="sldNum" sz="quarter" idx="5"/>
+          </p:nvPr>
+        </p:nvSpPr>
+        <p:spPr/>
+        <p:txBody>
+          <a:bodyPr/>
+          <a:lstStyle/>
+          <a:p>
+            <a:fld id="{0F8E57A1-C481-6944-857F-EAC8E932B5ED}" type="slidenum">
+              <a:rPr kumimoji="1" lang="zh-CN" altLang="en-US" smtClean="0"/>
+              <a:t>23</a:t>
+            </a:fld>
+            <a:endParaRPr kumimoji="1" lang="zh-CN" altLang="en-US"/>
+          </a:p>
+        </p:txBody>
+      </p:sp>
+    </p:spTree>
+    <p:extLst>
+      <p:ext uri="{BB962C8B-B14F-4D97-AF65-F5344CB8AC3E}">
+        <p14:creationId xmlns:p14="http://schemas.microsoft.com/office/powerpoint/2010/main" val="3449255867"/>
+      </p:ext>
+    </p:extLst>
+  </p:cSld>
+  <p:clrMapOvr>
+    <a:masterClrMapping/>
+  </p:clrMapOvr>
+</p:notes>
+</file>
+
+<file path=ppt/notesSlides/notesSlide23.xml><?xml version="1.0" encoding="utf-8"?>
+<p:notes xmlns:a="http://schemas.openxmlformats.org/drawingml/2006/main" xmlns:r="http://schemas.openxmlformats.org/officeDocument/2006/relationships" xmlns:p="http://schemas.openxmlformats.org/presentationml/2006/main">
+  <p:cSld>
+    <p:spTree>
+      <p:nvGrpSpPr>
+        <p:cNvPr id="1" name=""/>
+        <p:cNvGrpSpPr/>
+        <p:nvPr/>
+      </p:nvGrpSpPr>
+      <p:grpSpPr>
+        <a:xfrm>
+          <a:off x="0" y="0"/>
+          <a:ext cx="0" cy="0"/>
+          <a:chOff x="0" y="0"/>
+          <a:chExt cx="0" cy="0"/>
+        </a:xfrm>
+      </p:grpSpPr>
+      <p:sp>
+        <p:nvSpPr>
+          <p:cNvPr id="2" name="幻灯片图像占位符 1"/>
+          <p:cNvSpPr>
+            <a:spLocks noGrp="1" noRot="1" noChangeAspect="1"/>
+          </p:cNvSpPr>
+          <p:nvPr>
+            <p:ph type="sldImg"/>
+          </p:nvPr>
+        </p:nvSpPr>
+        <p:spPr/>
+      </p:sp>
+      <p:sp>
+        <p:nvSpPr>
+          <p:cNvPr id="3" name="备注占位符 2"/>
+          <p:cNvSpPr>
+            <a:spLocks noGrp="1"/>
+          </p:cNvSpPr>
+          <p:nvPr>
+            <p:ph type="body" idx="1"/>
+          </p:nvPr>
+        </p:nvSpPr>
+        <p:spPr/>
+        <p:txBody>
+          <a:bodyPr/>
+          <a:lstStyle/>
+          <a:p>
+            <a:r>
+              <a:rPr kumimoji="1" lang="zh-CN" altLang="en-US" dirty="0"/>
+              <a:t>思考 </a:t>
+            </a:r>
+            <a:r>
+              <a:rPr kumimoji="1" lang="en-US" altLang="zh-CN" dirty="0"/>
+              <a:t>string</a:t>
+            </a:r>
+            <a:r>
+              <a:rPr kumimoji="1" lang="zh-CN" altLang="en-US" dirty="0"/>
+              <a:t> </a:t>
+            </a:r>
+            <a:r>
+              <a:rPr kumimoji="1" lang="en-US" altLang="zh-CN" dirty="0"/>
+              <a:t>===</a:t>
+            </a:r>
+            <a:r>
+              <a:rPr kumimoji="1" lang="zh-CN" altLang="en-US" dirty="0"/>
+              <a:t> 和</a:t>
+            </a:r>
+            <a:r>
+              <a:rPr kumimoji="1" lang="en-US" altLang="zh-CN" dirty="0"/>
+              <a:t>equal</a:t>
+            </a:r>
+            <a:r>
+              <a:rPr kumimoji="1" lang="zh-CN" altLang="en-US" dirty="0"/>
+              <a:t>的区别</a:t>
+            </a:r>
+            <a:endParaRPr kumimoji="1" lang="en-US" altLang="zh-CN" dirty="0"/>
+          </a:p>
+          <a:p>
+            <a:r>
+              <a:rPr lang="en-US" altLang="zh-CN" dirty="0">
+                <a:hlinkClick r:id="rId3"/>
+              </a:rPr>
+              <a:t>https://www.cnblogs.com/dongguol/p/5845076.html</a:t>
+            </a:r>
+            <a:endParaRPr kumimoji="1" lang="zh-CN" altLang="en-US" dirty="0"/>
+          </a:p>
+        </p:txBody>
+      </p:sp>
+      <p:sp>
+        <p:nvSpPr>
+          <p:cNvPr id="4" name="灯片编号占位符 3"/>
+          <p:cNvSpPr>
+            <a:spLocks noGrp="1"/>
+          </p:cNvSpPr>
+          <p:nvPr>
+            <p:ph type="sldNum" sz="quarter" idx="5"/>
+          </p:nvPr>
+        </p:nvSpPr>
+        <p:spPr/>
+        <p:txBody>
+          <a:bodyPr/>
+          <a:lstStyle/>
+          <a:p>
+            <a:fld id="{0F8E57A1-C481-6944-857F-EAC8E932B5ED}" type="slidenum">
+              <a:rPr kumimoji="1" lang="zh-CN" altLang="en-US" smtClean="0"/>
+              <a:t>24</a:t>
+            </a:fld>
+            <a:endParaRPr kumimoji="1" lang="zh-CN" altLang="en-US"/>
+          </a:p>
+        </p:txBody>
+      </p:sp>
+    </p:spTree>
+    <p:extLst>
+      <p:ext uri="{BB962C8B-B14F-4D97-AF65-F5344CB8AC3E}">
+        <p14:creationId xmlns:p14="http://schemas.microsoft.com/office/powerpoint/2010/main" val="3285456080"/>
+      </p:ext>
+    </p:extLst>
+  </p:cSld>
+  <p:clrMapOvr>
+    <a:masterClrMapping/>
+  </p:clrMapOvr>
+</p:notes>
+</file>
+
+<file path=ppt/notesSlides/notesSlide24.xml><?xml version="1.0" encoding="utf-8"?>
+<p:notes xmlns:a="http://schemas.openxmlformats.org/drawingml/2006/main" xmlns:r="http://schemas.openxmlformats.org/officeDocument/2006/relationships" xmlns:p="http://schemas.openxmlformats.org/presentationml/2006/main">
+  <p:cSld>
+    <p:spTree>
+      <p:nvGrpSpPr>
+        <p:cNvPr id="1" name=""/>
+        <p:cNvGrpSpPr/>
+        <p:nvPr/>
+      </p:nvGrpSpPr>
+      <p:grpSpPr>
+        <a:xfrm>
+          <a:off x="0" y="0"/>
+          <a:ext cx="0" cy="0"/>
+          <a:chOff x="0" y="0"/>
+          <a:chExt cx="0" cy="0"/>
+        </a:xfrm>
+      </p:grpSpPr>
+      <p:sp>
+        <p:nvSpPr>
+          <p:cNvPr id="2" name="幻灯片图像占位符 1"/>
+          <p:cNvSpPr>
+            <a:spLocks noGrp="1" noRot="1" noChangeAspect="1"/>
+          </p:cNvSpPr>
+          <p:nvPr>
+            <p:ph type="sldImg"/>
+          </p:nvPr>
+        </p:nvSpPr>
+        <p:spPr/>
+      </p:sp>
+      <p:sp>
+        <p:nvSpPr>
+          <p:cNvPr id="3" name="备注占位符 2"/>
+          <p:cNvSpPr>
+            <a:spLocks noGrp="1"/>
+          </p:cNvSpPr>
+          <p:nvPr>
+            <p:ph type="body" idx="1"/>
+          </p:nvPr>
+        </p:nvSpPr>
+        <p:spPr/>
+        <p:txBody>
+          <a:bodyPr/>
+          <a:lstStyle/>
+          <a:p>
+            <a:endParaRPr kumimoji="1" lang="zh-CN" altLang="en-US" dirty="0"/>
+          </a:p>
+        </p:txBody>
+      </p:sp>
+      <p:sp>
+        <p:nvSpPr>
+          <p:cNvPr id="4" name="灯片编号占位符 3"/>
+          <p:cNvSpPr>
+            <a:spLocks noGrp="1"/>
+          </p:cNvSpPr>
+          <p:nvPr>
+            <p:ph type="sldNum" sz="quarter" idx="5"/>
+          </p:nvPr>
+        </p:nvSpPr>
+        <p:spPr/>
+        <p:txBody>
+          <a:bodyPr/>
+          <a:lstStyle/>
+          <a:p>
+            <a:fld id="{0F8E57A1-C481-6944-857F-EAC8E932B5ED}" type="slidenum">
+              <a:rPr kumimoji="1" lang="zh-CN" altLang="en-US" smtClean="0"/>
+              <a:t>25</a:t>
+            </a:fld>
+            <a:endParaRPr kumimoji="1" lang="zh-CN" altLang="en-US"/>
+          </a:p>
+        </p:txBody>
+      </p:sp>
+    </p:spTree>
+    <p:extLst>
+      <p:ext uri="{BB962C8B-B14F-4D97-AF65-F5344CB8AC3E}">
+        <p14:creationId xmlns:p14="http://schemas.microsoft.com/office/powerpoint/2010/main" val="4167110842"/>
+      </p:ext>
+    </p:extLst>
+  </p:cSld>
+  <p:clrMapOvr>
+    <a:masterClrMapping/>
+  </p:clrMapOvr>
+</p:notes>
+</file>
+
+<file path=ppt/notesSlides/notesSlide25.xml><?xml version="1.0" encoding="utf-8"?>
+<p:notes xmlns:a="http://schemas.openxmlformats.org/drawingml/2006/main" xmlns:r="http://schemas.openxmlformats.org/officeDocument/2006/relationships" xmlns:p="http://schemas.openxmlformats.org/presentationml/2006/main">
+  <p:cSld>
+    <p:spTree>
+      <p:nvGrpSpPr>
+        <p:cNvPr id="1" name=""/>
+        <p:cNvGrpSpPr/>
+        <p:nvPr/>
+      </p:nvGrpSpPr>
+      <p:grpSpPr>
+        <a:xfrm>
+          <a:off x="0" y="0"/>
+          <a:ext cx="0" cy="0"/>
+          <a:chOff x="0" y="0"/>
+          <a:chExt cx="0" cy="0"/>
+        </a:xfrm>
+      </p:grpSpPr>
+      <p:sp>
+        <p:nvSpPr>
+          <p:cNvPr id="2" name="幻灯片图像占位符 1"/>
+          <p:cNvSpPr>
+            <a:spLocks noGrp="1" noRot="1" noChangeAspect="1"/>
+          </p:cNvSpPr>
+          <p:nvPr>
+            <p:ph type="sldImg"/>
+          </p:nvPr>
+        </p:nvSpPr>
+        <p:spPr/>
+      </p:sp>
+      <p:sp>
+        <p:nvSpPr>
+          <p:cNvPr id="3" name="备注占位符 2"/>
+          <p:cNvSpPr>
+            <a:spLocks noGrp="1"/>
+          </p:cNvSpPr>
+          <p:nvPr>
+            <p:ph type="body" idx="1"/>
+          </p:nvPr>
+        </p:nvSpPr>
+        <p:spPr/>
+        <p:txBody>
+          <a:bodyPr/>
+          <a:lstStyle/>
+          <a:p>
+            <a:endParaRPr kumimoji="1" lang="zh-CN" altLang="en-US" dirty="0"/>
+          </a:p>
+        </p:txBody>
+      </p:sp>
+      <p:sp>
+        <p:nvSpPr>
+          <p:cNvPr id="4" name="灯片编号占位符 3"/>
+          <p:cNvSpPr>
+            <a:spLocks noGrp="1"/>
+          </p:cNvSpPr>
+          <p:nvPr>
+            <p:ph type="sldNum" sz="quarter" idx="5"/>
+          </p:nvPr>
+        </p:nvSpPr>
+        <p:spPr/>
+        <p:txBody>
+          <a:bodyPr/>
+          <a:lstStyle/>
+          <a:p>
+            <a:fld id="{0F8E57A1-C481-6944-857F-EAC8E932B5ED}" type="slidenum">
+              <a:rPr kumimoji="1" lang="zh-CN" altLang="en-US" smtClean="0"/>
+              <a:t>26</a:t>
+            </a:fld>
+            <a:endParaRPr kumimoji="1" lang="zh-CN" altLang="en-US"/>
+          </a:p>
+        </p:txBody>
+      </p:sp>
+    </p:spTree>
+    <p:extLst>
+      <p:ext uri="{BB962C8B-B14F-4D97-AF65-F5344CB8AC3E}">
+        <p14:creationId xmlns:p14="http://schemas.microsoft.com/office/powerpoint/2010/main" val="216142064"/>
+      </p:ext>
+    </p:extLst>
+  </p:cSld>
+  <p:clrMapOvr>
+    <a:masterClrMapping/>
+  </p:clrMapOvr>
+</p:notes>
+</file>
+
 <file path=ppt/notesSlides/notesSlide3.xml><?xml version="1.0" encoding="utf-8"?>
 <p:notes xmlns:a="http://schemas.openxmlformats.org/drawingml/2006/main" xmlns:r="http://schemas.openxmlformats.org/officeDocument/2006/relationships" xmlns:p="http://schemas.openxmlformats.org/presentationml/2006/main">
   <p:cSld>
@@ -1038,7 +2195,7 @@
     </p:spTree>
     <p:extLst>
       <p:ext uri="{BB962C8B-B14F-4D97-AF65-F5344CB8AC3E}">
-        <p14:creationId xmlns:p14="http://schemas.microsoft.com/office/powerpoint/2010/main" val="4167065664"/>
+        <p14:creationId xmlns:p14="http://schemas.microsoft.com/office/powerpoint/2010/main" val="2136779249"/>
       </p:ext>
     </p:extLst>
   </p:cSld>
@@ -1125,7 +2282,7 @@
     </p:spTree>
     <p:extLst>
       <p:ext uri="{BB962C8B-B14F-4D97-AF65-F5344CB8AC3E}">
-        <p14:creationId xmlns:p14="http://schemas.microsoft.com/office/powerpoint/2010/main" val="3878273792"/>
+        <p14:creationId xmlns:p14="http://schemas.microsoft.com/office/powerpoint/2010/main" val="2889224913"/>
       </p:ext>
     </p:extLst>
   </p:cSld>
@@ -1212,7 +2369,7 @@
     </p:spTree>
     <p:extLst>
       <p:ext uri="{BB962C8B-B14F-4D97-AF65-F5344CB8AC3E}">
-        <p14:creationId xmlns:p14="http://schemas.microsoft.com/office/powerpoint/2010/main" val="170240638"/>
+        <p14:creationId xmlns:p14="http://schemas.microsoft.com/office/powerpoint/2010/main" val="3367842529"/>
       </p:ext>
     </p:extLst>
   </p:cSld>
@@ -1299,7 +2456,7 @@
     </p:spTree>
     <p:extLst>
       <p:ext uri="{BB962C8B-B14F-4D97-AF65-F5344CB8AC3E}">
-        <p14:creationId xmlns:p14="http://schemas.microsoft.com/office/powerpoint/2010/main" val="1804485898"/>
+        <p14:creationId xmlns:p14="http://schemas.microsoft.com/office/powerpoint/2010/main" val="448297259"/>
       </p:ext>
     </p:extLst>
   </p:cSld>
@@ -1386,7 +2543,7 @@
     </p:spTree>
     <p:extLst>
       <p:ext uri="{BB962C8B-B14F-4D97-AF65-F5344CB8AC3E}">
-        <p14:creationId xmlns:p14="http://schemas.microsoft.com/office/powerpoint/2010/main" val="1812784520"/>
+        <p14:creationId xmlns:p14="http://schemas.microsoft.com/office/powerpoint/2010/main" val="1583323465"/>
       </p:ext>
     </p:extLst>
   </p:cSld>
@@ -1441,9 +2598,105 @@
           <a:lstStyle/>
           <a:p>
             <a:r>
-              <a:rPr kumimoji="1" lang="zh-CN" altLang="en-US" dirty="0"/>
-              <a:t>切换到代码演示</a:t>
-            </a:r>
+              <a:rPr lang="zh-CN" altLang="en-US" sz="1200" b="0" i="0" kern="1200" dirty="0">
+                <a:solidFill>
+                  <a:schemeClr val="tx1"/>
+                </a:solidFill>
+                <a:effectLst/>
+                <a:latin typeface="+mn-lt"/>
+                <a:ea typeface="+mn-ea"/>
+                <a:cs typeface="+mn-cs"/>
+              </a:rPr>
+              <a:t>在</a:t>
+            </a:r>
+            <a:r>
+              <a:rPr lang="en-US" altLang="zh-CN" sz="1200" b="0" i="0" kern="1200" dirty="0">
+                <a:solidFill>
+                  <a:schemeClr val="tx1"/>
+                </a:solidFill>
+                <a:effectLst/>
+                <a:latin typeface="+mn-lt"/>
+                <a:ea typeface="+mn-ea"/>
+                <a:cs typeface="+mn-cs"/>
+              </a:rPr>
+              <a:t>java</a:t>
+            </a:r>
+            <a:r>
+              <a:rPr lang="zh-CN" altLang="en-US" sz="1200" b="0" i="0" kern="1200" dirty="0">
+                <a:solidFill>
+                  <a:schemeClr val="tx1"/>
+                </a:solidFill>
+                <a:effectLst/>
+                <a:latin typeface="+mn-lt"/>
+                <a:ea typeface="+mn-ea"/>
+                <a:cs typeface="+mn-cs"/>
+              </a:rPr>
+              <a:t>中内存中的对象地址是可变的，所以获得的内存地址有可能会变化。要获得内存地址也只能通过</a:t>
+            </a:r>
+            <a:r>
+              <a:rPr lang="en-US" altLang="zh-CN" sz="1200" b="0" i="0" kern="1200" dirty="0">
+                <a:solidFill>
+                  <a:schemeClr val="tx1"/>
+                </a:solidFill>
+                <a:effectLst/>
+                <a:latin typeface="+mn-lt"/>
+                <a:ea typeface="+mn-ea"/>
+                <a:cs typeface="+mn-cs"/>
+              </a:rPr>
+              <a:t>Unsafe</a:t>
+            </a:r>
+            <a:r>
+              <a:rPr lang="zh-CN" altLang="en-US" sz="1200" b="0" i="0" kern="1200" dirty="0">
+                <a:solidFill>
+                  <a:schemeClr val="tx1"/>
+                </a:solidFill>
+                <a:effectLst/>
+                <a:latin typeface="+mn-lt"/>
+                <a:ea typeface="+mn-ea"/>
+                <a:cs typeface="+mn-cs"/>
+              </a:rPr>
+              <a:t>的方法来获得</a:t>
+            </a:r>
+            <a:endParaRPr lang="en-US" altLang="zh-CN" sz="1200" b="0" i="0" kern="1200" dirty="0">
+              <a:solidFill>
+                <a:schemeClr val="tx1"/>
+              </a:solidFill>
+              <a:effectLst/>
+              <a:latin typeface="+mn-lt"/>
+              <a:ea typeface="+mn-ea"/>
+              <a:cs typeface="+mn-cs"/>
+            </a:endParaRPr>
+          </a:p>
+          <a:p>
+            <a:endParaRPr lang="en-US" altLang="zh-CN" sz="1200" b="0" i="0" kern="1200" dirty="0">
+              <a:solidFill>
+                <a:schemeClr val="tx1"/>
+              </a:solidFill>
+              <a:effectLst/>
+              <a:latin typeface="+mn-lt"/>
+              <a:ea typeface="+mn-ea"/>
+              <a:cs typeface="+mn-cs"/>
+            </a:endParaRPr>
+          </a:p>
+          <a:p>
+            <a:r>
+              <a:rPr lang="en-US" altLang="zh-CN" dirty="0">
+                <a:hlinkClick r:id="rId3"/>
+              </a:rPr>
+              <a:t>https://blog.csdn.net/mxd446814583/article/details/79599752?depth_1-utm_source=distribute.pc_relevant.none-task&amp;utm_source=distribute.pc_relevant.none-task</a:t>
+            </a:r>
+            <a:endParaRPr lang="en-US" altLang="zh-CN" sz="1200" b="0" i="0" kern="1200" dirty="0">
+              <a:solidFill>
+                <a:schemeClr val="tx1"/>
+              </a:solidFill>
+              <a:effectLst/>
+              <a:latin typeface="+mn-lt"/>
+              <a:ea typeface="+mn-ea"/>
+              <a:cs typeface="+mn-cs"/>
+            </a:endParaRPr>
+          </a:p>
+          <a:p>
+            <a:endParaRPr kumimoji="1" lang="zh-CN" altLang="en-US" dirty="0"/>
           </a:p>
         </p:txBody>
       </p:sp>
@@ -1473,7 +2726,7 @@
     </p:spTree>
     <p:extLst>
       <p:ext uri="{BB962C8B-B14F-4D97-AF65-F5344CB8AC3E}">
-        <p14:creationId xmlns:p14="http://schemas.microsoft.com/office/powerpoint/2010/main" val="2895295428"/>
+        <p14:creationId xmlns:p14="http://schemas.microsoft.com/office/powerpoint/2010/main" val="3721968984"/>
       </p:ext>
     </p:extLst>
   </p:cSld>
@@ -1560,7 +2813,7 @@
     </p:spTree>
     <p:extLst>
       <p:ext uri="{BB962C8B-B14F-4D97-AF65-F5344CB8AC3E}">
-        <p14:creationId xmlns:p14="http://schemas.microsoft.com/office/powerpoint/2010/main" val="3449255867"/>
+        <p14:creationId xmlns:p14="http://schemas.microsoft.com/office/powerpoint/2010/main" val="3136723006"/>
       </p:ext>
     </p:extLst>
   </p:cSld>
@@ -5016,23 +6269,16 @@
                 <a:latin typeface="Microsoft YaHei" panose="020B0503020204020204" pitchFamily="34" charset="-122"/>
                 <a:ea typeface="Microsoft YaHei" panose="020B0503020204020204" pitchFamily="34" charset="-122"/>
               </a:rPr>
-              <a:t>3.</a:t>
+              <a:t>2.</a:t>
             </a:r>
             <a:r>
               <a:rPr kumimoji="1" lang="zh-CN" altLang="en-US" sz="4800" dirty="0">
                 <a:latin typeface="Microsoft YaHei" panose="020B0503020204020204" pitchFamily="34" charset="-122"/>
                 <a:ea typeface="Microsoft YaHei" panose="020B0503020204020204" pitchFamily="34" charset="-122"/>
               </a:rPr>
-              <a:t>字符类</a:t>
-            </a:r>
-            <a:r>
-              <a:rPr kumimoji="1" lang="en-US" altLang="zh-CN" sz="4800" dirty="0">
-                <a:latin typeface="Microsoft YaHei" panose="020B0503020204020204" pitchFamily="34" charset="-122"/>
-                <a:ea typeface="Microsoft YaHei" panose="020B0503020204020204" pitchFamily="34" charset="-122"/>
-              </a:rPr>
-              <a:t>---character</a:t>
-            </a:r>
-            <a:endParaRPr kumimoji="1" lang="zh-CN" altLang="en-US" sz="4800" dirty="0">
+              <a:t>如何复制呢？</a:t>
+            </a:r>
+            <a:endParaRPr kumimoji="1" lang="en-US" altLang="zh-CN" sz="4800" dirty="0">
               <a:latin typeface="Microsoft YaHei" panose="020B0503020204020204" pitchFamily="34" charset="-122"/>
               <a:ea typeface="Microsoft YaHei" panose="020B0503020204020204" pitchFamily="34" charset="-122"/>
             </a:endParaRPr>
@@ -5041,10 +6287,10 @@
       </p:sp>
       <p:sp>
         <p:nvSpPr>
-          <p:cNvPr id="5" name="文本框 4">
+          <p:cNvPr id="8" name="文本框 7">
             <a:extLst>
               <a:ext uri="{FF2B5EF4-FFF2-40B4-BE49-F238E27FC236}">
-                <a16:creationId xmlns:a16="http://schemas.microsoft.com/office/drawing/2014/main" id="{BDDFC8EF-233D-6844-BAEC-86A2AA36D545}"/>
+                <a16:creationId xmlns:a16="http://schemas.microsoft.com/office/drawing/2014/main" id="{B294230C-E86E-7247-BAC6-5F43DED3D0AF}"/>
               </a:ext>
             </a:extLst>
           </p:cNvPr>
@@ -5053,8 +6299,8 @@
         </p:nvSpPr>
         <p:spPr>
           <a:xfrm>
-            <a:off x="935664" y="2295988"/>
-            <a:ext cx="9937898" cy="523220"/>
+            <a:off x="1353666" y="2147777"/>
+            <a:ext cx="10682389" cy="2881467"/>
           </a:xfrm>
           <a:prstGeom prst="rect">
             <a:avLst/>
@@ -5062,207 +6308,230 @@
           <a:noFill/>
         </p:spPr>
         <p:txBody>
-          <a:bodyPr wrap="square" rtlCol="0">
+          <a:bodyPr wrap="square" tIns="360000" bIns="360000" rtlCol="0">
             <a:spAutoFit/>
           </a:bodyPr>
           <a:lstStyle/>
           <a:p>
-            <a:r>
-              <a:rPr lang="en-US" altLang="zh-CN" sz="2800" dirty="0"/>
-              <a:t>Java </a:t>
-            </a:r>
-            <a:r>
-              <a:rPr lang="zh-CN" altLang="en-US" sz="2800" dirty="0"/>
-              <a:t>的 </a:t>
-            </a:r>
-            <a:r>
-              <a:rPr lang="en-US" altLang="zh-CN" sz="2800" dirty="0"/>
-              <a:t>Character </a:t>
-            </a:r>
-            <a:r>
-              <a:rPr lang="zh-CN" altLang="en-US" sz="2800" dirty="0"/>
-              <a:t>类提供了下列方法用于进行字符处理</a:t>
-            </a:r>
-            <a:endParaRPr lang="en-US" altLang="zh-CN" sz="2800" dirty="0"/>
-          </a:p>
-        </p:txBody>
-      </p:sp>
-      <p:pic>
-        <p:nvPicPr>
-          <p:cNvPr id="6" name="图片 5">
-            <a:extLst>
-              <a:ext uri="{FF2B5EF4-FFF2-40B4-BE49-F238E27FC236}">
-                <a16:creationId xmlns:a16="http://schemas.microsoft.com/office/drawing/2014/main" id="{909F9A0F-7AF4-3E44-A204-D8DCFE21581E}"/>
-              </a:ext>
-            </a:extLst>
-          </p:cNvPr>
-          <p:cNvPicPr>
-            <a:picLocks noChangeAspect="1"/>
-          </p:cNvPicPr>
-          <p:nvPr/>
-        </p:nvPicPr>
-        <p:blipFill>
-          <a:blip r:embed="rId4"/>
-          <a:stretch>
-            <a:fillRect/>
-          </a:stretch>
-        </p:blipFill>
-        <p:spPr>
-          <a:xfrm>
-            <a:off x="935664" y="3104707"/>
-            <a:ext cx="10592985" cy="2817839"/>
-          </a:xfrm>
-          <a:prstGeom prst="rect">
-            <a:avLst/>
-          </a:prstGeom>
-        </p:spPr>
-      </p:pic>
-      <p:sp>
-        <p:nvSpPr>
-          <p:cNvPr id="7" name="文本框 6">
-            <a:extLst>
-              <a:ext uri="{FF2B5EF4-FFF2-40B4-BE49-F238E27FC236}">
-                <a16:creationId xmlns:a16="http://schemas.microsoft.com/office/drawing/2014/main" id="{6857331E-A777-044E-948D-BA4E25600C53}"/>
-              </a:ext>
-            </a:extLst>
-          </p:cNvPr>
-          <p:cNvSpPr txBox="1"/>
-          <p:nvPr/>
-        </p:nvSpPr>
-        <p:spPr>
-          <a:xfrm>
-            <a:off x="3296092" y="6138001"/>
-            <a:ext cx="4827181" cy="400110"/>
-          </a:xfrm>
-          <a:prstGeom prst="rect">
-            <a:avLst/>
-          </a:prstGeom>
-          <a:solidFill>
-            <a:schemeClr val="accent2"/>
-          </a:solidFill>
-        </p:spPr>
-        <p:txBody>
-          <a:bodyPr wrap="square" rtlCol="0">
-            <a:spAutoFit/>
-          </a:bodyPr>
-          <a:lstStyle/>
-          <a:p>
-            <a:r>
-              <a:rPr kumimoji="1" lang="zh-CN" altLang="en-US" sz="2000" dirty="0">
-                <a:solidFill>
-                  <a:schemeClr val="bg1"/>
-                </a:solidFill>
-              </a:rPr>
-              <a:t>上代码： </a:t>
-            </a:r>
-            <a:r>
-              <a:rPr kumimoji="1" lang="en-US" altLang="zh-CN" sz="2000" dirty="0">
-                <a:solidFill>
-                  <a:schemeClr val="bg1"/>
-                </a:solidFill>
-              </a:rPr>
-              <a:t>talk</a:t>
-            </a:r>
-            <a:r>
-              <a:rPr kumimoji="1" lang="zh-CN" altLang="en-US" sz="2000" dirty="0">
-                <a:solidFill>
-                  <a:schemeClr val="bg1"/>
-                </a:solidFill>
+            <a:pPr marL="514350" indent="-514350">
+              <a:buFont typeface="+mj-lt"/>
+              <a:buAutoNum type="arabicPeriod"/>
+            </a:pPr>
+            <a:r>
+              <a:rPr lang="en-US" altLang="zh-CN" sz="2800" dirty="0">
+                <a:latin typeface="Microsoft YaHei" panose="020B0503020204020204" pitchFamily="34" charset="-122"/>
+                <a:ea typeface="Microsoft YaHei" panose="020B0503020204020204" pitchFamily="34" charset="-122"/>
+              </a:rPr>
+              <a:t>for</a:t>
+            </a:r>
+            <a:r>
+              <a:rPr lang="zh-CN" altLang="en-US" sz="2800" dirty="0">
+                <a:latin typeface="Microsoft YaHei" panose="020B0503020204020204" pitchFamily="34" charset="-122"/>
+                <a:ea typeface="Microsoft YaHei" panose="020B0503020204020204" pitchFamily="34" charset="-122"/>
+              </a:rPr>
+              <a:t> 循环 逐个赋值，自己写</a:t>
+            </a:r>
+            <a:endParaRPr lang="en-US" altLang="zh-CN" sz="2800" dirty="0">
+              <a:latin typeface="Microsoft YaHei" panose="020B0503020204020204" pitchFamily="34" charset="-122"/>
+              <a:ea typeface="Microsoft YaHei" panose="020B0503020204020204" pitchFamily="34" charset="-122"/>
+            </a:endParaRPr>
+          </a:p>
+          <a:p>
+            <a:pPr marL="514350" indent="-514350">
+              <a:buFont typeface="+mj-lt"/>
+              <a:buAutoNum type="arabicPeriod"/>
+            </a:pPr>
+            <a:r>
+              <a:rPr lang="en-US" altLang="zh-CN" sz="2800" dirty="0" err="1">
+                <a:latin typeface="Microsoft YaHei" panose="020B0503020204020204" pitchFamily="34" charset="-122"/>
+                <a:ea typeface="Microsoft YaHei" panose="020B0503020204020204" pitchFamily="34" charset="-122"/>
+              </a:rPr>
+              <a:t>arraycopy</a:t>
+            </a:r>
+            <a:r>
+              <a:rPr lang="en-US" altLang="zh-CN" sz="2800" dirty="0">
+                <a:latin typeface="Microsoft YaHei" panose="020B0503020204020204" pitchFamily="34" charset="-122"/>
+                <a:ea typeface="Microsoft YaHei" panose="020B0503020204020204" pitchFamily="34" charset="-122"/>
+              </a:rPr>
+              <a:t>(</a:t>
+            </a:r>
+            <a:r>
+              <a:rPr lang="en-US" altLang="zh-CN" sz="2800" dirty="0" err="1">
+                <a:latin typeface="Microsoft YaHei" panose="020B0503020204020204" pitchFamily="34" charset="-122"/>
+                <a:ea typeface="Microsoft YaHei" panose="020B0503020204020204" pitchFamily="34" charset="-122"/>
+              </a:rPr>
+              <a:t>sourceArray,srcPos,targetArray,tarPos,length</a:t>
+            </a:r>
+            <a:r>
+              <a:rPr lang="en-US" altLang="zh-CN" sz="2800" dirty="0">
+                <a:latin typeface="Microsoft YaHei" panose="020B0503020204020204" pitchFamily="34" charset="-122"/>
+                <a:ea typeface="Microsoft YaHei" panose="020B0503020204020204" pitchFamily="34" charset="-122"/>
+              </a:rPr>
+              <a:t>)</a:t>
+            </a:r>
+            <a:r>
+              <a:rPr lang="zh-CN" altLang="en-US" sz="2800" dirty="0">
+                <a:latin typeface="Microsoft YaHei" panose="020B0503020204020204" pitchFamily="34" charset="-122"/>
+                <a:ea typeface="Microsoft YaHei" panose="020B0503020204020204" pitchFamily="34" charset="-122"/>
               </a:rPr>
               <a:t> </a:t>
             </a:r>
-            <a:r>
-              <a:rPr kumimoji="1" lang="en-US" altLang="zh-CN" sz="2000" dirty="0">
-                <a:solidFill>
-                  <a:schemeClr val="bg1"/>
-                </a:solidFill>
-              </a:rPr>
-              <a:t>is</a:t>
-            </a:r>
-            <a:r>
-              <a:rPr kumimoji="1" lang="zh-CN" altLang="en-US" sz="2000" dirty="0">
-                <a:solidFill>
-                  <a:schemeClr val="bg1"/>
-                </a:solidFill>
+            <a:endParaRPr lang="en-US" altLang="zh-CN" sz="2800" dirty="0">
+              <a:latin typeface="Microsoft YaHei" panose="020B0503020204020204" pitchFamily="34" charset="-122"/>
+              <a:ea typeface="Microsoft YaHei" panose="020B0503020204020204" pitchFamily="34" charset="-122"/>
+            </a:endParaRPr>
+          </a:p>
+          <a:p>
+            <a:r>
+              <a:rPr lang="zh-CN" altLang="en-US" sz="2800" dirty="0">
+                <a:latin typeface="Microsoft YaHei" panose="020B0503020204020204" pitchFamily="34" charset="-122"/>
+                <a:ea typeface="Microsoft YaHei" panose="020B0503020204020204" pitchFamily="34" charset="-122"/>
+              </a:rPr>
+              <a:t>其中，参数 </a:t>
+            </a:r>
+            <a:r>
+              <a:rPr lang="en-US" altLang="zh-CN" sz="2800" dirty="0" err="1">
+                <a:latin typeface="Microsoft YaHei" panose="020B0503020204020204" pitchFamily="34" charset="-122"/>
+                <a:ea typeface="Microsoft YaHei" panose="020B0503020204020204" pitchFamily="34" charset="-122"/>
+              </a:rPr>
+              <a:t>srcPos</a:t>
+            </a:r>
+            <a:r>
+              <a:rPr lang="en-US" altLang="zh-CN" sz="2800" dirty="0">
+                <a:latin typeface="Microsoft YaHei" panose="020B0503020204020204" pitchFamily="34" charset="-122"/>
+                <a:ea typeface="Microsoft YaHei" panose="020B0503020204020204" pitchFamily="34" charset="-122"/>
               </a:rPr>
               <a:t> </a:t>
             </a:r>
             <a:r>
-              <a:rPr kumimoji="1" lang="en-US" altLang="zh-CN" sz="2000" dirty="0">
-                <a:solidFill>
-                  <a:schemeClr val="bg1"/>
-                </a:solidFill>
-              </a:rPr>
-              <a:t>cheap,</a:t>
-            </a:r>
-            <a:r>
-              <a:rPr kumimoji="1" lang="zh-CN" altLang="en-US" sz="2000" dirty="0">
-                <a:solidFill>
-                  <a:schemeClr val="bg1"/>
-                </a:solidFill>
+              <a:rPr lang="zh-CN" altLang="en-US" sz="2800" dirty="0">
+                <a:latin typeface="Microsoft YaHei" panose="020B0503020204020204" pitchFamily="34" charset="-122"/>
+                <a:ea typeface="Microsoft YaHei" panose="020B0503020204020204" pitchFamily="34" charset="-122"/>
+              </a:rPr>
+              <a:t>和 </a:t>
+            </a:r>
+            <a:r>
+              <a:rPr lang="en-US" altLang="zh-CN" sz="2800" dirty="0" err="1">
+                <a:latin typeface="Microsoft YaHei" panose="020B0503020204020204" pitchFamily="34" charset="-122"/>
+                <a:ea typeface="Microsoft YaHei" panose="020B0503020204020204" pitchFamily="34" charset="-122"/>
+              </a:rPr>
+              <a:t>tarPos</a:t>
+            </a:r>
+            <a:r>
+              <a:rPr lang="en-US" altLang="zh-CN" sz="2800" dirty="0">
+                <a:latin typeface="Microsoft YaHei" panose="020B0503020204020204" pitchFamily="34" charset="-122"/>
+                <a:ea typeface="Microsoft YaHei" panose="020B0503020204020204" pitchFamily="34" charset="-122"/>
               </a:rPr>
               <a:t> </a:t>
             </a:r>
             <a:r>
-              <a:rPr kumimoji="1" lang="en-US" altLang="zh-CN" sz="2000" dirty="0">
-                <a:solidFill>
-                  <a:schemeClr val="bg1"/>
-                </a:solidFill>
-              </a:rPr>
-              <a:t>show</a:t>
-            </a:r>
-            <a:r>
-              <a:rPr kumimoji="1" lang="zh-CN" altLang="en-US" sz="2000" dirty="0">
-                <a:solidFill>
-                  <a:schemeClr val="bg1"/>
-                </a:solidFill>
+              <a:rPr lang="zh-CN" altLang="en-US" sz="2800" dirty="0">
+                <a:latin typeface="Microsoft YaHei" panose="020B0503020204020204" pitchFamily="34" charset="-122"/>
+                <a:ea typeface="Microsoft YaHei" panose="020B0503020204020204" pitchFamily="34" charset="-122"/>
+              </a:rPr>
+              <a:t>分别表示在源数组 </a:t>
+            </a:r>
+            <a:r>
+              <a:rPr lang="en-US" altLang="zh-CN" sz="2800" dirty="0" err="1">
+                <a:latin typeface="Microsoft YaHei" panose="020B0503020204020204" pitchFamily="34" charset="-122"/>
+                <a:ea typeface="Microsoft YaHei" panose="020B0503020204020204" pitchFamily="34" charset="-122"/>
+              </a:rPr>
+              <a:t>sourceArray</a:t>
+            </a:r>
+            <a:r>
+              <a:rPr lang="en-US" altLang="zh-CN" sz="2800" dirty="0">
+                <a:latin typeface="Microsoft YaHei" panose="020B0503020204020204" pitchFamily="34" charset="-122"/>
+                <a:ea typeface="Microsoft YaHei" panose="020B0503020204020204" pitchFamily="34" charset="-122"/>
               </a:rPr>
               <a:t> </a:t>
             </a:r>
             <a:r>
-              <a:rPr kumimoji="1" lang="en-US" altLang="zh-CN" sz="2000" dirty="0">
-                <a:solidFill>
-                  <a:schemeClr val="bg1"/>
-                </a:solidFill>
-              </a:rPr>
-              <a:t>me</a:t>
-            </a:r>
-            <a:r>
-              <a:rPr kumimoji="1" lang="zh-CN" altLang="en-US" sz="2000" dirty="0">
-                <a:solidFill>
-                  <a:schemeClr val="bg1"/>
-                </a:solidFill>
+              <a:rPr lang="zh-CN" altLang="en-US" sz="2800" dirty="0">
+                <a:latin typeface="Microsoft YaHei" panose="020B0503020204020204" pitchFamily="34" charset="-122"/>
+                <a:ea typeface="Microsoft YaHei" panose="020B0503020204020204" pitchFamily="34" charset="-122"/>
+              </a:rPr>
+              <a:t>和目标数组 </a:t>
+            </a:r>
+            <a:r>
+              <a:rPr lang="en-US" altLang="zh-CN" sz="2800" dirty="0" err="1">
+                <a:latin typeface="Microsoft YaHei" panose="020B0503020204020204" pitchFamily="34" charset="-122"/>
+                <a:ea typeface="Microsoft YaHei" panose="020B0503020204020204" pitchFamily="34" charset="-122"/>
+              </a:rPr>
+              <a:t>targetArray</a:t>
+            </a:r>
+            <a:r>
+              <a:rPr lang="en-US" altLang="zh-CN" sz="2800" dirty="0">
+                <a:latin typeface="Microsoft YaHei" panose="020B0503020204020204" pitchFamily="34" charset="-122"/>
+                <a:ea typeface="Microsoft YaHei" panose="020B0503020204020204" pitchFamily="34" charset="-122"/>
               </a:rPr>
               <a:t> </a:t>
             </a:r>
             <a:r>
-              <a:rPr kumimoji="1" lang="en-US" altLang="zh-CN" sz="2000" dirty="0">
-                <a:solidFill>
-                  <a:schemeClr val="bg1"/>
-                </a:solidFill>
-              </a:rPr>
-              <a:t>the</a:t>
-            </a:r>
-            <a:r>
-              <a:rPr kumimoji="1" lang="zh-CN" altLang="en-US" sz="2000" dirty="0">
-                <a:solidFill>
-                  <a:schemeClr val="bg1"/>
-                </a:solidFill>
+              <a:rPr lang="zh-CN" altLang="en-US" sz="2800" dirty="0">
+                <a:latin typeface="Microsoft YaHei" panose="020B0503020204020204" pitchFamily="34" charset="-122"/>
+                <a:ea typeface="Microsoft YaHei" panose="020B0503020204020204" pitchFamily="34" charset="-122"/>
+              </a:rPr>
+              <a:t>中的 起始位置。从 </a:t>
+            </a:r>
+            <a:r>
+              <a:rPr lang="en-US" altLang="zh-CN" sz="2800" dirty="0" err="1">
+                <a:latin typeface="Microsoft YaHei" panose="020B0503020204020204" pitchFamily="34" charset="-122"/>
+                <a:ea typeface="Microsoft YaHei" panose="020B0503020204020204" pitchFamily="34" charset="-122"/>
+              </a:rPr>
+              <a:t>sourceArray</a:t>
+            </a:r>
+            <a:r>
+              <a:rPr lang="en-US" altLang="zh-CN" sz="2800" dirty="0">
+                <a:latin typeface="Microsoft YaHei" panose="020B0503020204020204" pitchFamily="34" charset="-122"/>
+                <a:ea typeface="Microsoft YaHei" panose="020B0503020204020204" pitchFamily="34" charset="-122"/>
               </a:rPr>
               <a:t> </a:t>
             </a:r>
             <a:r>
-              <a:rPr kumimoji="1" lang="en-US" altLang="zh-CN" sz="2000" dirty="0">
-                <a:solidFill>
-                  <a:schemeClr val="bg1"/>
-                </a:solidFill>
-              </a:rPr>
-              <a:t>code</a:t>
-            </a:r>
-            <a:endParaRPr kumimoji="1" lang="zh-CN" altLang="en-US" sz="2000" dirty="0">
-              <a:solidFill>
-                <a:schemeClr val="bg1"/>
-              </a:solidFill>
+              <a:rPr lang="zh-CN" altLang="en-US" sz="2800" dirty="0">
+                <a:latin typeface="Microsoft YaHei" panose="020B0503020204020204" pitchFamily="34" charset="-122"/>
+                <a:ea typeface="Microsoft YaHei" panose="020B0503020204020204" pitchFamily="34" charset="-122"/>
+              </a:rPr>
+              <a:t>复制到 </a:t>
+            </a:r>
+            <a:r>
+              <a:rPr lang="en-US" altLang="zh-CN" sz="2800" dirty="0" err="1">
+                <a:latin typeface="Microsoft YaHei" panose="020B0503020204020204" pitchFamily="34" charset="-122"/>
+                <a:ea typeface="Microsoft YaHei" panose="020B0503020204020204" pitchFamily="34" charset="-122"/>
+              </a:rPr>
+              <a:t>targetArray</a:t>
+            </a:r>
+            <a:r>
+              <a:rPr lang="en-US" altLang="zh-CN" sz="2800" dirty="0">
+                <a:latin typeface="Microsoft YaHei" panose="020B0503020204020204" pitchFamily="34" charset="-122"/>
+                <a:ea typeface="Microsoft YaHei" panose="020B0503020204020204" pitchFamily="34" charset="-122"/>
+              </a:rPr>
+              <a:t> </a:t>
+            </a:r>
+            <a:r>
+              <a:rPr lang="zh-CN" altLang="en-US" sz="2800" dirty="0">
+                <a:latin typeface="Microsoft YaHei" panose="020B0503020204020204" pitchFamily="34" charset="-122"/>
+                <a:ea typeface="Microsoft YaHei" panose="020B0503020204020204" pitchFamily="34" charset="-122"/>
+              </a:rPr>
+              <a:t>中的元素个数由参数 </a:t>
+            </a:r>
+            <a:r>
+              <a:rPr lang="en-US" altLang="zh-CN" sz="2800" dirty="0">
+                <a:latin typeface="Microsoft YaHei" panose="020B0503020204020204" pitchFamily="34" charset="-122"/>
+                <a:ea typeface="Microsoft YaHei" panose="020B0503020204020204" pitchFamily="34" charset="-122"/>
+              </a:rPr>
+              <a:t>length </a:t>
+            </a:r>
+            <a:r>
+              <a:rPr lang="zh-CN" altLang="en-US" sz="2800" dirty="0">
+                <a:latin typeface="Microsoft YaHei" panose="020B0503020204020204" pitchFamily="34" charset="-122"/>
+                <a:ea typeface="Microsoft YaHei" panose="020B0503020204020204" pitchFamily="34" charset="-122"/>
+              </a:rPr>
+              <a:t>指定。</a:t>
+            </a:r>
+            <a:endParaRPr lang="en-US" altLang="zh-CN" sz="2800" dirty="0">
+              <a:latin typeface="Microsoft YaHei" panose="020B0503020204020204" pitchFamily="34" charset="-122"/>
+              <a:ea typeface="Microsoft YaHei" panose="020B0503020204020204" pitchFamily="34" charset="-122"/>
             </a:endParaRPr>
           </a:p>
         </p:txBody>
@@ -5270,7 +6539,7 @@
     </p:spTree>
     <p:extLst>
       <p:ext uri="{BB962C8B-B14F-4D97-AF65-F5344CB8AC3E}">
-        <p14:creationId xmlns:p14="http://schemas.microsoft.com/office/powerpoint/2010/main" val="1841721081"/>
+        <p14:creationId xmlns:p14="http://schemas.microsoft.com/office/powerpoint/2010/main" val="3531956083"/>
       </p:ext>
     </p:extLst>
   </p:cSld>
@@ -5340,37 +6609,16 @@
                 <a:latin typeface="Microsoft YaHei" panose="020B0503020204020204" pitchFamily="34" charset="-122"/>
                 <a:ea typeface="Microsoft YaHei" panose="020B0503020204020204" pitchFamily="34" charset="-122"/>
               </a:rPr>
-              <a:t>4.</a:t>
+              <a:t>3.</a:t>
             </a:r>
             <a:r>
               <a:rPr kumimoji="1" lang="zh-CN" altLang="en-US" sz="4800" dirty="0">
                 <a:latin typeface="Microsoft YaHei" panose="020B0503020204020204" pitchFamily="34" charset="-122"/>
                 <a:ea typeface="Microsoft YaHei" panose="020B0503020204020204" pitchFamily="34" charset="-122"/>
               </a:rPr>
-              <a:t>字符串</a:t>
-            </a:r>
-            <a:r>
-              <a:rPr kumimoji="1" lang="en-US" altLang="zh-CN" sz="4800" dirty="0">
-                <a:latin typeface="Microsoft YaHei" panose="020B0503020204020204" pitchFamily="34" charset="-122"/>
-                <a:ea typeface="Microsoft YaHei" panose="020B0503020204020204" pitchFamily="34" charset="-122"/>
-              </a:rPr>
-              <a:t>(java</a:t>
-            </a:r>
-            <a:r>
-              <a:rPr kumimoji="1" lang="zh-CN" altLang="en-US" sz="4800" dirty="0">
-                <a:latin typeface="Microsoft YaHei" panose="020B0503020204020204" pitchFamily="34" charset="-122"/>
-                <a:ea typeface="Microsoft YaHei" panose="020B0503020204020204" pitchFamily="34" charset="-122"/>
-              </a:rPr>
-              <a:t>重要部分来了</a:t>
-            </a:r>
-            <a:r>
-              <a:rPr kumimoji="1" lang="en-US" altLang="zh-CN" sz="4800" dirty="0">
-                <a:latin typeface="Microsoft YaHei" panose="020B0503020204020204" pitchFamily="34" charset="-122"/>
-                <a:ea typeface="Microsoft YaHei" panose="020B0503020204020204" pitchFamily="34" charset="-122"/>
-              </a:rPr>
-              <a:t>)</a:t>
-            </a:r>
-            <a:endParaRPr kumimoji="1" lang="zh-CN" altLang="en-US" sz="4800" dirty="0">
+              <a:t>将数组传递给方法</a:t>
+            </a:r>
+            <a:endParaRPr kumimoji="1" lang="en-US" altLang="zh-CN" sz="4800" dirty="0">
               <a:latin typeface="Microsoft YaHei" panose="020B0503020204020204" pitchFamily="34" charset="-122"/>
               <a:ea typeface="Microsoft YaHei" panose="020B0503020204020204" pitchFamily="34" charset="-122"/>
             </a:endParaRPr>
@@ -5379,10 +6627,10 @@
       </p:sp>
       <p:sp>
         <p:nvSpPr>
-          <p:cNvPr id="5" name="文本框 4">
+          <p:cNvPr id="8" name="文本框 7">
             <a:extLst>
               <a:ext uri="{FF2B5EF4-FFF2-40B4-BE49-F238E27FC236}">
-                <a16:creationId xmlns:a16="http://schemas.microsoft.com/office/drawing/2014/main" id="{BDDFC8EF-233D-6844-BAEC-86A2AA36D545}"/>
+                <a16:creationId xmlns:a16="http://schemas.microsoft.com/office/drawing/2014/main" id="{B294230C-E86E-7247-BAC6-5F43DED3D0AF}"/>
               </a:ext>
             </a:extLst>
           </p:cNvPr>
@@ -5391,8 +6639,80 @@
         </p:nvSpPr>
         <p:spPr>
           <a:xfrm>
-            <a:off x="935664" y="2419098"/>
-            <a:ext cx="4635796" cy="954107"/>
+            <a:off x="1353666" y="2147777"/>
+            <a:ext cx="10682389" cy="2019693"/>
+          </a:xfrm>
+          <a:prstGeom prst="rect">
+            <a:avLst/>
+          </a:prstGeom>
+          <a:noFill/>
+        </p:spPr>
+        <p:txBody>
+          <a:bodyPr wrap="square" tIns="360000" bIns="360000" rtlCol="0">
+            <a:spAutoFit/>
+          </a:bodyPr>
+          <a:lstStyle/>
+          <a:p>
+            <a:r>
+              <a:rPr lang="zh-CN" altLang="en-US" sz="2800" dirty="0">
+                <a:latin typeface="SimSun" panose="02010600030101010101" pitchFamily="2" charset="-122"/>
+                <a:ea typeface="SimSun" panose="02010600030101010101" pitchFamily="2" charset="-122"/>
+              </a:rPr>
+              <a:t>可以有两种参数传递方式</a:t>
+            </a:r>
+            <a:endParaRPr lang="en-US" altLang="zh-CN" sz="2800" dirty="0">
+              <a:latin typeface="SimSun" panose="02010600030101010101" pitchFamily="2" charset="-122"/>
+              <a:ea typeface="SimSun" panose="02010600030101010101" pitchFamily="2" charset="-122"/>
+            </a:endParaRPr>
+          </a:p>
+          <a:p>
+            <a:pPr marL="514350" indent="-514350">
+              <a:buFont typeface="+mj-lt"/>
+              <a:buAutoNum type="arabicPeriod"/>
+            </a:pPr>
+            <a:r>
+              <a:rPr lang="zh-CN" altLang="en-US" sz="2800" dirty="0">
+                <a:latin typeface="SimSun" panose="02010600030101010101" pitchFamily="2" charset="-122"/>
+                <a:ea typeface="SimSun" panose="02010600030101010101" pitchFamily="2" charset="-122"/>
+              </a:rPr>
+              <a:t>按值传递</a:t>
+            </a:r>
+            <a:endParaRPr lang="en-US" altLang="zh-CN" sz="2800" dirty="0">
+              <a:latin typeface="SimSun" panose="02010600030101010101" pitchFamily="2" charset="-122"/>
+              <a:ea typeface="SimSun" panose="02010600030101010101" pitchFamily="2" charset="-122"/>
+            </a:endParaRPr>
+          </a:p>
+          <a:p>
+            <a:pPr marL="514350" indent="-514350">
+              <a:buFont typeface="+mj-lt"/>
+              <a:buAutoNum type="arabicPeriod"/>
+            </a:pPr>
+            <a:r>
+              <a:rPr lang="zh-CN" altLang="en-US" sz="2800" dirty="0">
+                <a:latin typeface="SimSun" panose="02010600030101010101" pitchFamily="2" charset="-122"/>
+                <a:ea typeface="SimSun" panose="02010600030101010101" pitchFamily="2" charset="-122"/>
+              </a:rPr>
+              <a:t>按应用传递</a:t>
+            </a:r>
+          </a:p>
+        </p:txBody>
+      </p:sp>
+      <p:sp>
+        <p:nvSpPr>
+          <p:cNvPr id="3" name="文本框 2">
+            <a:extLst>
+              <a:ext uri="{FF2B5EF4-FFF2-40B4-BE49-F238E27FC236}">
+                <a16:creationId xmlns:a16="http://schemas.microsoft.com/office/drawing/2014/main" id="{C62D340E-DFD4-A141-B116-14D259C140B7}"/>
+              </a:ext>
+            </a:extLst>
+          </p:cNvPr>
+          <p:cNvSpPr txBox="1"/>
+          <p:nvPr/>
+        </p:nvSpPr>
+        <p:spPr>
+          <a:xfrm>
+            <a:off x="5085907" y="5423469"/>
+            <a:ext cx="2020186" cy="523220"/>
           </a:xfrm>
           <a:prstGeom prst="rect">
             <a:avLst/>
@@ -5408,322 +6728,25 @@
           <a:lstStyle/>
           <a:p>
             <a:r>
-              <a:rPr lang="en-US" altLang="zh-CN" sz="2800" dirty="0">
+              <a:rPr kumimoji="1" lang="zh-CN" altLang="en-US" sz="2800">
                 <a:solidFill>
                   <a:schemeClr val="bg1"/>
                 </a:solidFill>
               </a:rPr>
-              <a:t>char</a:t>
-            </a:r>
-            <a:r>
-              <a:rPr lang="zh-CN" altLang="en-US" sz="2800" dirty="0">
-                <a:solidFill>
-                  <a:schemeClr val="bg1"/>
-                </a:solidFill>
-              </a:rPr>
-              <a:t>类型只能表示一个字符</a:t>
-            </a:r>
-            <a:endParaRPr lang="en-US" altLang="zh-CN" sz="2800" dirty="0">
+              <a:t>上代码</a:t>
+            </a:r>
+            <a:endParaRPr kumimoji="1" lang="zh-CN" altLang="en-US" sz="2800" dirty="0">
               <a:solidFill>
                 <a:schemeClr val="bg1"/>
               </a:solidFill>
             </a:endParaRPr>
           </a:p>
-          <a:p>
-            <a:r>
-              <a:rPr lang="en-US" altLang="zh-CN" sz="2800" dirty="0">
-                <a:solidFill>
-                  <a:schemeClr val="bg1"/>
-                </a:solidFill>
-              </a:rPr>
-              <a:t>String</a:t>
-            </a:r>
-            <a:r>
-              <a:rPr lang="zh-CN" altLang="en-US" sz="2800" dirty="0">
-                <a:solidFill>
-                  <a:schemeClr val="bg1"/>
-                </a:solidFill>
-              </a:rPr>
-              <a:t>类型能表示一串字符</a:t>
-            </a:r>
-            <a:endParaRPr lang="en-US" altLang="zh-CN" sz="2800" dirty="0">
-              <a:solidFill>
-                <a:schemeClr val="bg1"/>
-              </a:solidFill>
-            </a:endParaRPr>
-          </a:p>
-        </p:txBody>
-      </p:sp>
-      <p:sp>
-        <p:nvSpPr>
-          <p:cNvPr id="7" name="文本框 6">
-            <a:extLst>
-              <a:ext uri="{FF2B5EF4-FFF2-40B4-BE49-F238E27FC236}">
-                <a16:creationId xmlns:a16="http://schemas.microsoft.com/office/drawing/2014/main" id="{6857331E-A777-044E-948D-BA4E25600C53}"/>
-              </a:ext>
-            </a:extLst>
-          </p:cNvPr>
-          <p:cNvSpPr txBox="1"/>
-          <p:nvPr/>
-        </p:nvSpPr>
-        <p:spPr>
-          <a:xfrm>
-            <a:off x="3491022" y="6323800"/>
-            <a:ext cx="4827181" cy="400110"/>
-          </a:xfrm>
-          <a:prstGeom prst="rect">
-            <a:avLst/>
-          </a:prstGeom>
-          <a:solidFill>
-            <a:schemeClr val="accent2"/>
-          </a:solidFill>
-        </p:spPr>
-        <p:txBody>
-          <a:bodyPr wrap="square" rtlCol="0">
-            <a:spAutoFit/>
-          </a:bodyPr>
-          <a:lstStyle/>
-          <a:p>
-            <a:r>
-              <a:rPr kumimoji="1" lang="zh-CN" altLang="en-US" sz="2000" dirty="0">
-                <a:solidFill>
-                  <a:schemeClr val="bg1"/>
-                </a:solidFill>
-              </a:rPr>
-              <a:t>上代码： </a:t>
-            </a:r>
-            <a:r>
-              <a:rPr kumimoji="1" lang="en-US" altLang="zh-CN" sz="2000" dirty="0">
-                <a:solidFill>
-                  <a:schemeClr val="bg1"/>
-                </a:solidFill>
-              </a:rPr>
-              <a:t>talk</a:t>
-            </a:r>
-            <a:r>
-              <a:rPr kumimoji="1" lang="zh-CN" altLang="en-US" sz="2000" dirty="0">
-                <a:solidFill>
-                  <a:schemeClr val="bg1"/>
-                </a:solidFill>
-              </a:rPr>
-              <a:t> </a:t>
-            </a:r>
-            <a:r>
-              <a:rPr kumimoji="1" lang="en-US" altLang="zh-CN" sz="2000" dirty="0">
-                <a:solidFill>
-                  <a:schemeClr val="bg1"/>
-                </a:solidFill>
-              </a:rPr>
-              <a:t>is</a:t>
-            </a:r>
-            <a:r>
-              <a:rPr kumimoji="1" lang="zh-CN" altLang="en-US" sz="2000" dirty="0">
-                <a:solidFill>
-                  <a:schemeClr val="bg1"/>
-                </a:solidFill>
-              </a:rPr>
-              <a:t> </a:t>
-            </a:r>
-            <a:r>
-              <a:rPr kumimoji="1" lang="en-US" altLang="zh-CN" sz="2000" dirty="0">
-                <a:solidFill>
-                  <a:schemeClr val="bg1"/>
-                </a:solidFill>
-              </a:rPr>
-              <a:t>cheap,</a:t>
-            </a:r>
-            <a:r>
-              <a:rPr kumimoji="1" lang="zh-CN" altLang="en-US" sz="2000" dirty="0">
-                <a:solidFill>
-                  <a:schemeClr val="bg1"/>
-                </a:solidFill>
-              </a:rPr>
-              <a:t> </a:t>
-            </a:r>
-            <a:r>
-              <a:rPr kumimoji="1" lang="en-US" altLang="zh-CN" sz="2000" dirty="0">
-                <a:solidFill>
-                  <a:schemeClr val="bg1"/>
-                </a:solidFill>
-              </a:rPr>
-              <a:t>show</a:t>
-            </a:r>
-            <a:r>
-              <a:rPr kumimoji="1" lang="zh-CN" altLang="en-US" sz="2000" dirty="0">
-                <a:solidFill>
-                  <a:schemeClr val="bg1"/>
-                </a:solidFill>
-              </a:rPr>
-              <a:t> </a:t>
-            </a:r>
-            <a:r>
-              <a:rPr kumimoji="1" lang="en-US" altLang="zh-CN" sz="2000" dirty="0">
-                <a:solidFill>
-                  <a:schemeClr val="bg1"/>
-                </a:solidFill>
-              </a:rPr>
-              <a:t>me</a:t>
-            </a:r>
-            <a:r>
-              <a:rPr kumimoji="1" lang="zh-CN" altLang="en-US" sz="2000" dirty="0">
-                <a:solidFill>
-                  <a:schemeClr val="bg1"/>
-                </a:solidFill>
-              </a:rPr>
-              <a:t> </a:t>
-            </a:r>
-            <a:r>
-              <a:rPr kumimoji="1" lang="en-US" altLang="zh-CN" sz="2000" dirty="0">
-                <a:solidFill>
-                  <a:schemeClr val="bg1"/>
-                </a:solidFill>
-              </a:rPr>
-              <a:t>the</a:t>
-            </a:r>
-            <a:r>
-              <a:rPr kumimoji="1" lang="zh-CN" altLang="en-US" sz="2000" dirty="0">
-                <a:solidFill>
-                  <a:schemeClr val="bg1"/>
-                </a:solidFill>
-              </a:rPr>
-              <a:t> </a:t>
-            </a:r>
-            <a:r>
-              <a:rPr kumimoji="1" lang="en-US" altLang="zh-CN" sz="2000" dirty="0">
-                <a:solidFill>
-                  <a:schemeClr val="bg1"/>
-                </a:solidFill>
-              </a:rPr>
-              <a:t>code</a:t>
-            </a:r>
-            <a:endParaRPr kumimoji="1" lang="zh-CN" altLang="en-US" sz="2000" dirty="0">
-              <a:solidFill>
-                <a:schemeClr val="bg1"/>
-              </a:solidFill>
-            </a:endParaRPr>
-          </a:p>
-        </p:txBody>
-      </p:sp>
-      <p:sp>
-        <p:nvSpPr>
-          <p:cNvPr id="3" name="文本框 2">
-            <a:extLst>
-              <a:ext uri="{FF2B5EF4-FFF2-40B4-BE49-F238E27FC236}">
-                <a16:creationId xmlns:a16="http://schemas.microsoft.com/office/drawing/2014/main" id="{A16284F0-DF43-B04C-8CC5-F96CE7D472CF}"/>
-              </a:ext>
-            </a:extLst>
-          </p:cNvPr>
-          <p:cNvSpPr txBox="1"/>
-          <p:nvPr/>
-        </p:nvSpPr>
-        <p:spPr>
-          <a:xfrm>
-            <a:off x="6387912" y="1936851"/>
-            <a:ext cx="5557285" cy="4401205"/>
-          </a:xfrm>
-          <a:prstGeom prst="rect">
-            <a:avLst/>
-          </a:prstGeom>
-          <a:noFill/>
-        </p:spPr>
-        <p:txBody>
-          <a:bodyPr wrap="square" rtlCol="0">
-            <a:spAutoFit/>
-          </a:bodyPr>
-          <a:lstStyle/>
-          <a:p>
-            <a:r>
-              <a:rPr kumimoji="1" lang="zh-CN" altLang="en-US" sz="2800" dirty="0"/>
-              <a:t>字符串长度</a:t>
-            </a:r>
-            <a:endParaRPr kumimoji="1" lang="en-US" altLang="zh-CN" sz="2800" dirty="0"/>
-          </a:p>
-          <a:p>
-            <a:r>
-              <a:rPr kumimoji="1" lang="zh-CN" altLang="en-US" sz="2800" dirty="0"/>
-              <a:t>字符串拼接</a:t>
-            </a:r>
-            <a:endParaRPr kumimoji="1" lang="en-US" altLang="zh-CN" sz="2800" dirty="0"/>
-          </a:p>
-          <a:p>
-            <a:r>
-              <a:rPr kumimoji="1" lang="zh-CN" altLang="en-US" sz="2800" dirty="0"/>
-              <a:t>字符串中获取字符</a:t>
-            </a:r>
-            <a:endParaRPr kumimoji="1" lang="en-US" altLang="zh-CN" sz="2800" dirty="0"/>
-          </a:p>
-          <a:p>
-            <a:r>
-              <a:rPr kumimoji="1" lang="zh-CN" altLang="en-US" sz="2800" dirty="0"/>
-              <a:t>字符串大小写转换</a:t>
-            </a:r>
-            <a:endParaRPr kumimoji="1" lang="en-US" altLang="zh-CN" sz="2800" dirty="0"/>
-          </a:p>
-          <a:p>
-            <a:r>
-              <a:rPr kumimoji="1" lang="zh-CN" altLang="en-US" sz="2800" dirty="0"/>
-              <a:t>字符串比较</a:t>
-            </a:r>
-            <a:r>
-              <a:rPr kumimoji="1" lang="en-US" altLang="zh-CN" sz="2800" dirty="0"/>
-              <a:t>(equal)</a:t>
-            </a:r>
-          </a:p>
-          <a:p>
-            <a:r>
-              <a:rPr kumimoji="1" lang="zh-CN" altLang="en-US" sz="2800" dirty="0"/>
-              <a:t>字符串比较</a:t>
-            </a:r>
-            <a:r>
-              <a:rPr kumimoji="1" lang="en-US" altLang="zh-CN" sz="2800" dirty="0"/>
-              <a:t>(start</a:t>
-            </a:r>
-            <a:r>
-              <a:rPr kumimoji="1" lang="zh-CN" altLang="en-US" sz="2800" dirty="0"/>
-              <a:t> </a:t>
-            </a:r>
-            <a:r>
-              <a:rPr kumimoji="1" lang="en-US" altLang="zh-CN" sz="2800" dirty="0"/>
-              <a:t>with)</a:t>
-            </a:r>
-          </a:p>
-          <a:p>
-            <a:r>
-              <a:rPr kumimoji="1" lang="zh-CN" altLang="en-US" sz="2800" dirty="0"/>
-              <a:t>字符串包含关系</a:t>
-            </a:r>
-            <a:r>
-              <a:rPr kumimoji="1" lang="en-US" altLang="zh-CN" sz="2800" dirty="0"/>
-              <a:t>(contains)</a:t>
-            </a:r>
-          </a:p>
-          <a:p>
-            <a:r>
-              <a:rPr kumimoji="1" lang="zh-CN" altLang="en-US" sz="2800" dirty="0"/>
-              <a:t>字符串子串</a:t>
-            </a:r>
-            <a:endParaRPr kumimoji="1" lang="en-US" altLang="zh-CN" sz="2800" dirty="0"/>
-          </a:p>
-          <a:p>
-            <a:r>
-              <a:rPr kumimoji="1" lang="zh-CN" altLang="en-US" sz="2800" dirty="0"/>
-              <a:t>字符串和数字之间的转换</a:t>
-            </a:r>
-            <a:endParaRPr kumimoji="1" lang="en-US" altLang="zh-CN" sz="2800" dirty="0"/>
-          </a:p>
-          <a:p>
-            <a:r>
-              <a:rPr kumimoji="1" lang="en-US" altLang="zh-CN" sz="2800" dirty="0"/>
-              <a:t>…</a:t>
-            </a:r>
-            <a:endParaRPr kumimoji="1" lang="zh-CN" altLang="en-US" sz="2800" dirty="0"/>
-          </a:p>
         </p:txBody>
       </p:sp>
     </p:spTree>
     <p:extLst>
       <p:ext uri="{BB962C8B-B14F-4D97-AF65-F5344CB8AC3E}">
-        <p14:creationId xmlns:p14="http://schemas.microsoft.com/office/powerpoint/2010/main" val="1931940136"/>
+        <p14:creationId xmlns:p14="http://schemas.microsoft.com/office/powerpoint/2010/main" val="4255996198"/>
       </p:ext>
     </p:extLst>
   </p:cSld>
@@ -5773,6 +6796,3386 @@
         </p:nvSpPr>
         <p:spPr>
           <a:xfrm>
+            <a:off x="2520000" y="720000"/>
+            <a:ext cx="7735824" cy="830997"/>
+          </a:xfrm>
+          <a:prstGeom prst="rect">
+            <a:avLst/>
+          </a:prstGeom>
+          <a:noFill/>
+        </p:spPr>
+        <p:txBody>
+          <a:bodyPr wrap="square" rtlCol="0">
+            <a:spAutoFit/>
+          </a:bodyPr>
+          <a:lstStyle/>
+          <a:p>
+            <a:pPr algn="ctr"/>
+            <a:r>
+              <a:rPr kumimoji="1" lang="en-US" altLang="zh-CN" sz="4800" dirty="0">
+                <a:latin typeface="Microsoft YaHei" panose="020B0503020204020204" pitchFamily="34" charset="-122"/>
+                <a:ea typeface="Microsoft YaHei" panose="020B0503020204020204" pitchFamily="34" charset="-122"/>
+              </a:rPr>
+              <a:t>4.</a:t>
+            </a:r>
+            <a:r>
+              <a:rPr kumimoji="1" lang="zh-CN" altLang="en-US" sz="4800" dirty="0">
+                <a:latin typeface="Microsoft YaHei" panose="020B0503020204020204" pitchFamily="34" charset="-122"/>
+                <a:ea typeface="Microsoft YaHei" panose="020B0503020204020204" pitchFamily="34" charset="-122"/>
+              </a:rPr>
+              <a:t>从方法中返回数组</a:t>
+            </a:r>
+            <a:endParaRPr kumimoji="1" lang="en-US" altLang="zh-CN" sz="4800" dirty="0">
+              <a:latin typeface="Microsoft YaHei" panose="020B0503020204020204" pitchFamily="34" charset="-122"/>
+              <a:ea typeface="Microsoft YaHei" panose="020B0503020204020204" pitchFamily="34" charset="-122"/>
+            </a:endParaRPr>
+          </a:p>
+        </p:txBody>
+      </p:sp>
+      <p:sp>
+        <p:nvSpPr>
+          <p:cNvPr id="8" name="文本框 7">
+            <a:extLst>
+              <a:ext uri="{FF2B5EF4-FFF2-40B4-BE49-F238E27FC236}">
+                <a16:creationId xmlns:a16="http://schemas.microsoft.com/office/drawing/2014/main" id="{B294230C-E86E-7247-BAC6-5F43DED3D0AF}"/>
+              </a:ext>
+            </a:extLst>
+          </p:cNvPr>
+          <p:cNvSpPr txBox="1"/>
+          <p:nvPr/>
+        </p:nvSpPr>
+        <p:spPr>
+          <a:xfrm>
+            <a:off x="1353666" y="2147777"/>
+            <a:ext cx="10682389" cy="2019693"/>
+          </a:xfrm>
+          <a:prstGeom prst="rect">
+            <a:avLst/>
+          </a:prstGeom>
+          <a:noFill/>
+        </p:spPr>
+        <p:txBody>
+          <a:bodyPr wrap="square" tIns="360000" bIns="360000" rtlCol="0">
+            <a:spAutoFit/>
+          </a:bodyPr>
+          <a:lstStyle/>
+          <a:p>
+            <a:pPr marL="514350" indent="-514350">
+              <a:buFont typeface="+mj-lt"/>
+              <a:buAutoNum type="arabicPeriod"/>
+            </a:pPr>
+            <a:r>
+              <a:rPr lang="zh-CN" altLang="en-US" sz="2800" dirty="0">
+                <a:latin typeface="SimSun" panose="02010600030101010101" pitchFamily="2" charset="-122"/>
+                <a:ea typeface="SimSun" panose="02010600030101010101" pitchFamily="2" charset="-122"/>
+              </a:rPr>
+              <a:t>分析数字：编写一个程序 ，找到大于所有项平均值的那些项。 </a:t>
+            </a:r>
+          </a:p>
+          <a:p>
+            <a:pPr marL="514350" indent="-514350">
+              <a:buFont typeface="+mj-lt"/>
+              <a:buAutoNum type="arabicPeriod"/>
+            </a:pPr>
+            <a:endParaRPr lang="en-US" altLang="zh-CN" sz="2800" dirty="0">
+              <a:latin typeface="SimSun" panose="02010600030101010101" pitchFamily="2" charset="-122"/>
+              <a:ea typeface="SimSun" panose="02010600030101010101" pitchFamily="2" charset="-122"/>
+            </a:endParaRPr>
+          </a:p>
+          <a:p>
+            <a:pPr marL="514350" indent="-514350">
+              <a:buFont typeface="+mj-lt"/>
+              <a:buAutoNum type="arabicPeriod"/>
+            </a:pPr>
+            <a:r>
+              <a:rPr lang="zh-CN" altLang="en-US" sz="2800" dirty="0">
+                <a:latin typeface="SimSun" panose="02010600030101010101" pitchFamily="2" charset="-122"/>
+                <a:ea typeface="SimSun" panose="02010600030101010101" pitchFamily="2" charset="-122"/>
+              </a:rPr>
+              <a:t>一副牌：编写一个程序，从一副牌中随机选出 </a:t>
+            </a:r>
+            <a:r>
+              <a:rPr lang="en-US" altLang="zh-CN" sz="2800" dirty="0">
+                <a:latin typeface="SimSun" panose="02010600030101010101" pitchFamily="2" charset="-122"/>
+                <a:ea typeface="SimSun" panose="02010600030101010101" pitchFamily="2" charset="-122"/>
+              </a:rPr>
+              <a:t>4 </a:t>
+            </a:r>
+            <a:r>
+              <a:rPr lang="zh-CN" altLang="en-US" sz="2800" dirty="0">
+                <a:latin typeface="SimSun" panose="02010600030101010101" pitchFamily="2" charset="-122"/>
+                <a:ea typeface="SimSun" panose="02010600030101010101" pitchFamily="2" charset="-122"/>
+              </a:rPr>
+              <a:t>张牌</a:t>
+            </a:r>
+          </a:p>
+        </p:txBody>
+      </p:sp>
+    </p:spTree>
+    <p:extLst>
+      <p:ext uri="{BB962C8B-B14F-4D97-AF65-F5344CB8AC3E}">
+        <p14:creationId xmlns:p14="http://schemas.microsoft.com/office/powerpoint/2010/main" val="182958365"/>
+      </p:ext>
+    </p:extLst>
+  </p:cSld>
+  <p:clrMapOvr>
+    <a:masterClrMapping/>
+  </p:clrMapOvr>
+</p:sld>
+</file>
+
+<file path=ppt/slides/slide13.xml><?xml version="1.0" encoding="utf-8"?>
+<p:sld xmlns:a="http://schemas.openxmlformats.org/drawingml/2006/main" xmlns:r="http://schemas.openxmlformats.org/officeDocument/2006/relationships" xmlns:p="http://schemas.openxmlformats.org/presentationml/2006/main">
+  <p:cSld>
+    <p:bg>
+      <p:bgPr>
+        <a:blipFill>
+          <a:blip r:embed="rId3"/>
+          <a:tile tx="0" ty="0" sx="100000" sy="100000" flip="none" algn="tl"/>
+        </a:blipFill>
+        <a:effectLst/>
+      </p:bgPr>
+    </p:bg>
+    <p:spTree>
+      <p:nvGrpSpPr>
+        <p:cNvPr id="1" name=""/>
+        <p:cNvGrpSpPr/>
+        <p:nvPr/>
+      </p:nvGrpSpPr>
+      <p:grpSpPr>
+        <a:xfrm>
+          <a:off x="0" y="0"/>
+          <a:ext cx="0" cy="0"/>
+          <a:chOff x="0" y="0"/>
+          <a:chExt cx="0" cy="0"/>
+        </a:xfrm>
+      </p:grpSpPr>
+      <p:sp>
+        <p:nvSpPr>
+          <p:cNvPr id="2" name="文本框 1">
+            <a:extLst>
+              <a:ext uri="{FF2B5EF4-FFF2-40B4-BE49-F238E27FC236}">
+                <a16:creationId xmlns:a16="http://schemas.microsoft.com/office/drawing/2014/main" id="{12AA8BCC-7B15-4842-80C2-48C079429338}"/>
+              </a:ext>
+            </a:extLst>
+          </p:cNvPr>
+          <p:cNvSpPr txBox="1"/>
+          <p:nvPr/>
+        </p:nvSpPr>
+        <p:spPr>
+          <a:xfrm>
+            <a:off x="2520000" y="720000"/>
+            <a:ext cx="7735824" cy="830997"/>
+          </a:xfrm>
+          <a:prstGeom prst="rect">
+            <a:avLst/>
+          </a:prstGeom>
+          <a:noFill/>
+        </p:spPr>
+        <p:txBody>
+          <a:bodyPr wrap="square" rtlCol="0">
+            <a:spAutoFit/>
+          </a:bodyPr>
+          <a:lstStyle/>
+          <a:p>
+            <a:pPr algn="ctr"/>
+            <a:r>
+              <a:rPr kumimoji="1" lang="en-US" altLang="zh-CN" sz="4800" dirty="0">
+                <a:latin typeface="Microsoft YaHei" panose="020B0503020204020204" pitchFamily="34" charset="-122"/>
+                <a:ea typeface="Microsoft YaHei" panose="020B0503020204020204" pitchFamily="34" charset="-122"/>
+              </a:rPr>
+              <a:t>5.</a:t>
+            </a:r>
+            <a:r>
+              <a:rPr kumimoji="1" lang="zh-CN" altLang="en-US" sz="4800" dirty="0">
+                <a:latin typeface="Microsoft YaHei" panose="020B0503020204020204" pitchFamily="34" charset="-122"/>
+                <a:ea typeface="Microsoft YaHei" panose="020B0503020204020204" pitchFamily="34" charset="-122"/>
+              </a:rPr>
+              <a:t>数组查找</a:t>
+            </a:r>
+          </a:p>
+        </p:txBody>
+      </p:sp>
+      <p:sp>
+        <p:nvSpPr>
+          <p:cNvPr id="8" name="文本框 7">
+            <a:extLst>
+              <a:ext uri="{FF2B5EF4-FFF2-40B4-BE49-F238E27FC236}">
+                <a16:creationId xmlns:a16="http://schemas.microsoft.com/office/drawing/2014/main" id="{B294230C-E86E-7247-BAC6-5F43DED3D0AF}"/>
+              </a:ext>
+            </a:extLst>
+          </p:cNvPr>
+          <p:cNvSpPr txBox="1"/>
+          <p:nvPr/>
+        </p:nvSpPr>
+        <p:spPr>
+          <a:xfrm>
+            <a:off x="1353666" y="2147777"/>
+            <a:ext cx="10682389" cy="2019693"/>
+          </a:xfrm>
+          <a:prstGeom prst="rect">
+            <a:avLst/>
+          </a:prstGeom>
+          <a:noFill/>
+        </p:spPr>
+        <p:txBody>
+          <a:bodyPr wrap="square" tIns="360000" bIns="360000" rtlCol="0">
+            <a:spAutoFit/>
+          </a:bodyPr>
+          <a:lstStyle/>
+          <a:p>
+            <a:pPr marL="514350" indent="-514350">
+              <a:buFont typeface="+mj-lt"/>
+              <a:buAutoNum type="arabicPeriod"/>
+            </a:pPr>
+            <a:r>
+              <a:rPr lang="zh-CN" altLang="en-US" sz="2800" dirty="0">
+                <a:latin typeface="SimSun" panose="02010600030101010101" pitchFamily="2" charset="-122"/>
+                <a:ea typeface="SimSun" panose="02010600030101010101" pitchFamily="2" charset="-122"/>
+              </a:rPr>
+              <a:t>分析数字：编写一个程序 ，找到大于所有项平均值的那些项。 </a:t>
+            </a:r>
+          </a:p>
+          <a:p>
+            <a:pPr marL="514350" indent="-514350">
+              <a:buFont typeface="+mj-lt"/>
+              <a:buAutoNum type="arabicPeriod"/>
+            </a:pPr>
+            <a:endParaRPr lang="en-US" altLang="zh-CN" sz="2800" dirty="0">
+              <a:latin typeface="SimSun" panose="02010600030101010101" pitchFamily="2" charset="-122"/>
+              <a:ea typeface="SimSun" panose="02010600030101010101" pitchFamily="2" charset="-122"/>
+            </a:endParaRPr>
+          </a:p>
+          <a:p>
+            <a:pPr marL="514350" indent="-514350">
+              <a:buFont typeface="+mj-lt"/>
+              <a:buAutoNum type="arabicPeriod"/>
+            </a:pPr>
+            <a:r>
+              <a:rPr lang="zh-CN" altLang="en-US" sz="2800" dirty="0">
+                <a:latin typeface="SimSun" panose="02010600030101010101" pitchFamily="2" charset="-122"/>
+                <a:ea typeface="SimSun" panose="02010600030101010101" pitchFamily="2" charset="-122"/>
+              </a:rPr>
+              <a:t>一副牌：编写一个程序，从一副牌中随机选出 </a:t>
+            </a:r>
+            <a:r>
+              <a:rPr lang="en-US" altLang="zh-CN" sz="2800" dirty="0">
+                <a:latin typeface="SimSun" panose="02010600030101010101" pitchFamily="2" charset="-122"/>
+                <a:ea typeface="SimSun" panose="02010600030101010101" pitchFamily="2" charset="-122"/>
+              </a:rPr>
+              <a:t>4 </a:t>
+            </a:r>
+            <a:r>
+              <a:rPr lang="zh-CN" altLang="en-US" sz="2800" dirty="0">
+                <a:latin typeface="SimSun" panose="02010600030101010101" pitchFamily="2" charset="-122"/>
+                <a:ea typeface="SimSun" panose="02010600030101010101" pitchFamily="2" charset="-122"/>
+              </a:rPr>
+              <a:t>张牌</a:t>
+            </a:r>
+          </a:p>
+        </p:txBody>
+      </p:sp>
+    </p:spTree>
+    <p:extLst>
+      <p:ext uri="{BB962C8B-B14F-4D97-AF65-F5344CB8AC3E}">
+        <p14:creationId xmlns:p14="http://schemas.microsoft.com/office/powerpoint/2010/main" val="2381546840"/>
+      </p:ext>
+    </p:extLst>
+  </p:cSld>
+  <p:clrMapOvr>
+    <a:masterClrMapping/>
+  </p:clrMapOvr>
+</p:sld>
+</file>
+
+<file path=ppt/slides/slide14.xml><?xml version="1.0" encoding="utf-8"?>
+<p:sld xmlns:a="http://schemas.openxmlformats.org/drawingml/2006/main" xmlns:r="http://schemas.openxmlformats.org/officeDocument/2006/relationships" xmlns:p="http://schemas.openxmlformats.org/presentationml/2006/main">
+  <p:cSld>
+    <p:bg>
+      <p:bgPr>
+        <a:blipFill>
+          <a:blip r:embed="rId3"/>
+          <a:tile tx="0" ty="0" sx="100000" sy="100000" flip="none" algn="tl"/>
+        </a:blipFill>
+        <a:effectLst/>
+      </p:bgPr>
+    </p:bg>
+    <p:spTree>
+      <p:nvGrpSpPr>
+        <p:cNvPr id="1" name=""/>
+        <p:cNvGrpSpPr/>
+        <p:nvPr/>
+      </p:nvGrpSpPr>
+      <p:grpSpPr>
+        <a:xfrm>
+          <a:off x="0" y="0"/>
+          <a:ext cx="0" cy="0"/>
+          <a:chOff x="0" y="0"/>
+          <a:chExt cx="0" cy="0"/>
+        </a:xfrm>
+      </p:grpSpPr>
+      <p:sp>
+        <p:nvSpPr>
+          <p:cNvPr id="2" name="文本框 1">
+            <a:extLst>
+              <a:ext uri="{FF2B5EF4-FFF2-40B4-BE49-F238E27FC236}">
+                <a16:creationId xmlns:a16="http://schemas.microsoft.com/office/drawing/2014/main" id="{12AA8BCC-7B15-4842-80C2-48C079429338}"/>
+              </a:ext>
+            </a:extLst>
+          </p:cNvPr>
+          <p:cNvSpPr txBox="1"/>
+          <p:nvPr/>
+        </p:nvSpPr>
+        <p:spPr>
+          <a:xfrm>
+            <a:off x="2520000" y="720000"/>
+            <a:ext cx="7735824" cy="830997"/>
+          </a:xfrm>
+          <a:prstGeom prst="rect">
+            <a:avLst/>
+          </a:prstGeom>
+          <a:noFill/>
+        </p:spPr>
+        <p:txBody>
+          <a:bodyPr wrap="square" rtlCol="0">
+            <a:spAutoFit/>
+          </a:bodyPr>
+          <a:lstStyle/>
+          <a:p>
+            <a:pPr algn="ctr"/>
+            <a:r>
+              <a:rPr kumimoji="1" lang="en-US" altLang="zh-CN" sz="4800" dirty="0">
+                <a:latin typeface="Microsoft YaHei" panose="020B0503020204020204" pitchFamily="34" charset="-122"/>
+                <a:ea typeface="Microsoft YaHei" panose="020B0503020204020204" pitchFamily="34" charset="-122"/>
+              </a:rPr>
+              <a:t>6.</a:t>
+            </a:r>
+            <a:r>
+              <a:rPr kumimoji="1" lang="zh-CN" altLang="en-US" sz="4800" dirty="0">
+                <a:latin typeface="Microsoft YaHei" panose="020B0503020204020204" pitchFamily="34" charset="-122"/>
+                <a:ea typeface="Microsoft YaHei" panose="020B0503020204020204" pitchFamily="34" charset="-122"/>
+              </a:rPr>
+              <a:t>数组排序</a:t>
+            </a:r>
+            <a:endParaRPr kumimoji="1" lang="en-US" altLang="zh-CN" sz="4800" dirty="0">
+              <a:latin typeface="Microsoft YaHei" panose="020B0503020204020204" pitchFamily="34" charset="-122"/>
+              <a:ea typeface="Microsoft YaHei" panose="020B0503020204020204" pitchFamily="34" charset="-122"/>
+            </a:endParaRPr>
+          </a:p>
+        </p:txBody>
+      </p:sp>
+      <p:sp>
+        <p:nvSpPr>
+          <p:cNvPr id="8" name="文本框 7">
+            <a:extLst>
+              <a:ext uri="{FF2B5EF4-FFF2-40B4-BE49-F238E27FC236}">
+                <a16:creationId xmlns:a16="http://schemas.microsoft.com/office/drawing/2014/main" id="{B294230C-E86E-7247-BAC6-5F43DED3D0AF}"/>
+              </a:ext>
+            </a:extLst>
+          </p:cNvPr>
+          <p:cNvSpPr txBox="1"/>
+          <p:nvPr/>
+        </p:nvSpPr>
+        <p:spPr>
+          <a:xfrm>
+            <a:off x="1353666" y="2147777"/>
+            <a:ext cx="10682389" cy="2019693"/>
+          </a:xfrm>
+          <a:prstGeom prst="rect">
+            <a:avLst/>
+          </a:prstGeom>
+          <a:noFill/>
+        </p:spPr>
+        <p:txBody>
+          <a:bodyPr wrap="square" tIns="360000" bIns="360000" rtlCol="0">
+            <a:spAutoFit/>
+          </a:bodyPr>
+          <a:lstStyle/>
+          <a:p>
+            <a:pPr marL="514350" indent="-514350">
+              <a:buFont typeface="+mj-lt"/>
+              <a:buAutoNum type="arabicPeriod"/>
+            </a:pPr>
+            <a:r>
+              <a:rPr lang="zh-CN" altLang="en-US" sz="2800" dirty="0">
+                <a:latin typeface="SimSun" panose="02010600030101010101" pitchFamily="2" charset="-122"/>
+                <a:ea typeface="SimSun" panose="02010600030101010101" pitchFamily="2" charset="-122"/>
+              </a:rPr>
+              <a:t>分析数字：编写一个程序 ，找到大于所有项平均值的那些项。 </a:t>
+            </a:r>
+          </a:p>
+          <a:p>
+            <a:pPr marL="514350" indent="-514350">
+              <a:buFont typeface="+mj-lt"/>
+              <a:buAutoNum type="arabicPeriod"/>
+            </a:pPr>
+            <a:endParaRPr lang="en-US" altLang="zh-CN" sz="2800" dirty="0">
+              <a:latin typeface="SimSun" panose="02010600030101010101" pitchFamily="2" charset="-122"/>
+              <a:ea typeface="SimSun" panose="02010600030101010101" pitchFamily="2" charset="-122"/>
+            </a:endParaRPr>
+          </a:p>
+          <a:p>
+            <a:pPr marL="514350" indent="-514350">
+              <a:buFont typeface="+mj-lt"/>
+              <a:buAutoNum type="arabicPeriod"/>
+            </a:pPr>
+            <a:r>
+              <a:rPr lang="zh-CN" altLang="en-US" sz="2800" dirty="0">
+                <a:latin typeface="SimSun" panose="02010600030101010101" pitchFamily="2" charset="-122"/>
+                <a:ea typeface="SimSun" panose="02010600030101010101" pitchFamily="2" charset="-122"/>
+              </a:rPr>
+              <a:t>一副牌：编写一个程序，从一副牌中随机选出 </a:t>
+            </a:r>
+            <a:r>
+              <a:rPr lang="en-US" altLang="zh-CN" sz="2800" dirty="0">
+                <a:latin typeface="SimSun" panose="02010600030101010101" pitchFamily="2" charset="-122"/>
+                <a:ea typeface="SimSun" panose="02010600030101010101" pitchFamily="2" charset="-122"/>
+              </a:rPr>
+              <a:t>4 </a:t>
+            </a:r>
+            <a:r>
+              <a:rPr lang="zh-CN" altLang="en-US" sz="2800" dirty="0">
+                <a:latin typeface="SimSun" panose="02010600030101010101" pitchFamily="2" charset="-122"/>
+                <a:ea typeface="SimSun" panose="02010600030101010101" pitchFamily="2" charset="-122"/>
+              </a:rPr>
+              <a:t>张牌</a:t>
+            </a:r>
+          </a:p>
+        </p:txBody>
+      </p:sp>
+    </p:spTree>
+    <p:extLst>
+      <p:ext uri="{BB962C8B-B14F-4D97-AF65-F5344CB8AC3E}">
+        <p14:creationId xmlns:p14="http://schemas.microsoft.com/office/powerpoint/2010/main" val="4109022868"/>
+      </p:ext>
+    </p:extLst>
+  </p:cSld>
+  <p:clrMapOvr>
+    <a:masterClrMapping/>
+  </p:clrMapOvr>
+</p:sld>
+</file>
+
+<file path=ppt/slides/slide15.xml><?xml version="1.0" encoding="utf-8"?>
+<p:sld xmlns:a="http://schemas.openxmlformats.org/drawingml/2006/main" xmlns:r="http://schemas.openxmlformats.org/officeDocument/2006/relationships" xmlns:p="http://schemas.openxmlformats.org/presentationml/2006/main">
+  <p:cSld>
+    <p:bg>
+      <p:bgPr>
+        <a:blipFill>
+          <a:blip r:embed="rId3"/>
+          <a:tile tx="0" ty="0" sx="100000" sy="100000" flip="none" algn="tl"/>
+        </a:blipFill>
+        <a:effectLst/>
+      </p:bgPr>
+    </p:bg>
+    <p:spTree>
+      <p:nvGrpSpPr>
+        <p:cNvPr id="1" name=""/>
+        <p:cNvGrpSpPr/>
+        <p:nvPr/>
+      </p:nvGrpSpPr>
+      <p:grpSpPr>
+        <a:xfrm>
+          <a:off x="0" y="0"/>
+          <a:ext cx="0" cy="0"/>
+          <a:chOff x="0" y="0"/>
+          <a:chExt cx="0" cy="0"/>
+        </a:xfrm>
+      </p:grpSpPr>
+      <p:sp>
+        <p:nvSpPr>
+          <p:cNvPr id="2" name="文本框 1">
+            <a:extLst>
+              <a:ext uri="{FF2B5EF4-FFF2-40B4-BE49-F238E27FC236}">
+                <a16:creationId xmlns:a16="http://schemas.microsoft.com/office/drawing/2014/main" id="{12AA8BCC-7B15-4842-80C2-48C079429338}"/>
+              </a:ext>
+            </a:extLst>
+          </p:cNvPr>
+          <p:cNvSpPr txBox="1"/>
+          <p:nvPr/>
+        </p:nvSpPr>
+        <p:spPr>
+          <a:xfrm>
+            <a:off x="2520000" y="720000"/>
+            <a:ext cx="7735824" cy="830997"/>
+          </a:xfrm>
+          <a:prstGeom prst="rect">
+            <a:avLst/>
+          </a:prstGeom>
+          <a:noFill/>
+        </p:spPr>
+        <p:txBody>
+          <a:bodyPr wrap="square" rtlCol="0">
+            <a:spAutoFit/>
+          </a:bodyPr>
+          <a:lstStyle/>
+          <a:p>
+            <a:pPr algn="ctr"/>
+            <a:r>
+              <a:rPr kumimoji="1" lang="en-US" altLang="zh-CN" sz="4800" dirty="0">
+                <a:latin typeface="Microsoft YaHei" panose="020B0503020204020204" pitchFamily="34" charset="-122"/>
+                <a:ea typeface="Microsoft YaHei" panose="020B0503020204020204" pitchFamily="34" charset="-122"/>
+              </a:rPr>
+              <a:t>7.</a:t>
+            </a:r>
+            <a:r>
+              <a:rPr kumimoji="1" lang="zh-CN" altLang="en-US" sz="4800" dirty="0">
+                <a:latin typeface="Microsoft YaHei" panose="020B0503020204020204" pitchFamily="34" charset="-122"/>
+                <a:ea typeface="Microsoft YaHei" panose="020B0503020204020204" pitchFamily="34" charset="-122"/>
+              </a:rPr>
+              <a:t> </a:t>
+            </a:r>
+            <a:r>
+              <a:rPr kumimoji="1" lang="en-US" altLang="zh-CN" sz="4800" dirty="0">
+                <a:latin typeface="Microsoft YaHei" panose="020B0503020204020204" pitchFamily="34" charset="-122"/>
+                <a:ea typeface="Microsoft YaHei" panose="020B0503020204020204" pitchFamily="34" charset="-122"/>
+              </a:rPr>
+              <a:t>Arrays</a:t>
+            </a:r>
+            <a:r>
+              <a:rPr kumimoji="1" lang="zh-CN" altLang="en-US" sz="4800" dirty="0">
+                <a:latin typeface="Microsoft YaHei" panose="020B0503020204020204" pitchFamily="34" charset="-122"/>
+                <a:ea typeface="Microsoft YaHei" panose="020B0503020204020204" pitchFamily="34" charset="-122"/>
+              </a:rPr>
+              <a:t>类</a:t>
+            </a:r>
+            <a:endParaRPr kumimoji="1" lang="en-US" altLang="zh-CN" sz="4800" dirty="0">
+              <a:ea typeface="Microsoft YaHei" panose="020B0503020204020204" pitchFamily="34" charset="-122"/>
+            </a:endParaRPr>
+          </a:p>
+        </p:txBody>
+      </p:sp>
+      <p:sp>
+        <p:nvSpPr>
+          <p:cNvPr id="8" name="文本框 7">
+            <a:extLst>
+              <a:ext uri="{FF2B5EF4-FFF2-40B4-BE49-F238E27FC236}">
+                <a16:creationId xmlns:a16="http://schemas.microsoft.com/office/drawing/2014/main" id="{B294230C-E86E-7247-BAC6-5F43DED3D0AF}"/>
+              </a:ext>
+            </a:extLst>
+          </p:cNvPr>
+          <p:cNvSpPr txBox="1"/>
+          <p:nvPr/>
+        </p:nvSpPr>
+        <p:spPr>
+          <a:xfrm>
+            <a:off x="1353666" y="2147777"/>
+            <a:ext cx="10682389" cy="2019693"/>
+          </a:xfrm>
+          <a:prstGeom prst="rect">
+            <a:avLst/>
+          </a:prstGeom>
+          <a:noFill/>
+        </p:spPr>
+        <p:txBody>
+          <a:bodyPr wrap="square" tIns="360000" bIns="360000" rtlCol="0">
+            <a:spAutoFit/>
+          </a:bodyPr>
+          <a:lstStyle/>
+          <a:p>
+            <a:pPr marL="514350" indent="-514350">
+              <a:buFont typeface="+mj-lt"/>
+              <a:buAutoNum type="arabicPeriod"/>
+            </a:pPr>
+            <a:r>
+              <a:rPr lang="zh-CN" altLang="en-US" sz="2800" dirty="0">
+                <a:latin typeface="SimSun" panose="02010600030101010101" pitchFamily="2" charset="-122"/>
+                <a:ea typeface="SimSun" panose="02010600030101010101" pitchFamily="2" charset="-122"/>
+              </a:rPr>
+              <a:t>分析数字：编写一个程序 ，找到大于所有项平均值的那些项。 </a:t>
+            </a:r>
+          </a:p>
+          <a:p>
+            <a:pPr marL="514350" indent="-514350">
+              <a:buFont typeface="+mj-lt"/>
+              <a:buAutoNum type="arabicPeriod"/>
+            </a:pPr>
+            <a:endParaRPr lang="en-US" altLang="zh-CN" sz="2800" dirty="0">
+              <a:latin typeface="SimSun" panose="02010600030101010101" pitchFamily="2" charset="-122"/>
+              <a:ea typeface="SimSun" panose="02010600030101010101" pitchFamily="2" charset="-122"/>
+            </a:endParaRPr>
+          </a:p>
+          <a:p>
+            <a:pPr marL="514350" indent="-514350">
+              <a:buFont typeface="+mj-lt"/>
+              <a:buAutoNum type="arabicPeriod"/>
+            </a:pPr>
+            <a:r>
+              <a:rPr lang="zh-CN" altLang="en-US" sz="2800" dirty="0">
+                <a:latin typeface="SimSun" panose="02010600030101010101" pitchFamily="2" charset="-122"/>
+                <a:ea typeface="SimSun" panose="02010600030101010101" pitchFamily="2" charset="-122"/>
+              </a:rPr>
+              <a:t>一副牌：编写一个程序，从一副牌中随机选出 </a:t>
+            </a:r>
+            <a:r>
+              <a:rPr lang="en-US" altLang="zh-CN" sz="2800" dirty="0">
+                <a:latin typeface="SimSun" panose="02010600030101010101" pitchFamily="2" charset="-122"/>
+                <a:ea typeface="SimSun" panose="02010600030101010101" pitchFamily="2" charset="-122"/>
+              </a:rPr>
+              <a:t>4 </a:t>
+            </a:r>
+            <a:r>
+              <a:rPr lang="zh-CN" altLang="en-US" sz="2800" dirty="0">
+                <a:latin typeface="SimSun" panose="02010600030101010101" pitchFamily="2" charset="-122"/>
+                <a:ea typeface="SimSun" panose="02010600030101010101" pitchFamily="2" charset="-122"/>
+              </a:rPr>
+              <a:t>张牌</a:t>
+            </a:r>
+          </a:p>
+        </p:txBody>
+      </p:sp>
+    </p:spTree>
+    <p:extLst>
+      <p:ext uri="{BB962C8B-B14F-4D97-AF65-F5344CB8AC3E}">
+        <p14:creationId xmlns:p14="http://schemas.microsoft.com/office/powerpoint/2010/main" val="682079383"/>
+      </p:ext>
+    </p:extLst>
+  </p:cSld>
+  <p:clrMapOvr>
+    <a:masterClrMapping/>
+  </p:clrMapOvr>
+</p:sld>
+</file>
+
+<file path=ppt/slides/slide16.xml><?xml version="1.0" encoding="utf-8"?>
+<p:sld xmlns:a="http://schemas.openxmlformats.org/drawingml/2006/main" xmlns:r="http://schemas.openxmlformats.org/officeDocument/2006/relationships" xmlns:p="http://schemas.openxmlformats.org/presentationml/2006/main">
+  <p:cSld>
+    <p:bg>
+      <p:bgPr>
+        <a:blipFill>
+          <a:blip r:embed="rId3"/>
+          <a:tile tx="0" ty="0" sx="100000" sy="100000" flip="none" algn="tl"/>
+        </a:blipFill>
+        <a:effectLst/>
+      </p:bgPr>
+    </p:bg>
+    <p:spTree>
+      <p:nvGrpSpPr>
+        <p:cNvPr id="1" name=""/>
+        <p:cNvGrpSpPr/>
+        <p:nvPr/>
+      </p:nvGrpSpPr>
+      <p:grpSpPr>
+        <a:xfrm>
+          <a:off x="0" y="0"/>
+          <a:ext cx="0" cy="0"/>
+          <a:chOff x="0" y="0"/>
+          <a:chExt cx="0" cy="0"/>
+        </a:xfrm>
+      </p:grpSpPr>
+      <p:sp>
+        <p:nvSpPr>
+          <p:cNvPr id="2" name="文本框 1">
+            <a:extLst>
+              <a:ext uri="{FF2B5EF4-FFF2-40B4-BE49-F238E27FC236}">
+                <a16:creationId xmlns:a16="http://schemas.microsoft.com/office/drawing/2014/main" id="{12AA8BCC-7B15-4842-80C2-48C079429338}"/>
+              </a:ext>
+            </a:extLst>
+          </p:cNvPr>
+          <p:cNvSpPr txBox="1"/>
+          <p:nvPr/>
+        </p:nvSpPr>
+        <p:spPr>
+          <a:xfrm>
+            <a:off x="2520000" y="720000"/>
+            <a:ext cx="7735824" cy="830997"/>
+          </a:xfrm>
+          <a:prstGeom prst="rect">
+            <a:avLst/>
+          </a:prstGeom>
+          <a:noFill/>
+        </p:spPr>
+        <p:txBody>
+          <a:bodyPr wrap="square" rtlCol="0">
+            <a:spAutoFit/>
+          </a:bodyPr>
+          <a:lstStyle/>
+          <a:p>
+            <a:pPr algn="ctr"/>
+            <a:r>
+              <a:rPr kumimoji="1" lang="en-US" altLang="zh-CN" sz="4800" dirty="0">
+                <a:latin typeface="Microsoft YaHei" panose="020B0503020204020204" pitchFamily="34" charset="-122"/>
+                <a:ea typeface="Microsoft YaHei" panose="020B0503020204020204" pitchFamily="34" charset="-122"/>
+              </a:rPr>
+              <a:t>8.</a:t>
+            </a:r>
+            <a:r>
+              <a:rPr kumimoji="1" lang="zh-CN" altLang="en-US" sz="4800" dirty="0">
+                <a:latin typeface="Microsoft YaHei" panose="020B0503020204020204" pitchFamily="34" charset="-122"/>
+                <a:ea typeface="Microsoft YaHei" panose="020B0503020204020204" pitchFamily="34" charset="-122"/>
+              </a:rPr>
+              <a:t>命令行参数</a:t>
+            </a:r>
+            <a:endParaRPr kumimoji="1" lang="en-US" altLang="zh-CN" sz="4800" dirty="0">
+              <a:latin typeface="Microsoft YaHei" panose="020B0503020204020204" pitchFamily="34" charset="-122"/>
+              <a:ea typeface="Microsoft YaHei" panose="020B0503020204020204" pitchFamily="34" charset="-122"/>
+            </a:endParaRPr>
+          </a:p>
+        </p:txBody>
+      </p:sp>
+      <p:sp>
+        <p:nvSpPr>
+          <p:cNvPr id="8" name="文本框 7">
+            <a:extLst>
+              <a:ext uri="{FF2B5EF4-FFF2-40B4-BE49-F238E27FC236}">
+                <a16:creationId xmlns:a16="http://schemas.microsoft.com/office/drawing/2014/main" id="{B294230C-E86E-7247-BAC6-5F43DED3D0AF}"/>
+              </a:ext>
+            </a:extLst>
+          </p:cNvPr>
+          <p:cNvSpPr txBox="1"/>
+          <p:nvPr/>
+        </p:nvSpPr>
+        <p:spPr>
+          <a:xfrm>
+            <a:off x="1353666" y="2147777"/>
+            <a:ext cx="10682389" cy="2019693"/>
+          </a:xfrm>
+          <a:prstGeom prst="rect">
+            <a:avLst/>
+          </a:prstGeom>
+          <a:noFill/>
+        </p:spPr>
+        <p:txBody>
+          <a:bodyPr wrap="square" tIns="360000" bIns="360000" rtlCol="0">
+            <a:spAutoFit/>
+          </a:bodyPr>
+          <a:lstStyle/>
+          <a:p>
+            <a:pPr marL="514350" indent="-514350">
+              <a:buFont typeface="+mj-lt"/>
+              <a:buAutoNum type="arabicPeriod"/>
+            </a:pPr>
+            <a:r>
+              <a:rPr lang="zh-CN" altLang="en-US" sz="2800" dirty="0">
+                <a:latin typeface="SimSun" panose="02010600030101010101" pitchFamily="2" charset="-122"/>
+                <a:ea typeface="SimSun" panose="02010600030101010101" pitchFamily="2" charset="-122"/>
+              </a:rPr>
+              <a:t>分析数字：编写一个程序 ，找到大于所有项平均值的那些项。 </a:t>
+            </a:r>
+          </a:p>
+          <a:p>
+            <a:pPr marL="514350" indent="-514350">
+              <a:buFont typeface="+mj-lt"/>
+              <a:buAutoNum type="arabicPeriod"/>
+            </a:pPr>
+            <a:endParaRPr lang="en-US" altLang="zh-CN" sz="2800" dirty="0">
+              <a:latin typeface="SimSun" panose="02010600030101010101" pitchFamily="2" charset="-122"/>
+              <a:ea typeface="SimSun" panose="02010600030101010101" pitchFamily="2" charset="-122"/>
+            </a:endParaRPr>
+          </a:p>
+          <a:p>
+            <a:pPr marL="514350" indent="-514350">
+              <a:buFont typeface="+mj-lt"/>
+              <a:buAutoNum type="arabicPeriod"/>
+            </a:pPr>
+            <a:r>
+              <a:rPr lang="zh-CN" altLang="en-US" sz="2800" dirty="0">
+                <a:latin typeface="SimSun" panose="02010600030101010101" pitchFamily="2" charset="-122"/>
+                <a:ea typeface="SimSun" panose="02010600030101010101" pitchFamily="2" charset="-122"/>
+              </a:rPr>
+              <a:t>一副牌：编写一个程序，从一副牌中随机选出 </a:t>
+            </a:r>
+            <a:r>
+              <a:rPr lang="en-US" altLang="zh-CN" sz="2800" dirty="0">
+                <a:latin typeface="SimSun" panose="02010600030101010101" pitchFamily="2" charset="-122"/>
+                <a:ea typeface="SimSun" panose="02010600030101010101" pitchFamily="2" charset="-122"/>
+              </a:rPr>
+              <a:t>4 </a:t>
+            </a:r>
+            <a:r>
+              <a:rPr lang="zh-CN" altLang="en-US" sz="2800" dirty="0">
+                <a:latin typeface="SimSun" panose="02010600030101010101" pitchFamily="2" charset="-122"/>
+                <a:ea typeface="SimSun" panose="02010600030101010101" pitchFamily="2" charset="-122"/>
+              </a:rPr>
+              <a:t>张牌</a:t>
+            </a:r>
+          </a:p>
+        </p:txBody>
+      </p:sp>
+    </p:spTree>
+    <p:extLst>
+      <p:ext uri="{BB962C8B-B14F-4D97-AF65-F5344CB8AC3E}">
+        <p14:creationId xmlns:p14="http://schemas.microsoft.com/office/powerpoint/2010/main" val="348950825"/>
+      </p:ext>
+    </p:extLst>
+  </p:cSld>
+  <p:clrMapOvr>
+    <a:masterClrMapping/>
+  </p:clrMapOvr>
+</p:sld>
+</file>
+
+<file path=ppt/slides/slide17.xml><?xml version="1.0" encoding="utf-8"?>
+<p:sld xmlns:a="http://schemas.openxmlformats.org/drawingml/2006/main" xmlns:r="http://schemas.openxmlformats.org/officeDocument/2006/relationships" xmlns:p="http://schemas.openxmlformats.org/presentationml/2006/main">
+  <p:cSld>
+    <p:bg>
+      <p:bgPr>
+        <a:blipFill>
+          <a:blip r:embed="rId3"/>
+          <a:tile tx="0" ty="0" sx="100000" sy="100000" flip="none" algn="tl"/>
+        </a:blipFill>
+        <a:effectLst/>
+      </p:bgPr>
+    </p:bg>
+    <p:spTree>
+      <p:nvGrpSpPr>
+        <p:cNvPr id="1" name=""/>
+        <p:cNvGrpSpPr/>
+        <p:nvPr/>
+      </p:nvGrpSpPr>
+      <p:grpSpPr>
+        <a:xfrm>
+          <a:off x="0" y="0"/>
+          <a:ext cx="0" cy="0"/>
+          <a:chOff x="0" y="0"/>
+          <a:chExt cx="0" cy="0"/>
+        </a:xfrm>
+      </p:grpSpPr>
+      <p:sp>
+        <p:nvSpPr>
+          <p:cNvPr id="2" name="文本框 1">
+            <a:extLst>
+              <a:ext uri="{FF2B5EF4-FFF2-40B4-BE49-F238E27FC236}">
+                <a16:creationId xmlns:a16="http://schemas.microsoft.com/office/drawing/2014/main" id="{12AA8BCC-7B15-4842-80C2-48C079429338}"/>
+              </a:ext>
+            </a:extLst>
+          </p:cNvPr>
+          <p:cNvSpPr txBox="1"/>
+          <p:nvPr/>
+        </p:nvSpPr>
+        <p:spPr>
+          <a:xfrm>
+            <a:off x="2520000" y="720000"/>
+            <a:ext cx="7735824" cy="830997"/>
+          </a:xfrm>
+          <a:prstGeom prst="rect">
+            <a:avLst/>
+          </a:prstGeom>
+          <a:noFill/>
+        </p:spPr>
+        <p:txBody>
+          <a:bodyPr wrap="square" rtlCol="0">
+            <a:spAutoFit/>
+          </a:bodyPr>
+          <a:lstStyle/>
+          <a:p>
+            <a:pPr algn="ctr"/>
+            <a:r>
+              <a:rPr kumimoji="1" lang="en-US" altLang="zh-CN" sz="4800" dirty="0">
+                <a:latin typeface="Microsoft YaHei" panose="020B0503020204020204" pitchFamily="34" charset="-122"/>
+                <a:ea typeface="Microsoft YaHei" panose="020B0503020204020204" pitchFamily="34" charset="-122"/>
+              </a:rPr>
+              <a:t>1.</a:t>
+            </a:r>
+            <a:r>
+              <a:rPr kumimoji="1" lang="zh-CN" altLang="en-US" sz="4800" dirty="0">
+                <a:latin typeface="Microsoft YaHei" panose="020B0503020204020204" pitchFamily="34" charset="-122"/>
+                <a:ea typeface="Microsoft YaHei" panose="020B0503020204020204" pitchFamily="34" charset="-122"/>
+              </a:rPr>
+              <a:t> 常用的方法</a:t>
+            </a:r>
+            <a:r>
+              <a:rPr kumimoji="1" lang="en-US" altLang="zh-CN" sz="4800" dirty="0">
+                <a:latin typeface="Microsoft YaHei" panose="020B0503020204020204" pitchFamily="34" charset="-122"/>
+                <a:ea typeface="Microsoft YaHei" panose="020B0503020204020204" pitchFamily="34" charset="-122"/>
+              </a:rPr>
+              <a:t>---</a:t>
+            </a:r>
+            <a:r>
+              <a:rPr kumimoji="1" lang="zh-CN" altLang="en-US" sz="4800" dirty="0">
+                <a:ea typeface="Microsoft YaHei" panose="020B0503020204020204" pitchFamily="34" charset="-122"/>
+              </a:rPr>
+              <a:t>取整函数</a:t>
+            </a:r>
+            <a:endParaRPr kumimoji="1" lang="en-US" altLang="zh-CN" sz="4800" dirty="0">
+              <a:ea typeface="Microsoft YaHei" panose="020B0503020204020204" pitchFamily="34" charset="-122"/>
+            </a:endParaRPr>
+          </a:p>
+        </p:txBody>
+      </p:sp>
+      <p:sp>
+        <p:nvSpPr>
+          <p:cNvPr id="8" name="文本框 7">
+            <a:extLst>
+              <a:ext uri="{FF2B5EF4-FFF2-40B4-BE49-F238E27FC236}">
+                <a16:creationId xmlns:a16="http://schemas.microsoft.com/office/drawing/2014/main" id="{B294230C-E86E-7247-BAC6-5F43DED3D0AF}"/>
+              </a:ext>
+            </a:extLst>
+          </p:cNvPr>
+          <p:cNvSpPr txBox="1"/>
+          <p:nvPr/>
+        </p:nvSpPr>
+        <p:spPr>
+          <a:xfrm>
+            <a:off x="2374391" y="2041451"/>
+            <a:ext cx="9236361" cy="3132626"/>
+          </a:xfrm>
+          <a:prstGeom prst="rect">
+            <a:avLst/>
+          </a:prstGeom>
+          <a:noFill/>
+        </p:spPr>
+        <p:txBody>
+          <a:bodyPr wrap="square" tIns="360000" bIns="360000" rtlCol="0">
+            <a:spAutoFit/>
+          </a:bodyPr>
+          <a:lstStyle/>
+          <a:p>
+            <a:pPr>
+              <a:lnSpc>
+                <a:spcPct val="150000"/>
+              </a:lnSpc>
+            </a:pPr>
+            <a:r>
+              <a:rPr kumimoji="1" lang="en-US" altLang="zh-CN" sz="3600" dirty="0" err="1">
+                <a:ea typeface="Microsoft YaHei" panose="020B0503020204020204" pitchFamily="34" charset="-122"/>
+              </a:rPr>
+              <a:t>Math.ceil</a:t>
+            </a:r>
+            <a:r>
+              <a:rPr kumimoji="1" lang="en-US" altLang="zh-CN" sz="3600" dirty="0">
+                <a:ea typeface="Microsoft YaHei" panose="020B0503020204020204" pitchFamily="34" charset="-122"/>
+              </a:rPr>
+              <a:t>(3.45)</a:t>
+            </a:r>
+            <a:r>
+              <a:rPr kumimoji="1" lang="zh-CN" altLang="en-US" sz="3600" dirty="0">
+                <a:ea typeface="Microsoft YaHei" panose="020B0503020204020204" pitchFamily="34" charset="-122"/>
+              </a:rPr>
+              <a:t>  </a:t>
+            </a:r>
+            <a:r>
+              <a:rPr kumimoji="1" lang="en-US" altLang="zh-CN" sz="3600" dirty="0">
+                <a:ea typeface="Microsoft YaHei" panose="020B0503020204020204" pitchFamily="34" charset="-122"/>
+              </a:rPr>
+              <a:t>//</a:t>
+            </a:r>
+            <a:r>
+              <a:rPr kumimoji="1" lang="zh-CN" altLang="en-US" sz="3600" dirty="0">
+                <a:ea typeface="Microsoft YaHei" panose="020B0503020204020204" pitchFamily="34" charset="-122"/>
+              </a:rPr>
+              <a:t> 向上取整，返回</a:t>
+            </a:r>
+            <a:r>
+              <a:rPr kumimoji="1" lang="en-US" altLang="zh-CN" sz="3600" dirty="0">
+                <a:ea typeface="Microsoft YaHei" panose="020B0503020204020204" pitchFamily="34" charset="-122"/>
+              </a:rPr>
+              <a:t>4.0</a:t>
+            </a:r>
+          </a:p>
+          <a:p>
+            <a:pPr>
+              <a:lnSpc>
+                <a:spcPct val="150000"/>
+              </a:lnSpc>
+            </a:pPr>
+            <a:r>
+              <a:rPr kumimoji="1" lang="en-US" altLang="zh-CN" sz="3600" dirty="0" err="1">
+                <a:ea typeface="Microsoft YaHei" panose="020B0503020204020204" pitchFamily="34" charset="-122"/>
+              </a:rPr>
+              <a:t>Math.floor</a:t>
+            </a:r>
+            <a:r>
+              <a:rPr kumimoji="1" lang="en-US" altLang="zh-CN" sz="3600" dirty="0">
+                <a:ea typeface="Microsoft YaHei" panose="020B0503020204020204" pitchFamily="34" charset="-122"/>
+              </a:rPr>
+              <a:t>(3.45)</a:t>
+            </a:r>
+            <a:r>
+              <a:rPr kumimoji="1" lang="zh-CN" altLang="en-US" sz="3600" dirty="0">
+                <a:ea typeface="Microsoft YaHei" panose="020B0503020204020204" pitchFamily="34" charset="-122"/>
+              </a:rPr>
+              <a:t>   </a:t>
+            </a:r>
+            <a:r>
+              <a:rPr kumimoji="1" lang="en-US" altLang="zh-CN" sz="3600" dirty="0">
+                <a:ea typeface="Microsoft YaHei" panose="020B0503020204020204" pitchFamily="34" charset="-122"/>
+              </a:rPr>
+              <a:t>//</a:t>
+            </a:r>
+            <a:r>
+              <a:rPr kumimoji="1" lang="zh-CN" altLang="en-US" sz="3600" dirty="0">
+                <a:ea typeface="Microsoft YaHei" panose="020B0503020204020204" pitchFamily="34" charset="-122"/>
+              </a:rPr>
+              <a:t>向下取整，返回</a:t>
+            </a:r>
+            <a:r>
+              <a:rPr kumimoji="1" lang="en-US" altLang="zh-CN" sz="3600" dirty="0">
+                <a:ea typeface="Microsoft YaHei" panose="020B0503020204020204" pitchFamily="34" charset="-122"/>
+              </a:rPr>
+              <a:t>3.0</a:t>
+            </a:r>
+          </a:p>
+          <a:p>
+            <a:pPr>
+              <a:lnSpc>
+                <a:spcPct val="150000"/>
+              </a:lnSpc>
+            </a:pPr>
+            <a:r>
+              <a:rPr kumimoji="1" lang="en-US" altLang="zh-CN" sz="3600" dirty="0" err="1">
+                <a:ea typeface="Microsoft YaHei" panose="020B0503020204020204" pitchFamily="34" charset="-122"/>
+              </a:rPr>
+              <a:t>Math.round</a:t>
+            </a:r>
+            <a:r>
+              <a:rPr kumimoji="1" lang="en-US" altLang="zh-CN" sz="3600" dirty="0">
+                <a:ea typeface="Microsoft YaHei" panose="020B0503020204020204" pitchFamily="34" charset="-122"/>
+              </a:rPr>
+              <a:t>(3.45)</a:t>
+            </a:r>
+            <a:r>
+              <a:rPr kumimoji="1" lang="zh-CN" altLang="en-US" sz="3600" dirty="0">
+                <a:ea typeface="Microsoft YaHei" panose="020B0503020204020204" pitchFamily="34" charset="-122"/>
+              </a:rPr>
+              <a:t> </a:t>
+            </a:r>
+            <a:r>
+              <a:rPr kumimoji="1" lang="en-US" altLang="zh-CN" sz="3600" dirty="0">
+                <a:ea typeface="Microsoft YaHei" panose="020B0503020204020204" pitchFamily="34" charset="-122"/>
+              </a:rPr>
+              <a:t>//</a:t>
+            </a:r>
+            <a:r>
+              <a:rPr kumimoji="1" lang="zh-CN" altLang="en-US" sz="3600" dirty="0">
+                <a:ea typeface="Microsoft YaHei" panose="020B0503020204020204" pitchFamily="34" charset="-122"/>
+              </a:rPr>
+              <a:t>四舍五入法，返回</a:t>
+            </a:r>
+            <a:r>
+              <a:rPr kumimoji="1" lang="en-US" altLang="zh-CN" sz="3600" dirty="0">
+                <a:ea typeface="Microsoft YaHei" panose="020B0503020204020204" pitchFamily="34" charset="-122"/>
+              </a:rPr>
+              <a:t>3</a:t>
+            </a:r>
+          </a:p>
+        </p:txBody>
+      </p:sp>
+    </p:spTree>
+    <p:extLst>
+      <p:ext uri="{BB962C8B-B14F-4D97-AF65-F5344CB8AC3E}">
+        <p14:creationId xmlns:p14="http://schemas.microsoft.com/office/powerpoint/2010/main" val="2325618620"/>
+      </p:ext>
+    </p:extLst>
+  </p:cSld>
+  <p:clrMapOvr>
+    <a:masterClrMapping/>
+  </p:clrMapOvr>
+</p:sld>
+</file>
+
+<file path=ppt/slides/slide18.xml><?xml version="1.0" encoding="utf-8"?>
+<p:sld xmlns:a="http://schemas.openxmlformats.org/drawingml/2006/main" xmlns:r="http://schemas.openxmlformats.org/officeDocument/2006/relationships" xmlns:p="http://schemas.openxmlformats.org/presentationml/2006/main">
+  <p:cSld>
+    <p:bg>
+      <p:bgPr>
+        <a:blipFill>
+          <a:blip r:embed="rId3"/>
+          <a:tile tx="0" ty="0" sx="100000" sy="100000" flip="none" algn="tl"/>
+        </a:blipFill>
+        <a:effectLst/>
+      </p:bgPr>
+    </p:bg>
+    <p:spTree>
+      <p:nvGrpSpPr>
+        <p:cNvPr id="1" name=""/>
+        <p:cNvGrpSpPr/>
+        <p:nvPr/>
+      </p:nvGrpSpPr>
+      <p:grpSpPr>
+        <a:xfrm>
+          <a:off x="0" y="0"/>
+          <a:ext cx="0" cy="0"/>
+          <a:chOff x="0" y="0"/>
+          <a:chExt cx="0" cy="0"/>
+        </a:xfrm>
+      </p:grpSpPr>
+      <p:sp>
+        <p:nvSpPr>
+          <p:cNvPr id="2" name="文本框 1">
+            <a:extLst>
+              <a:ext uri="{FF2B5EF4-FFF2-40B4-BE49-F238E27FC236}">
+                <a16:creationId xmlns:a16="http://schemas.microsoft.com/office/drawing/2014/main" id="{12AA8BCC-7B15-4842-80C2-48C079429338}"/>
+              </a:ext>
+            </a:extLst>
+          </p:cNvPr>
+          <p:cNvSpPr txBox="1"/>
+          <p:nvPr/>
+        </p:nvSpPr>
+        <p:spPr>
+          <a:xfrm>
+            <a:off x="2520000" y="720000"/>
+            <a:ext cx="7735824" cy="2308324"/>
+          </a:xfrm>
+          <a:prstGeom prst="rect">
+            <a:avLst/>
+          </a:prstGeom>
+          <a:noFill/>
+        </p:spPr>
+        <p:txBody>
+          <a:bodyPr wrap="square" rtlCol="0">
+            <a:spAutoFit/>
+          </a:bodyPr>
+          <a:lstStyle/>
+          <a:p>
+            <a:pPr marL="914400" indent="-914400" algn="ctr">
+              <a:buAutoNum type="arabicPeriod"/>
+            </a:pPr>
+            <a:r>
+              <a:rPr kumimoji="1" lang="zh-CN" altLang="en-US" sz="4800" dirty="0">
+                <a:latin typeface="Microsoft YaHei" panose="020B0503020204020204" pitchFamily="34" charset="-122"/>
+                <a:ea typeface="Microsoft YaHei" panose="020B0503020204020204" pitchFamily="34" charset="-122"/>
+              </a:rPr>
+              <a:t>常用的方法</a:t>
+            </a:r>
+            <a:endParaRPr kumimoji="1" lang="en-US" altLang="zh-CN" sz="4800" dirty="0">
+              <a:latin typeface="Microsoft YaHei" panose="020B0503020204020204" pitchFamily="34" charset="-122"/>
+              <a:ea typeface="Microsoft YaHei" panose="020B0503020204020204" pitchFamily="34" charset="-122"/>
+            </a:endParaRPr>
+          </a:p>
+          <a:p>
+            <a:pPr algn="ctr"/>
+            <a:r>
+              <a:rPr kumimoji="1" lang="zh-CN" altLang="en-US" sz="4800" dirty="0">
+                <a:ea typeface="Microsoft YaHei" panose="020B0503020204020204" pitchFamily="34" charset="-122"/>
+              </a:rPr>
+              <a:t>最大，最小，绝对值函数</a:t>
+            </a:r>
+            <a:endParaRPr kumimoji="1" lang="en-US" altLang="zh-CN" sz="4800" dirty="0">
+              <a:ea typeface="Microsoft YaHei" panose="020B0503020204020204" pitchFamily="34" charset="-122"/>
+            </a:endParaRPr>
+          </a:p>
+          <a:p>
+            <a:pPr marL="914400" indent="-914400" algn="ctr">
+              <a:buAutoNum type="arabicPeriod"/>
+            </a:pPr>
+            <a:endParaRPr kumimoji="1" lang="zh-CN" altLang="en-US" sz="4800" dirty="0">
+              <a:latin typeface="Microsoft YaHei" panose="020B0503020204020204" pitchFamily="34" charset="-122"/>
+              <a:ea typeface="Microsoft YaHei" panose="020B0503020204020204" pitchFamily="34" charset="-122"/>
+            </a:endParaRPr>
+          </a:p>
+        </p:txBody>
+      </p:sp>
+      <p:sp>
+        <p:nvSpPr>
+          <p:cNvPr id="8" name="文本框 7">
+            <a:extLst>
+              <a:ext uri="{FF2B5EF4-FFF2-40B4-BE49-F238E27FC236}">
+                <a16:creationId xmlns:a16="http://schemas.microsoft.com/office/drawing/2014/main" id="{B294230C-E86E-7247-BAC6-5F43DED3D0AF}"/>
+              </a:ext>
+            </a:extLst>
+          </p:cNvPr>
+          <p:cNvSpPr txBox="1"/>
+          <p:nvPr/>
+        </p:nvSpPr>
+        <p:spPr>
+          <a:xfrm>
+            <a:off x="2161740" y="3005374"/>
+            <a:ext cx="9236361" cy="3132626"/>
+          </a:xfrm>
+          <a:prstGeom prst="rect">
+            <a:avLst/>
+          </a:prstGeom>
+          <a:noFill/>
+        </p:spPr>
+        <p:txBody>
+          <a:bodyPr wrap="square" tIns="360000" bIns="360000" rtlCol="0">
+            <a:spAutoFit/>
+          </a:bodyPr>
+          <a:lstStyle/>
+          <a:p>
+            <a:pPr>
+              <a:lnSpc>
+                <a:spcPct val="150000"/>
+              </a:lnSpc>
+            </a:pPr>
+            <a:r>
+              <a:rPr kumimoji="1" lang="en-US" altLang="zh-CN" sz="3600" dirty="0" err="1">
+                <a:ea typeface="Microsoft YaHei" panose="020B0503020204020204" pitchFamily="34" charset="-122"/>
+              </a:rPr>
+              <a:t>Math.max</a:t>
+            </a:r>
+            <a:r>
+              <a:rPr kumimoji="1" lang="en-US" altLang="zh-CN" sz="3600" dirty="0">
+                <a:ea typeface="Microsoft YaHei" panose="020B0503020204020204" pitchFamily="34" charset="-122"/>
+              </a:rPr>
+              <a:t>(3</a:t>
+            </a:r>
+            <a:r>
+              <a:rPr kumimoji="1" lang="zh-CN" altLang="en-US" sz="3600" dirty="0">
+                <a:ea typeface="Microsoft YaHei" panose="020B0503020204020204" pitchFamily="34" charset="-122"/>
+              </a:rPr>
+              <a:t> </a:t>
+            </a:r>
+            <a:r>
+              <a:rPr kumimoji="1" lang="en-US" altLang="zh-CN" sz="3600" dirty="0">
+                <a:ea typeface="Microsoft YaHei" panose="020B0503020204020204" pitchFamily="34" charset="-122"/>
+              </a:rPr>
+              <a:t>,</a:t>
+            </a:r>
+            <a:r>
+              <a:rPr kumimoji="1" lang="zh-CN" altLang="en-US" sz="3600" dirty="0">
+                <a:ea typeface="Microsoft YaHei" panose="020B0503020204020204" pitchFamily="34" charset="-122"/>
+              </a:rPr>
+              <a:t> </a:t>
+            </a:r>
+            <a:r>
+              <a:rPr kumimoji="1" lang="en-US" altLang="zh-CN" sz="3600" dirty="0">
+                <a:ea typeface="Microsoft YaHei" panose="020B0503020204020204" pitchFamily="34" charset="-122"/>
+              </a:rPr>
+              <a:t>4)</a:t>
+            </a:r>
+            <a:r>
+              <a:rPr kumimoji="1" lang="zh-CN" altLang="en-US" sz="3600" dirty="0">
+                <a:ea typeface="Microsoft YaHei" panose="020B0503020204020204" pitchFamily="34" charset="-122"/>
+              </a:rPr>
+              <a:t>  </a:t>
+            </a:r>
+            <a:r>
+              <a:rPr kumimoji="1" lang="en-US" altLang="zh-CN" sz="3600" dirty="0">
+                <a:ea typeface="Microsoft YaHei" panose="020B0503020204020204" pitchFamily="34" charset="-122"/>
+              </a:rPr>
+              <a:t>//</a:t>
+            </a:r>
+            <a:r>
+              <a:rPr kumimoji="1" lang="zh-CN" altLang="en-US" sz="3600" dirty="0">
+                <a:ea typeface="Microsoft YaHei" panose="020B0503020204020204" pitchFamily="34" charset="-122"/>
+              </a:rPr>
+              <a:t> 取最大数值，返回</a:t>
+            </a:r>
+            <a:r>
+              <a:rPr kumimoji="1" lang="en-US" altLang="zh-CN" sz="3600" dirty="0">
+                <a:ea typeface="Microsoft YaHei" panose="020B0503020204020204" pitchFamily="34" charset="-122"/>
+              </a:rPr>
+              <a:t>4</a:t>
+            </a:r>
+          </a:p>
+          <a:p>
+            <a:pPr>
+              <a:lnSpc>
+                <a:spcPct val="150000"/>
+              </a:lnSpc>
+            </a:pPr>
+            <a:r>
+              <a:rPr kumimoji="1" lang="en-US" altLang="zh-CN" sz="3600" dirty="0" err="1">
+                <a:ea typeface="Microsoft YaHei" panose="020B0503020204020204" pitchFamily="34" charset="-122"/>
+              </a:rPr>
+              <a:t>Math.min</a:t>
+            </a:r>
+            <a:r>
+              <a:rPr kumimoji="1" lang="en-US" altLang="zh-CN" sz="3600" dirty="0">
+                <a:ea typeface="Microsoft YaHei" panose="020B0503020204020204" pitchFamily="34" charset="-122"/>
+              </a:rPr>
+              <a:t>(3</a:t>
+            </a:r>
+            <a:r>
+              <a:rPr kumimoji="1" lang="zh-CN" altLang="en-US" sz="3600" dirty="0">
+                <a:ea typeface="Microsoft YaHei" panose="020B0503020204020204" pitchFamily="34" charset="-122"/>
+              </a:rPr>
+              <a:t> </a:t>
+            </a:r>
+            <a:r>
+              <a:rPr kumimoji="1" lang="en-US" altLang="zh-CN" sz="3600" dirty="0">
+                <a:ea typeface="Microsoft YaHei" panose="020B0503020204020204" pitchFamily="34" charset="-122"/>
+              </a:rPr>
+              <a:t>,</a:t>
+            </a:r>
+            <a:r>
+              <a:rPr kumimoji="1" lang="zh-CN" altLang="en-US" sz="3600" dirty="0">
+                <a:ea typeface="Microsoft YaHei" panose="020B0503020204020204" pitchFamily="34" charset="-122"/>
+              </a:rPr>
+              <a:t> </a:t>
+            </a:r>
+            <a:r>
+              <a:rPr kumimoji="1" lang="en-US" altLang="zh-CN" sz="3600" dirty="0">
+                <a:ea typeface="Microsoft YaHei" panose="020B0503020204020204" pitchFamily="34" charset="-122"/>
+              </a:rPr>
+              <a:t>4</a:t>
+            </a:r>
+            <a:r>
+              <a:rPr kumimoji="1" lang="zh-CN" altLang="en-US" sz="3600" dirty="0">
+                <a:ea typeface="Microsoft YaHei" panose="020B0503020204020204" pitchFamily="34" charset="-122"/>
+              </a:rPr>
+              <a:t> </a:t>
+            </a:r>
+            <a:r>
+              <a:rPr kumimoji="1" lang="en-US" altLang="zh-CN" sz="3600" dirty="0">
+                <a:ea typeface="Microsoft YaHei" panose="020B0503020204020204" pitchFamily="34" charset="-122"/>
+              </a:rPr>
+              <a:t>)</a:t>
+            </a:r>
+            <a:r>
+              <a:rPr kumimoji="1" lang="zh-CN" altLang="en-US" sz="3600" dirty="0">
+                <a:ea typeface="Microsoft YaHei" panose="020B0503020204020204" pitchFamily="34" charset="-122"/>
+              </a:rPr>
+              <a:t>   </a:t>
+            </a:r>
+            <a:r>
+              <a:rPr kumimoji="1" lang="en-US" altLang="zh-CN" sz="3600" dirty="0">
+                <a:ea typeface="Microsoft YaHei" panose="020B0503020204020204" pitchFamily="34" charset="-122"/>
+              </a:rPr>
+              <a:t>//</a:t>
+            </a:r>
+            <a:r>
+              <a:rPr kumimoji="1" lang="zh-CN" altLang="en-US" sz="3600" dirty="0">
+                <a:ea typeface="Microsoft YaHei" panose="020B0503020204020204" pitchFamily="34" charset="-122"/>
+              </a:rPr>
+              <a:t>取最小数值，返回</a:t>
+            </a:r>
+            <a:r>
+              <a:rPr kumimoji="1" lang="en-US" altLang="zh-CN" sz="3600" dirty="0">
+                <a:ea typeface="Microsoft YaHei" panose="020B0503020204020204" pitchFamily="34" charset="-122"/>
+              </a:rPr>
+              <a:t>3</a:t>
+            </a:r>
+          </a:p>
+          <a:p>
+            <a:pPr>
+              <a:lnSpc>
+                <a:spcPct val="150000"/>
+              </a:lnSpc>
+            </a:pPr>
+            <a:r>
+              <a:rPr kumimoji="1" lang="en-US" altLang="zh-CN" sz="3600" dirty="0" err="1">
+                <a:ea typeface="Microsoft YaHei" panose="020B0503020204020204" pitchFamily="34" charset="-122"/>
+              </a:rPr>
+              <a:t>Math.abs</a:t>
+            </a:r>
+            <a:r>
+              <a:rPr kumimoji="1" lang="en-US" altLang="zh-CN" sz="3600" dirty="0">
+                <a:ea typeface="Microsoft YaHei" panose="020B0503020204020204" pitchFamily="34" charset="-122"/>
+              </a:rPr>
+              <a:t>(-3)</a:t>
+            </a:r>
+            <a:r>
+              <a:rPr kumimoji="1" lang="zh-CN" altLang="en-US" sz="3600" dirty="0">
+                <a:ea typeface="Microsoft YaHei" panose="020B0503020204020204" pitchFamily="34" charset="-122"/>
+              </a:rPr>
+              <a:t>       </a:t>
+            </a:r>
+            <a:r>
+              <a:rPr kumimoji="1" lang="en-US" altLang="zh-CN" sz="3600" dirty="0">
+                <a:ea typeface="Microsoft YaHei" panose="020B0503020204020204" pitchFamily="34" charset="-122"/>
+              </a:rPr>
+              <a:t>//</a:t>
+            </a:r>
+            <a:r>
+              <a:rPr kumimoji="1" lang="zh-CN" altLang="en-US" sz="3600" dirty="0">
+                <a:ea typeface="Microsoft YaHei" panose="020B0503020204020204" pitchFamily="34" charset="-122"/>
+              </a:rPr>
+              <a:t>取绝对值，返回</a:t>
+            </a:r>
+            <a:r>
+              <a:rPr kumimoji="1" lang="en-US" altLang="zh-CN" sz="3600" dirty="0">
+                <a:ea typeface="Microsoft YaHei" panose="020B0503020204020204" pitchFamily="34" charset="-122"/>
+              </a:rPr>
+              <a:t>3</a:t>
+            </a:r>
+          </a:p>
+        </p:txBody>
+      </p:sp>
+    </p:spTree>
+    <p:extLst>
+      <p:ext uri="{BB962C8B-B14F-4D97-AF65-F5344CB8AC3E}">
+        <p14:creationId xmlns:p14="http://schemas.microsoft.com/office/powerpoint/2010/main" val="453787182"/>
+      </p:ext>
+    </p:extLst>
+  </p:cSld>
+  <p:clrMapOvr>
+    <a:masterClrMapping/>
+  </p:clrMapOvr>
+</p:sld>
+</file>
+
+<file path=ppt/slides/slide19.xml><?xml version="1.0" encoding="utf-8"?>
+<p:sld xmlns:a="http://schemas.openxmlformats.org/drawingml/2006/main" xmlns:r="http://schemas.openxmlformats.org/officeDocument/2006/relationships" xmlns:p="http://schemas.openxmlformats.org/presentationml/2006/main">
+  <p:cSld>
+    <p:bg>
+      <p:bgPr>
+        <a:blipFill>
+          <a:blip r:embed="rId3"/>
+          <a:tile tx="0" ty="0" sx="100000" sy="100000" flip="none" algn="tl"/>
+        </a:blipFill>
+        <a:effectLst/>
+      </p:bgPr>
+    </p:bg>
+    <p:spTree>
+      <p:nvGrpSpPr>
+        <p:cNvPr id="1" name=""/>
+        <p:cNvGrpSpPr/>
+        <p:nvPr/>
+      </p:nvGrpSpPr>
+      <p:grpSpPr>
+        <a:xfrm>
+          <a:off x="0" y="0"/>
+          <a:ext cx="0" cy="0"/>
+          <a:chOff x="0" y="0"/>
+          <a:chExt cx="0" cy="0"/>
+        </a:xfrm>
+      </p:grpSpPr>
+      <p:sp>
+        <p:nvSpPr>
+          <p:cNvPr id="2" name="文本框 1">
+            <a:extLst>
+              <a:ext uri="{FF2B5EF4-FFF2-40B4-BE49-F238E27FC236}">
+                <a16:creationId xmlns:a16="http://schemas.microsoft.com/office/drawing/2014/main" id="{12AA8BCC-7B15-4842-80C2-48C079429338}"/>
+              </a:ext>
+            </a:extLst>
+          </p:cNvPr>
+          <p:cNvSpPr txBox="1"/>
+          <p:nvPr/>
+        </p:nvSpPr>
+        <p:spPr>
+          <a:xfrm>
+            <a:off x="2520000" y="720000"/>
+            <a:ext cx="7735824" cy="830997"/>
+          </a:xfrm>
+          <a:prstGeom prst="rect">
+            <a:avLst/>
+          </a:prstGeom>
+          <a:noFill/>
+        </p:spPr>
+        <p:txBody>
+          <a:bodyPr wrap="square" rtlCol="0">
+            <a:spAutoFit/>
+          </a:bodyPr>
+          <a:lstStyle/>
+          <a:p>
+            <a:pPr marL="914400" indent="-914400" algn="ctr">
+              <a:buAutoNum type="arabicPeriod"/>
+            </a:pPr>
+            <a:r>
+              <a:rPr kumimoji="1" lang="zh-CN" altLang="en-US" sz="4800" dirty="0">
+                <a:latin typeface="Microsoft YaHei" panose="020B0503020204020204" pitchFamily="34" charset="-122"/>
+                <a:ea typeface="Microsoft YaHei" panose="020B0503020204020204" pitchFamily="34" charset="-122"/>
+              </a:rPr>
+              <a:t>常用的方法</a:t>
+            </a:r>
+            <a:r>
+              <a:rPr kumimoji="1" lang="en-US" altLang="zh-CN" sz="4800" dirty="0">
+                <a:latin typeface="Microsoft YaHei" panose="020B0503020204020204" pitchFamily="34" charset="-122"/>
+                <a:ea typeface="Microsoft YaHei" panose="020B0503020204020204" pitchFamily="34" charset="-122"/>
+              </a:rPr>
+              <a:t>---Random</a:t>
+            </a:r>
+          </a:p>
+        </p:txBody>
+      </p:sp>
+      <p:sp>
+        <p:nvSpPr>
+          <p:cNvPr id="8" name="文本框 7">
+            <a:extLst>
+              <a:ext uri="{FF2B5EF4-FFF2-40B4-BE49-F238E27FC236}">
+                <a16:creationId xmlns:a16="http://schemas.microsoft.com/office/drawing/2014/main" id="{B294230C-E86E-7247-BAC6-5F43DED3D0AF}"/>
+              </a:ext>
+            </a:extLst>
+          </p:cNvPr>
+          <p:cNvSpPr txBox="1"/>
+          <p:nvPr/>
+        </p:nvSpPr>
+        <p:spPr>
+          <a:xfrm>
+            <a:off x="2374391" y="2041451"/>
+            <a:ext cx="9236361" cy="2301629"/>
+          </a:xfrm>
+          <a:prstGeom prst="rect">
+            <a:avLst/>
+          </a:prstGeom>
+          <a:noFill/>
+        </p:spPr>
+        <p:txBody>
+          <a:bodyPr wrap="square" tIns="360000" bIns="360000" rtlCol="0">
+            <a:spAutoFit/>
+          </a:bodyPr>
+          <a:lstStyle/>
+          <a:p>
+            <a:pPr>
+              <a:lnSpc>
+                <a:spcPct val="150000"/>
+              </a:lnSpc>
+            </a:pPr>
+            <a:r>
+              <a:rPr kumimoji="1" lang="en-US" altLang="zh-CN" sz="3600" dirty="0" err="1">
+                <a:ea typeface="Microsoft YaHei" panose="020B0503020204020204" pitchFamily="34" charset="-122"/>
+              </a:rPr>
+              <a:t>Math.random</a:t>
+            </a:r>
+            <a:r>
+              <a:rPr kumimoji="1" lang="en-US" altLang="zh-CN" sz="3600" dirty="0">
+                <a:ea typeface="Microsoft YaHei" panose="020B0503020204020204" pitchFamily="34" charset="-122"/>
+              </a:rPr>
+              <a:t>()</a:t>
+            </a:r>
+            <a:r>
+              <a:rPr kumimoji="1" lang="zh-CN" altLang="en-US" sz="3600" dirty="0">
+                <a:ea typeface="Microsoft YaHei" panose="020B0503020204020204" pitchFamily="34" charset="-122"/>
+              </a:rPr>
+              <a:t>  </a:t>
+            </a:r>
+            <a:r>
+              <a:rPr kumimoji="1" lang="en-US" altLang="zh-CN" sz="3600" dirty="0">
+                <a:ea typeface="Microsoft YaHei" panose="020B0503020204020204" pitchFamily="34" charset="-122"/>
+              </a:rPr>
+              <a:t>//</a:t>
+            </a:r>
+            <a:r>
+              <a:rPr kumimoji="1" lang="zh-CN" altLang="en-US" sz="3600" dirty="0">
+                <a:ea typeface="Microsoft YaHei" panose="020B0503020204020204" pitchFamily="34" charset="-122"/>
+              </a:rPr>
+              <a:t> 返回 </a:t>
+            </a:r>
+            <a:r>
+              <a:rPr kumimoji="1" lang="en-US" altLang="zh-CN" sz="3600" dirty="0">
+                <a:ea typeface="Microsoft YaHei" panose="020B0503020204020204" pitchFamily="34" charset="-122"/>
+              </a:rPr>
+              <a:t>0</a:t>
+            </a:r>
+            <a:r>
+              <a:rPr kumimoji="1" lang="zh-CN" altLang="en-US" sz="3600" dirty="0">
+                <a:ea typeface="Microsoft YaHei" panose="020B0503020204020204" pitchFamily="34" charset="-122"/>
+              </a:rPr>
+              <a:t> 到</a:t>
+            </a:r>
+            <a:r>
+              <a:rPr kumimoji="1" lang="en-US" altLang="zh-CN" sz="3600" dirty="0">
+                <a:ea typeface="Microsoft YaHei" panose="020B0503020204020204" pitchFamily="34" charset="-122"/>
+              </a:rPr>
+              <a:t>1</a:t>
+            </a:r>
+            <a:r>
+              <a:rPr kumimoji="1" lang="zh-CN" altLang="en-US" sz="3600" dirty="0">
+                <a:ea typeface="Microsoft YaHei" panose="020B0503020204020204" pitchFamily="34" charset="-122"/>
+              </a:rPr>
+              <a:t>的双精度数值</a:t>
+            </a:r>
+            <a:endParaRPr kumimoji="1" lang="en-US" altLang="zh-CN" sz="3600" dirty="0">
+              <a:ea typeface="Microsoft YaHei" panose="020B0503020204020204" pitchFamily="34" charset="-122"/>
+            </a:endParaRPr>
+          </a:p>
+          <a:p>
+            <a:pPr>
+              <a:lnSpc>
+                <a:spcPct val="150000"/>
+              </a:lnSpc>
+            </a:pPr>
+            <a:r>
+              <a:rPr kumimoji="1" lang="zh-CN" altLang="en-US" sz="3600" dirty="0">
+                <a:ea typeface="Microsoft YaHei" panose="020B0503020204020204" pitchFamily="34" charset="-122"/>
+              </a:rPr>
+              <a:t>拓展，还有另一种</a:t>
+            </a:r>
+            <a:r>
+              <a:rPr kumimoji="1" lang="en-US" altLang="zh-CN" sz="3600" dirty="0">
+                <a:ea typeface="Microsoft YaHei" panose="020B0503020204020204" pitchFamily="34" charset="-122"/>
+              </a:rPr>
+              <a:t>Random</a:t>
+            </a:r>
+            <a:r>
+              <a:rPr kumimoji="1" lang="zh-CN" altLang="en-US" sz="3600" dirty="0">
+                <a:ea typeface="Microsoft YaHei" panose="020B0503020204020204" pitchFamily="34" charset="-122"/>
+              </a:rPr>
+              <a:t> 对象。</a:t>
+            </a:r>
+            <a:endParaRPr kumimoji="1" lang="en-US" altLang="zh-CN" sz="3600" dirty="0">
+              <a:ea typeface="Microsoft YaHei" panose="020B0503020204020204" pitchFamily="34" charset="-122"/>
+            </a:endParaRPr>
+          </a:p>
+        </p:txBody>
+      </p:sp>
+      <p:sp>
+        <p:nvSpPr>
+          <p:cNvPr id="3" name="文本框 2">
+            <a:extLst>
+              <a:ext uri="{FF2B5EF4-FFF2-40B4-BE49-F238E27FC236}">
+                <a16:creationId xmlns:a16="http://schemas.microsoft.com/office/drawing/2014/main" id="{51BF0D5B-BEEB-5F4B-8528-3D302D662D5C}"/>
+              </a:ext>
+            </a:extLst>
+          </p:cNvPr>
+          <p:cNvSpPr txBox="1"/>
+          <p:nvPr/>
+        </p:nvSpPr>
+        <p:spPr>
+          <a:xfrm>
+            <a:off x="2520000" y="5664531"/>
+            <a:ext cx="3203944" cy="588110"/>
+          </a:xfrm>
+          <a:prstGeom prst="rect">
+            <a:avLst/>
+          </a:prstGeom>
+          <a:solidFill>
+            <a:schemeClr val="accent2"/>
+          </a:solidFill>
+        </p:spPr>
+        <p:txBody>
+          <a:bodyPr wrap="square" rtlCol="0">
+            <a:spAutoFit/>
+          </a:bodyPr>
+          <a:lstStyle/>
+          <a:p>
+            <a:pPr>
+              <a:lnSpc>
+                <a:spcPct val="150000"/>
+              </a:lnSpc>
+            </a:pPr>
+            <a:r>
+              <a:rPr kumimoji="1" lang="zh-CN" altLang="en-US" sz="2400" dirty="0">
+                <a:solidFill>
+                  <a:schemeClr val="bg1"/>
+                </a:solidFill>
+                <a:ea typeface="Microsoft YaHei" panose="020B0503020204020204" pitchFamily="34" charset="-122"/>
+              </a:rPr>
+              <a:t>上代码</a:t>
+            </a:r>
+            <a:endParaRPr kumimoji="1" lang="en-US" altLang="zh-CN" sz="2400" dirty="0">
+              <a:solidFill>
+                <a:schemeClr val="bg1"/>
+              </a:solidFill>
+              <a:ea typeface="Microsoft YaHei" panose="020B0503020204020204" pitchFamily="34" charset="-122"/>
+            </a:endParaRPr>
+          </a:p>
+        </p:txBody>
+      </p:sp>
+    </p:spTree>
+    <p:extLst>
+      <p:ext uri="{BB962C8B-B14F-4D97-AF65-F5344CB8AC3E}">
+        <p14:creationId xmlns:p14="http://schemas.microsoft.com/office/powerpoint/2010/main" val="4198886012"/>
+      </p:ext>
+    </p:extLst>
+  </p:cSld>
+  <p:clrMapOvr>
+    <a:masterClrMapping/>
+  </p:clrMapOvr>
+</p:sld>
+</file>
+
+<file path=ppt/slides/slide2.xml><?xml version="1.0" encoding="utf-8"?>
+<p:sld xmlns:a="http://schemas.openxmlformats.org/drawingml/2006/main" xmlns:r="http://schemas.openxmlformats.org/officeDocument/2006/relationships" xmlns:p="http://schemas.openxmlformats.org/presentationml/2006/main">
+  <p:cSld>
+    <p:bg>
+      <p:bgPr>
+        <a:blipFill>
+          <a:blip r:embed="rId3"/>
+          <a:tile tx="0" ty="0" sx="100000" sy="100000" flip="none" algn="tl"/>
+        </a:blipFill>
+        <a:effectLst/>
+      </p:bgPr>
+    </p:bg>
+    <p:spTree>
+      <p:nvGrpSpPr>
+        <p:cNvPr id="1" name=""/>
+        <p:cNvGrpSpPr/>
+        <p:nvPr/>
+      </p:nvGrpSpPr>
+      <p:grpSpPr>
+        <a:xfrm>
+          <a:off x="0" y="0"/>
+          <a:ext cx="0" cy="0"/>
+          <a:chOff x="0" y="0"/>
+          <a:chExt cx="0" cy="0"/>
+        </a:xfrm>
+      </p:grpSpPr>
+      <p:sp>
+        <p:nvSpPr>
+          <p:cNvPr id="2" name="文本框 1">
+            <a:extLst>
+              <a:ext uri="{FF2B5EF4-FFF2-40B4-BE49-F238E27FC236}">
+                <a16:creationId xmlns:a16="http://schemas.microsoft.com/office/drawing/2014/main" id="{12AA8BCC-7B15-4842-80C2-48C079429338}"/>
+              </a:ext>
+            </a:extLst>
+          </p:cNvPr>
+          <p:cNvSpPr txBox="1"/>
+          <p:nvPr/>
+        </p:nvSpPr>
+        <p:spPr>
+          <a:xfrm>
+            <a:off x="2520000" y="720000"/>
+            <a:ext cx="7735824" cy="830997"/>
+          </a:xfrm>
+          <a:prstGeom prst="rect">
+            <a:avLst/>
+          </a:prstGeom>
+          <a:noFill/>
+        </p:spPr>
+        <p:txBody>
+          <a:bodyPr wrap="square" rtlCol="0">
+            <a:spAutoFit/>
+          </a:bodyPr>
+          <a:lstStyle/>
+          <a:p>
+            <a:pPr algn="ctr"/>
+            <a:r>
+              <a:rPr kumimoji="1" lang="zh-CN" altLang="en-US" sz="4800" dirty="0">
+                <a:latin typeface="Microsoft YaHei" panose="020B0503020204020204" pitchFamily="34" charset="-122"/>
+                <a:ea typeface="Microsoft YaHei" panose="020B0503020204020204" pitchFamily="34" charset="-122"/>
+              </a:rPr>
+              <a:t>这节课讲啥？</a:t>
+            </a:r>
+          </a:p>
+        </p:txBody>
+      </p:sp>
+      <p:sp>
+        <p:nvSpPr>
+          <p:cNvPr id="8" name="文本框 7">
+            <a:extLst>
+              <a:ext uri="{FF2B5EF4-FFF2-40B4-BE49-F238E27FC236}">
+                <a16:creationId xmlns:a16="http://schemas.microsoft.com/office/drawing/2014/main" id="{B294230C-E86E-7247-BAC6-5F43DED3D0AF}"/>
+              </a:ext>
+            </a:extLst>
+          </p:cNvPr>
+          <p:cNvSpPr txBox="1"/>
+          <p:nvPr/>
+        </p:nvSpPr>
+        <p:spPr>
+          <a:xfrm>
+            <a:off x="4535083" y="1380876"/>
+            <a:ext cx="7443216" cy="8293205"/>
+          </a:xfrm>
+          <a:prstGeom prst="rect">
+            <a:avLst/>
+          </a:prstGeom>
+          <a:noFill/>
+        </p:spPr>
+        <p:txBody>
+          <a:bodyPr wrap="square" tIns="360000" bIns="360000" rtlCol="0">
+            <a:spAutoFit/>
+          </a:bodyPr>
+          <a:lstStyle/>
+          <a:p>
+            <a:pPr marL="571500" indent="-571500">
+              <a:lnSpc>
+                <a:spcPct val="150000"/>
+              </a:lnSpc>
+              <a:buFont typeface="Wingdings" pitchFamily="2" charset="2"/>
+              <a:buChar char="Ø"/>
+            </a:pPr>
+            <a:r>
+              <a:rPr kumimoji="1" lang="zh-CN" altLang="en-US" sz="2800" dirty="0">
+                <a:latin typeface="Microsoft YaHei" panose="020B0503020204020204" pitchFamily="34" charset="-122"/>
+                <a:ea typeface="Microsoft YaHei" panose="020B0503020204020204" pitchFamily="34" charset="-122"/>
+              </a:rPr>
+              <a:t>数组的基本知识</a:t>
+            </a:r>
+            <a:endParaRPr kumimoji="1" lang="en-US" altLang="zh-CN" sz="2800" dirty="0">
+              <a:latin typeface="Microsoft YaHei" panose="020B0503020204020204" pitchFamily="34" charset="-122"/>
+              <a:ea typeface="Microsoft YaHei" panose="020B0503020204020204" pitchFamily="34" charset="-122"/>
+            </a:endParaRPr>
+          </a:p>
+          <a:p>
+            <a:pPr marL="571500" indent="-571500">
+              <a:lnSpc>
+                <a:spcPct val="150000"/>
+              </a:lnSpc>
+              <a:buFont typeface="Wingdings" pitchFamily="2" charset="2"/>
+              <a:buChar char="Ø"/>
+            </a:pPr>
+            <a:r>
+              <a:rPr kumimoji="1" lang="zh-CN" altLang="en-US" sz="2800" dirty="0">
+                <a:latin typeface="Microsoft YaHei" panose="020B0503020204020204" pitchFamily="34" charset="-122"/>
+                <a:ea typeface="Microsoft YaHei" panose="020B0503020204020204" pitchFamily="34" charset="-122"/>
+              </a:rPr>
+              <a:t>数组的复制</a:t>
+            </a:r>
+            <a:endParaRPr kumimoji="1" lang="en-US" altLang="zh-CN" sz="2800" dirty="0">
+              <a:latin typeface="Microsoft YaHei" panose="020B0503020204020204" pitchFamily="34" charset="-122"/>
+              <a:ea typeface="Microsoft YaHei" panose="020B0503020204020204" pitchFamily="34" charset="-122"/>
+            </a:endParaRPr>
+          </a:p>
+          <a:p>
+            <a:pPr marL="571500" indent="-571500">
+              <a:lnSpc>
+                <a:spcPct val="150000"/>
+              </a:lnSpc>
+              <a:buFont typeface="Wingdings" pitchFamily="2" charset="2"/>
+              <a:buChar char="Ø"/>
+            </a:pPr>
+            <a:r>
+              <a:rPr kumimoji="1" lang="zh-CN" altLang="en-US" sz="2800" dirty="0">
+                <a:latin typeface="Microsoft YaHei" panose="020B0503020204020204" pitchFamily="34" charset="-122"/>
+                <a:ea typeface="Microsoft YaHei" panose="020B0503020204020204" pitchFamily="34" charset="-122"/>
+              </a:rPr>
+              <a:t>将数组传递给方法</a:t>
+            </a:r>
+            <a:endParaRPr kumimoji="1" lang="en-US" altLang="zh-CN" sz="2800" dirty="0">
+              <a:latin typeface="Microsoft YaHei" panose="020B0503020204020204" pitchFamily="34" charset="-122"/>
+              <a:ea typeface="Microsoft YaHei" panose="020B0503020204020204" pitchFamily="34" charset="-122"/>
+            </a:endParaRPr>
+          </a:p>
+          <a:p>
+            <a:pPr marL="571500" indent="-571500">
+              <a:lnSpc>
+                <a:spcPct val="150000"/>
+              </a:lnSpc>
+              <a:spcBef>
+                <a:spcPts val="100"/>
+              </a:spcBef>
+              <a:buFont typeface="Wingdings" pitchFamily="2" charset="2"/>
+              <a:buChar char="Ø"/>
+            </a:pPr>
+            <a:r>
+              <a:rPr kumimoji="1" lang="zh-CN" altLang="en-US" sz="2800" dirty="0">
+                <a:latin typeface="Microsoft YaHei" panose="020B0503020204020204" pitchFamily="34" charset="-122"/>
+                <a:ea typeface="Microsoft YaHei" panose="020B0503020204020204" pitchFamily="34" charset="-122"/>
+              </a:rPr>
+              <a:t>从方法中返回数组</a:t>
+            </a:r>
+            <a:endParaRPr kumimoji="1" lang="en-US" altLang="zh-CN" sz="2800" dirty="0">
+              <a:latin typeface="Microsoft YaHei" panose="020B0503020204020204" pitchFamily="34" charset="-122"/>
+              <a:ea typeface="Microsoft YaHei" panose="020B0503020204020204" pitchFamily="34" charset="-122"/>
+            </a:endParaRPr>
+          </a:p>
+          <a:p>
+            <a:pPr marL="571500" indent="-571500">
+              <a:lnSpc>
+                <a:spcPct val="150000"/>
+              </a:lnSpc>
+              <a:spcBef>
+                <a:spcPts val="100"/>
+              </a:spcBef>
+              <a:buFont typeface="Wingdings" pitchFamily="2" charset="2"/>
+              <a:buChar char="Ø"/>
+            </a:pPr>
+            <a:r>
+              <a:rPr kumimoji="1" lang="zh-CN" altLang="en-US" sz="2800" dirty="0">
+                <a:latin typeface="Microsoft YaHei" panose="020B0503020204020204" pitchFamily="34" charset="-122"/>
+                <a:ea typeface="Microsoft YaHei" panose="020B0503020204020204" pitchFamily="34" charset="-122"/>
+              </a:rPr>
+              <a:t>数组查找</a:t>
+            </a:r>
+          </a:p>
+          <a:p>
+            <a:pPr marL="571500" indent="-571500">
+              <a:lnSpc>
+                <a:spcPct val="150000"/>
+              </a:lnSpc>
+              <a:buFont typeface="Wingdings" pitchFamily="2" charset="2"/>
+              <a:buChar char="Ø"/>
+            </a:pPr>
+            <a:r>
+              <a:rPr kumimoji="1" lang="zh-CN" altLang="en-US" sz="2800" dirty="0">
+                <a:latin typeface="Microsoft YaHei" panose="020B0503020204020204" pitchFamily="34" charset="-122"/>
+                <a:ea typeface="Microsoft YaHei" panose="020B0503020204020204" pitchFamily="34" charset="-122"/>
+              </a:rPr>
+              <a:t>数组排序</a:t>
+            </a:r>
+            <a:endParaRPr kumimoji="1" lang="en-US" altLang="zh-CN" sz="2800" dirty="0">
+              <a:latin typeface="Microsoft YaHei" panose="020B0503020204020204" pitchFamily="34" charset="-122"/>
+              <a:ea typeface="Microsoft YaHei" panose="020B0503020204020204" pitchFamily="34" charset="-122"/>
+            </a:endParaRPr>
+          </a:p>
+          <a:p>
+            <a:pPr marL="571500" indent="-571500">
+              <a:lnSpc>
+                <a:spcPct val="150000"/>
+              </a:lnSpc>
+              <a:buFont typeface="Wingdings" pitchFamily="2" charset="2"/>
+              <a:buChar char="Ø"/>
+            </a:pPr>
+            <a:r>
+              <a:rPr kumimoji="1" lang="en-US" altLang="zh-CN" sz="2800" dirty="0">
+                <a:latin typeface="Microsoft YaHei" panose="020B0503020204020204" pitchFamily="34" charset="-122"/>
+                <a:ea typeface="Microsoft YaHei" panose="020B0503020204020204" pitchFamily="34" charset="-122"/>
+              </a:rPr>
+              <a:t>Arrays</a:t>
+            </a:r>
+            <a:r>
+              <a:rPr kumimoji="1" lang="zh-CN" altLang="en-US" sz="2800" dirty="0">
+                <a:latin typeface="Microsoft YaHei" panose="020B0503020204020204" pitchFamily="34" charset="-122"/>
+                <a:ea typeface="Microsoft YaHei" panose="020B0503020204020204" pitchFamily="34" charset="-122"/>
+              </a:rPr>
+              <a:t>类</a:t>
+            </a:r>
+            <a:endParaRPr kumimoji="1" lang="en-US" altLang="zh-CN" sz="2800" dirty="0">
+              <a:ea typeface="Microsoft YaHei" panose="020B0503020204020204" pitchFamily="34" charset="-122"/>
+            </a:endParaRPr>
+          </a:p>
+          <a:p>
+            <a:pPr marL="571500" indent="-571500">
+              <a:lnSpc>
+                <a:spcPct val="150000"/>
+              </a:lnSpc>
+              <a:buFont typeface="Wingdings" pitchFamily="2" charset="2"/>
+              <a:buChar char="Ø"/>
+            </a:pPr>
+            <a:r>
+              <a:rPr kumimoji="1" lang="zh-CN" altLang="en-US" sz="2800" dirty="0">
+                <a:latin typeface="Microsoft YaHei" panose="020B0503020204020204" pitchFamily="34" charset="-122"/>
+                <a:ea typeface="Microsoft YaHei" panose="020B0503020204020204" pitchFamily="34" charset="-122"/>
+              </a:rPr>
+              <a:t>命令行参数</a:t>
+            </a:r>
+            <a:endParaRPr kumimoji="1" lang="en-US" altLang="zh-CN" sz="2800" dirty="0">
+              <a:latin typeface="Microsoft YaHei" panose="020B0503020204020204" pitchFamily="34" charset="-122"/>
+              <a:ea typeface="Microsoft YaHei" panose="020B0503020204020204" pitchFamily="34" charset="-122"/>
+            </a:endParaRPr>
+          </a:p>
+          <a:p>
+            <a:pPr>
+              <a:lnSpc>
+                <a:spcPct val="150000"/>
+              </a:lnSpc>
+            </a:pPr>
+            <a:endParaRPr kumimoji="1" lang="en-US" altLang="zh-CN" sz="2800" dirty="0">
+              <a:latin typeface="Microsoft YaHei" panose="020B0503020204020204" pitchFamily="34" charset="-122"/>
+              <a:ea typeface="Microsoft YaHei" panose="020B0503020204020204" pitchFamily="34" charset="-122"/>
+            </a:endParaRPr>
+          </a:p>
+          <a:p>
+            <a:endParaRPr kumimoji="1" lang="zh-CN" altLang="en-US" sz="2800" dirty="0">
+              <a:latin typeface="Microsoft YaHei" panose="020B0503020204020204" pitchFamily="34" charset="-122"/>
+              <a:ea typeface="Microsoft YaHei" panose="020B0503020204020204" pitchFamily="34" charset="-122"/>
+            </a:endParaRPr>
+          </a:p>
+          <a:p>
+            <a:endParaRPr kumimoji="1" lang="zh-CN" altLang="en-US" sz="2800" dirty="0"/>
+          </a:p>
+          <a:p>
+            <a:endParaRPr kumimoji="1" lang="en-US" altLang="zh-CN" sz="2800" dirty="0"/>
+          </a:p>
+          <a:p>
+            <a:r>
+              <a:rPr kumimoji="1" lang="en-US" altLang="zh-CN" sz="2800" dirty="0"/>
+              <a:t>	</a:t>
+            </a:r>
+            <a:endParaRPr kumimoji="1" lang="zh-CN" altLang="en-US" sz="2800" dirty="0"/>
+          </a:p>
+        </p:txBody>
+      </p:sp>
+    </p:spTree>
+    <p:extLst>
+      <p:ext uri="{BB962C8B-B14F-4D97-AF65-F5344CB8AC3E}">
+        <p14:creationId xmlns:p14="http://schemas.microsoft.com/office/powerpoint/2010/main" val="4038558307"/>
+      </p:ext>
+    </p:extLst>
+  </p:cSld>
+  <p:clrMapOvr>
+    <a:masterClrMapping/>
+  </p:clrMapOvr>
+</p:sld>
+</file>
+
+<file path=ppt/slides/slide20.xml><?xml version="1.0" encoding="utf-8"?>
+<p:sld xmlns:a="http://schemas.openxmlformats.org/drawingml/2006/main" xmlns:r="http://schemas.openxmlformats.org/officeDocument/2006/relationships" xmlns:p="http://schemas.openxmlformats.org/presentationml/2006/main">
+  <p:cSld>
+    <p:bg>
+      <p:bgPr>
+        <a:blipFill>
+          <a:blip r:embed="rId3"/>
+          <a:tile tx="0" ty="0" sx="100000" sy="100000" flip="none" algn="tl"/>
+        </a:blipFill>
+        <a:effectLst/>
+      </p:bgPr>
+    </p:bg>
+    <p:spTree>
+      <p:nvGrpSpPr>
+        <p:cNvPr id="1" name=""/>
+        <p:cNvGrpSpPr/>
+        <p:nvPr/>
+      </p:nvGrpSpPr>
+      <p:grpSpPr>
+        <a:xfrm>
+          <a:off x="0" y="0"/>
+          <a:ext cx="0" cy="0"/>
+          <a:chOff x="0" y="0"/>
+          <a:chExt cx="0" cy="0"/>
+        </a:xfrm>
+      </p:grpSpPr>
+      <p:sp>
+        <p:nvSpPr>
+          <p:cNvPr id="2" name="文本框 1">
+            <a:extLst>
+              <a:ext uri="{FF2B5EF4-FFF2-40B4-BE49-F238E27FC236}">
+                <a16:creationId xmlns:a16="http://schemas.microsoft.com/office/drawing/2014/main" id="{12AA8BCC-7B15-4842-80C2-48C079429338}"/>
+              </a:ext>
+            </a:extLst>
+          </p:cNvPr>
+          <p:cNvSpPr txBox="1"/>
+          <p:nvPr/>
+        </p:nvSpPr>
+        <p:spPr>
+          <a:xfrm>
+            <a:off x="2520000" y="720000"/>
+            <a:ext cx="7735824" cy="830997"/>
+          </a:xfrm>
+          <a:prstGeom prst="rect">
+            <a:avLst/>
+          </a:prstGeom>
+          <a:noFill/>
+        </p:spPr>
+        <p:txBody>
+          <a:bodyPr wrap="square" rtlCol="0">
+            <a:spAutoFit/>
+          </a:bodyPr>
+          <a:lstStyle/>
+          <a:p>
+            <a:pPr algn="ctr"/>
+            <a:r>
+              <a:rPr kumimoji="1" lang="en-US" altLang="zh-CN" sz="4800" dirty="0">
+                <a:latin typeface="Microsoft YaHei" panose="020B0503020204020204" pitchFamily="34" charset="-122"/>
+                <a:ea typeface="Microsoft YaHei" panose="020B0503020204020204" pitchFamily="34" charset="-122"/>
+              </a:rPr>
+              <a:t>2.</a:t>
+            </a:r>
+            <a:r>
+              <a:rPr kumimoji="1" lang="zh-CN" altLang="en-US" sz="4800" dirty="0">
+                <a:latin typeface="Microsoft YaHei" panose="020B0503020204020204" pitchFamily="34" charset="-122"/>
+                <a:ea typeface="Microsoft YaHei" panose="020B0503020204020204" pitchFamily="34" charset="-122"/>
+              </a:rPr>
+              <a:t> </a:t>
+            </a:r>
+            <a:r>
+              <a:rPr kumimoji="1" lang="en-US" altLang="zh-CN" sz="4800" dirty="0">
+                <a:latin typeface="Microsoft YaHei" panose="020B0503020204020204" pitchFamily="34" charset="-122"/>
+                <a:ea typeface="Microsoft YaHei" panose="020B0503020204020204" pitchFamily="34" charset="-122"/>
+              </a:rPr>
+              <a:t>ASCII</a:t>
+            </a:r>
+            <a:r>
+              <a:rPr kumimoji="1" lang="zh-CN" altLang="en-US" sz="4800" dirty="0">
+                <a:latin typeface="Microsoft YaHei" panose="020B0503020204020204" pitchFamily="34" charset="-122"/>
+                <a:ea typeface="Microsoft YaHei" panose="020B0503020204020204" pitchFamily="34" charset="-122"/>
+              </a:rPr>
+              <a:t> 和</a:t>
+            </a:r>
+            <a:r>
+              <a:rPr kumimoji="1" lang="en-US" altLang="zh-CN" sz="4800" dirty="0">
+                <a:latin typeface="Microsoft YaHei" panose="020B0503020204020204" pitchFamily="34" charset="-122"/>
+                <a:ea typeface="Microsoft YaHei" panose="020B0503020204020204" pitchFamily="34" charset="-122"/>
+              </a:rPr>
+              <a:t>Unicode</a:t>
+            </a:r>
+            <a:endParaRPr kumimoji="1" lang="zh-CN" altLang="en-US" sz="4800" dirty="0">
+              <a:latin typeface="Microsoft YaHei" panose="020B0503020204020204" pitchFamily="34" charset="-122"/>
+              <a:ea typeface="Microsoft YaHei" panose="020B0503020204020204" pitchFamily="34" charset="-122"/>
+            </a:endParaRPr>
+          </a:p>
+        </p:txBody>
+      </p:sp>
+      <p:sp>
+        <p:nvSpPr>
+          <p:cNvPr id="4" name="文本框 3">
+            <a:extLst>
+              <a:ext uri="{FF2B5EF4-FFF2-40B4-BE49-F238E27FC236}">
+                <a16:creationId xmlns:a16="http://schemas.microsoft.com/office/drawing/2014/main" id="{7E45E982-CF6C-734E-9350-731B38FF0ED0}"/>
+              </a:ext>
+            </a:extLst>
+          </p:cNvPr>
+          <p:cNvSpPr txBox="1"/>
+          <p:nvPr/>
+        </p:nvSpPr>
+        <p:spPr>
+          <a:xfrm>
+            <a:off x="2020186" y="2275367"/>
+            <a:ext cx="9144000" cy="3539430"/>
+          </a:xfrm>
+          <a:prstGeom prst="rect">
+            <a:avLst/>
+          </a:prstGeom>
+          <a:noFill/>
+        </p:spPr>
+        <p:txBody>
+          <a:bodyPr wrap="square" rtlCol="0">
+            <a:spAutoFit/>
+          </a:bodyPr>
+          <a:lstStyle/>
+          <a:p>
+            <a:pPr marL="457200" indent="-457200">
+              <a:buFont typeface="Arial" panose="020B0604020202020204" pitchFamily="34" charset="0"/>
+              <a:buChar char="•"/>
+            </a:pPr>
+            <a:r>
+              <a:rPr kumimoji="1" lang="en-US" altLang="zh-CN" sz="3200" dirty="0"/>
+              <a:t>ASCII</a:t>
+            </a:r>
+            <a:r>
+              <a:rPr kumimoji="1" lang="zh-CN" altLang="en-US" sz="3200" dirty="0"/>
+              <a:t> </a:t>
+            </a:r>
+            <a:r>
+              <a:rPr kumimoji="1" lang="en-US" altLang="zh-CN" sz="3200" dirty="0"/>
+              <a:t>:</a:t>
+            </a:r>
+            <a:r>
+              <a:rPr kumimoji="1" lang="zh-CN" altLang="en-US" sz="3200" dirty="0"/>
+              <a:t> </a:t>
+            </a:r>
+            <a:r>
+              <a:rPr kumimoji="1" lang="en-US" altLang="zh-CN" sz="3200" dirty="0"/>
+              <a:t>8</a:t>
+            </a:r>
+            <a:r>
+              <a:rPr kumimoji="1" lang="zh-CN" altLang="en-US" sz="3200" dirty="0"/>
+              <a:t>位编码 。 因为它表示字符有限，所以有了下面的</a:t>
+            </a:r>
+            <a:r>
+              <a:rPr kumimoji="1" lang="en-US" altLang="zh-CN" sz="3200" dirty="0"/>
+              <a:t>Unicode</a:t>
+            </a:r>
+            <a:r>
+              <a:rPr kumimoji="1" lang="zh-CN" altLang="en-US" sz="3200" dirty="0"/>
+              <a:t>。</a:t>
+            </a:r>
+            <a:endParaRPr kumimoji="1" lang="en-US" altLang="zh-CN" sz="3200" dirty="0"/>
+          </a:p>
+          <a:p>
+            <a:pPr marL="457200" indent="-457200">
+              <a:buFont typeface="Arial" panose="020B0604020202020204" pitchFamily="34" charset="0"/>
+              <a:buChar char="•"/>
+            </a:pPr>
+            <a:r>
+              <a:rPr kumimoji="1" lang="en-US" altLang="zh-CN" sz="3200" dirty="0"/>
+              <a:t>Unicode:</a:t>
+            </a:r>
+            <a:r>
+              <a:rPr kumimoji="1" lang="zh-CN" altLang="en-US" sz="3200" dirty="0"/>
+              <a:t> 用</a:t>
+            </a:r>
+            <a:r>
+              <a:rPr kumimoji="1" lang="en-US" altLang="zh-CN" sz="3200" dirty="0"/>
+              <a:t>1-4</a:t>
+            </a:r>
+            <a:r>
+              <a:rPr kumimoji="1" lang="zh-CN" altLang="en-US" sz="3200" dirty="0"/>
+              <a:t>个字节</a:t>
+            </a:r>
+            <a:r>
+              <a:rPr kumimoji="1" lang="en-US" altLang="zh-CN" sz="3200" dirty="0"/>
+              <a:t>(8-32</a:t>
+            </a:r>
+            <a:r>
+              <a:rPr kumimoji="1" lang="zh-CN" altLang="en-US" sz="3200" dirty="0"/>
+              <a:t>位编码</a:t>
+            </a:r>
+            <a:r>
+              <a:rPr kumimoji="1" lang="en-US" altLang="zh-CN" sz="3200" dirty="0"/>
+              <a:t>)</a:t>
+            </a:r>
+            <a:r>
+              <a:rPr kumimoji="1" lang="zh-CN" altLang="en-US" sz="3200" dirty="0"/>
+              <a:t>，能表示所有语言的符号。其中有</a:t>
+            </a:r>
+            <a:r>
+              <a:rPr kumimoji="1" lang="en-US" altLang="zh-CN" sz="3200" dirty="0"/>
+              <a:t>UTF-8</a:t>
+            </a:r>
+            <a:r>
+              <a:rPr kumimoji="1" lang="zh-CN" altLang="en-US" sz="3200" dirty="0"/>
+              <a:t>，</a:t>
+            </a:r>
+            <a:r>
+              <a:rPr kumimoji="1" lang="en-US" altLang="zh-CN" sz="3200" dirty="0"/>
+              <a:t>UTF-16,UTF-32</a:t>
+            </a:r>
+            <a:r>
+              <a:rPr kumimoji="1" lang="zh-CN" altLang="en-US" sz="3200" dirty="0"/>
+              <a:t>等标准。</a:t>
+            </a:r>
+            <a:r>
+              <a:rPr kumimoji="1" lang="en-US" altLang="zh-CN" sz="3200" dirty="0"/>
+              <a:t>UTF-8</a:t>
+            </a:r>
+            <a:r>
+              <a:rPr kumimoji="1" lang="zh-CN" altLang="en-US" sz="3200" dirty="0"/>
+              <a:t>是常用的编码方式，是种压缩的编码，毕竟每个字符是不需要</a:t>
+            </a:r>
+            <a:r>
+              <a:rPr kumimoji="1" lang="en-US" altLang="zh-CN" sz="3200" dirty="0"/>
+              <a:t>32</a:t>
+            </a:r>
+            <a:r>
+              <a:rPr kumimoji="1" lang="zh-CN" altLang="en-US" sz="3200" dirty="0"/>
+              <a:t>位来浪费存储的。</a:t>
+            </a:r>
+          </a:p>
+        </p:txBody>
+      </p:sp>
+    </p:spTree>
+    <p:extLst>
+      <p:ext uri="{BB962C8B-B14F-4D97-AF65-F5344CB8AC3E}">
+        <p14:creationId xmlns:p14="http://schemas.microsoft.com/office/powerpoint/2010/main" val="3634669245"/>
+      </p:ext>
+    </p:extLst>
+  </p:cSld>
+  <p:clrMapOvr>
+    <a:masterClrMapping/>
+  </p:clrMapOvr>
+</p:sld>
+</file>
+
+<file path=ppt/slides/slide21.xml><?xml version="1.0" encoding="utf-8"?>
+<p:sld xmlns:a="http://schemas.openxmlformats.org/drawingml/2006/main" xmlns:r="http://schemas.openxmlformats.org/officeDocument/2006/relationships" xmlns:p="http://schemas.openxmlformats.org/presentationml/2006/main">
+  <p:cSld>
+    <p:bg>
+      <p:bgPr>
+        <a:blipFill>
+          <a:blip r:embed="rId3"/>
+          <a:tile tx="0" ty="0" sx="100000" sy="100000" flip="none" algn="tl"/>
+        </a:blipFill>
+        <a:effectLst/>
+      </p:bgPr>
+    </p:bg>
+    <p:spTree>
+      <p:nvGrpSpPr>
+        <p:cNvPr id="1" name=""/>
+        <p:cNvGrpSpPr/>
+        <p:nvPr/>
+      </p:nvGrpSpPr>
+      <p:grpSpPr>
+        <a:xfrm>
+          <a:off x="0" y="0"/>
+          <a:ext cx="0" cy="0"/>
+          <a:chOff x="0" y="0"/>
+          <a:chExt cx="0" cy="0"/>
+        </a:xfrm>
+      </p:grpSpPr>
+      <p:sp>
+        <p:nvSpPr>
+          <p:cNvPr id="2" name="文本框 1">
+            <a:extLst>
+              <a:ext uri="{FF2B5EF4-FFF2-40B4-BE49-F238E27FC236}">
+                <a16:creationId xmlns:a16="http://schemas.microsoft.com/office/drawing/2014/main" id="{12AA8BCC-7B15-4842-80C2-48C079429338}"/>
+              </a:ext>
+            </a:extLst>
+          </p:cNvPr>
+          <p:cNvSpPr txBox="1"/>
+          <p:nvPr/>
+        </p:nvSpPr>
+        <p:spPr>
+          <a:xfrm>
+            <a:off x="2520000" y="720000"/>
+            <a:ext cx="7735824" cy="830997"/>
+          </a:xfrm>
+          <a:prstGeom prst="rect">
+            <a:avLst/>
+          </a:prstGeom>
+          <a:noFill/>
+        </p:spPr>
+        <p:txBody>
+          <a:bodyPr wrap="square" rtlCol="0">
+            <a:spAutoFit/>
+          </a:bodyPr>
+          <a:lstStyle/>
+          <a:p>
+            <a:pPr algn="ctr"/>
+            <a:r>
+              <a:rPr kumimoji="1" lang="en-US" altLang="zh-CN" sz="4800" dirty="0">
+                <a:latin typeface="Microsoft YaHei" panose="020B0503020204020204" pitchFamily="34" charset="-122"/>
+                <a:ea typeface="Microsoft YaHei" panose="020B0503020204020204" pitchFamily="34" charset="-122"/>
+              </a:rPr>
+              <a:t>3.</a:t>
+            </a:r>
+            <a:r>
+              <a:rPr kumimoji="1" lang="zh-CN" altLang="en-US" sz="4800" dirty="0">
+                <a:latin typeface="Microsoft YaHei" panose="020B0503020204020204" pitchFamily="34" charset="-122"/>
+                <a:ea typeface="Microsoft YaHei" panose="020B0503020204020204" pitchFamily="34" charset="-122"/>
+              </a:rPr>
+              <a:t>特殊字符和转义字符</a:t>
+            </a:r>
+          </a:p>
+        </p:txBody>
+      </p:sp>
+      <p:sp>
+        <p:nvSpPr>
+          <p:cNvPr id="4" name="文本框 3">
+            <a:extLst>
+              <a:ext uri="{FF2B5EF4-FFF2-40B4-BE49-F238E27FC236}">
+                <a16:creationId xmlns:a16="http://schemas.microsoft.com/office/drawing/2014/main" id="{7E45E982-CF6C-734E-9350-731B38FF0ED0}"/>
+              </a:ext>
+            </a:extLst>
+          </p:cNvPr>
+          <p:cNvSpPr txBox="1"/>
+          <p:nvPr/>
+        </p:nvSpPr>
+        <p:spPr>
+          <a:xfrm>
+            <a:off x="877907" y="4856861"/>
+            <a:ext cx="10419907" cy="954107"/>
+          </a:xfrm>
+          <a:prstGeom prst="rect">
+            <a:avLst/>
+          </a:prstGeom>
+          <a:noFill/>
+        </p:spPr>
+        <p:txBody>
+          <a:bodyPr wrap="square" rtlCol="0">
+            <a:spAutoFit/>
+          </a:bodyPr>
+          <a:lstStyle/>
+          <a:p>
+            <a:r>
+              <a:rPr kumimoji="1" lang="en-US" altLang="zh-CN" sz="2800" dirty="0" err="1"/>
+              <a:t>System.out.println</a:t>
+            </a:r>
+            <a:r>
+              <a:rPr kumimoji="1" lang="en-US" altLang="zh-CN" sz="2800" dirty="0"/>
+              <a:t>(“</a:t>
+            </a:r>
+            <a:r>
+              <a:rPr kumimoji="1" lang="zh-CN" altLang="en-US" sz="2800" dirty="0"/>
+              <a:t> 妈妈说 </a:t>
+            </a:r>
+            <a:r>
+              <a:rPr kumimoji="1" lang="en-US" altLang="zh-CN" sz="2800" dirty="0"/>
+              <a:t>:</a:t>
+            </a:r>
+            <a:r>
+              <a:rPr kumimoji="1" lang="zh-CN" altLang="en-US" sz="2800" dirty="0"/>
+              <a:t> </a:t>
+            </a:r>
+            <a:r>
+              <a:rPr kumimoji="1" lang="en-US" altLang="zh-CN" sz="2800" dirty="0"/>
+              <a:t>\</a:t>
+            </a:r>
+            <a:r>
+              <a:rPr kumimoji="1" lang="zh-CN" altLang="en-US" sz="2800" dirty="0"/>
+              <a:t>”天气冷了，你该穿秋裤了“</a:t>
+            </a:r>
+            <a:r>
+              <a:rPr kumimoji="1" lang="en-US" altLang="zh-CN" sz="2800" dirty="0"/>
+              <a:t>\</a:t>
+            </a:r>
+            <a:r>
+              <a:rPr kumimoji="1" lang="zh-CN" altLang="en-US" sz="2800" dirty="0"/>
+              <a:t>，你听到后</a:t>
+            </a:r>
+            <a:r>
+              <a:rPr kumimoji="1" lang="en-US" altLang="zh-CN" sz="2800" dirty="0"/>
+              <a:t>….</a:t>
+            </a:r>
+            <a:r>
+              <a:rPr kumimoji="1" lang="zh-CN" altLang="en-US" sz="2800" dirty="0"/>
+              <a:t> </a:t>
+            </a:r>
+            <a:r>
+              <a:rPr kumimoji="1" lang="en-US" altLang="zh-CN" sz="2800" dirty="0"/>
+              <a:t>”)</a:t>
+            </a:r>
+            <a:endParaRPr kumimoji="1" lang="zh-CN" altLang="en-US" sz="2800" dirty="0"/>
+          </a:p>
+        </p:txBody>
+      </p:sp>
+      <p:sp>
+        <p:nvSpPr>
+          <p:cNvPr id="5" name="文本框 4">
+            <a:extLst>
+              <a:ext uri="{FF2B5EF4-FFF2-40B4-BE49-F238E27FC236}">
+                <a16:creationId xmlns:a16="http://schemas.microsoft.com/office/drawing/2014/main" id="{BDDFC8EF-233D-6844-BAEC-86A2AA36D545}"/>
+              </a:ext>
+            </a:extLst>
+          </p:cNvPr>
+          <p:cNvSpPr txBox="1"/>
+          <p:nvPr/>
+        </p:nvSpPr>
+        <p:spPr>
+          <a:xfrm>
+            <a:off x="935664" y="2295988"/>
+            <a:ext cx="9937898" cy="1815882"/>
+          </a:xfrm>
+          <a:prstGeom prst="rect">
+            <a:avLst/>
+          </a:prstGeom>
+          <a:noFill/>
+        </p:spPr>
+        <p:txBody>
+          <a:bodyPr wrap="square" rtlCol="0">
+            <a:spAutoFit/>
+          </a:bodyPr>
+          <a:lstStyle/>
+          <a:p>
+            <a:r>
+              <a:rPr kumimoji="1" lang="zh-CN" altLang="en-US" sz="2800" dirty="0"/>
+              <a:t>转义字符的作用：</a:t>
+            </a:r>
+            <a:endParaRPr kumimoji="1" lang="en-US" altLang="zh-CN" sz="2800" dirty="0"/>
+          </a:p>
+          <a:p>
+            <a:pPr marL="514350" indent="-514350">
+              <a:buFont typeface="+mj-lt"/>
+              <a:buAutoNum type="arabicPeriod"/>
+            </a:pPr>
+            <a:r>
+              <a:rPr kumimoji="1" lang="zh-CN" altLang="en-US" sz="2800" dirty="0"/>
+              <a:t>为了让字符串内容中出现的某些符号</a:t>
+            </a:r>
+            <a:r>
+              <a:rPr kumimoji="1" lang="en-US" altLang="zh-CN" sz="2800" dirty="0"/>
+              <a:t>(</a:t>
+            </a:r>
+            <a:r>
+              <a:rPr kumimoji="1" lang="zh-CN" altLang="en-US" sz="2800" dirty="0"/>
+              <a:t>已被字符串指定为特殊用途</a:t>
+            </a:r>
+            <a:r>
+              <a:rPr kumimoji="1" lang="en-US" altLang="zh-CN" sz="2800" dirty="0"/>
+              <a:t>)</a:t>
+            </a:r>
+            <a:r>
+              <a:rPr kumimoji="1" lang="zh-CN" altLang="en-US" sz="2800" dirty="0"/>
+              <a:t>，按照其本身意义输出，比如 双引号“</a:t>
+            </a:r>
+            <a:endParaRPr kumimoji="1" lang="en-US" altLang="zh-CN" sz="2800" dirty="0"/>
+          </a:p>
+          <a:p>
+            <a:pPr marL="514350" indent="-514350">
+              <a:buFont typeface="+mj-lt"/>
+              <a:buAutoNum type="arabicPeriod"/>
+            </a:pPr>
+            <a:r>
+              <a:rPr kumimoji="1" lang="zh-CN" altLang="en-US" sz="2800" dirty="0"/>
+              <a:t>为了输出 通过键盘上难以打出的字符 ，比如换行</a:t>
+            </a:r>
+            <a:r>
+              <a:rPr kumimoji="1" lang="en-US" altLang="zh-CN" sz="2800" dirty="0"/>
+              <a:t>:\n</a:t>
+            </a:r>
+            <a:endParaRPr kumimoji="1" lang="zh-CN" altLang="en-US" sz="2800" dirty="0"/>
+          </a:p>
+        </p:txBody>
+      </p:sp>
+    </p:spTree>
+    <p:extLst>
+      <p:ext uri="{BB962C8B-B14F-4D97-AF65-F5344CB8AC3E}">
+        <p14:creationId xmlns:p14="http://schemas.microsoft.com/office/powerpoint/2010/main" val="1711521261"/>
+      </p:ext>
+    </p:extLst>
+  </p:cSld>
+  <p:clrMapOvr>
+    <a:masterClrMapping/>
+  </p:clrMapOvr>
+</p:sld>
+</file>
+
+<file path=ppt/slides/slide22.xml><?xml version="1.0" encoding="utf-8"?>
+<p:sld xmlns:a="http://schemas.openxmlformats.org/drawingml/2006/main" xmlns:r="http://schemas.openxmlformats.org/officeDocument/2006/relationships" xmlns:p="http://schemas.openxmlformats.org/presentationml/2006/main">
+  <p:cSld>
+    <p:bg>
+      <p:bgPr>
+        <a:blipFill>
+          <a:blip r:embed="rId3"/>
+          <a:tile tx="0" ty="0" sx="100000" sy="100000" flip="none" algn="tl"/>
+        </a:blipFill>
+        <a:effectLst/>
+      </p:bgPr>
+    </p:bg>
+    <p:spTree>
+      <p:nvGrpSpPr>
+        <p:cNvPr id="1" name=""/>
+        <p:cNvGrpSpPr/>
+        <p:nvPr/>
+      </p:nvGrpSpPr>
+      <p:grpSpPr>
+        <a:xfrm>
+          <a:off x="0" y="0"/>
+          <a:ext cx="0" cy="0"/>
+          <a:chOff x="0" y="0"/>
+          <a:chExt cx="0" cy="0"/>
+        </a:xfrm>
+      </p:grpSpPr>
+      <p:sp>
+        <p:nvSpPr>
+          <p:cNvPr id="2" name="文本框 1">
+            <a:extLst>
+              <a:ext uri="{FF2B5EF4-FFF2-40B4-BE49-F238E27FC236}">
+                <a16:creationId xmlns:a16="http://schemas.microsoft.com/office/drawing/2014/main" id="{12AA8BCC-7B15-4842-80C2-48C079429338}"/>
+              </a:ext>
+            </a:extLst>
+          </p:cNvPr>
+          <p:cNvSpPr txBox="1"/>
+          <p:nvPr/>
+        </p:nvSpPr>
+        <p:spPr>
+          <a:xfrm>
+            <a:off x="2520000" y="720000"/>
+            <a:ext cx="7735824" cy="830997"/>
+          </a:xfrm>
+          <a:prstGeom prst="rect">
+            <a:avLst/>
+          </a:prstGeom>
+          <a:noFill/>
+        </p:spPr>
+        <p:txBody>
+          <a:bodyPr wrap="square" rtlCol="0">
+            <a:spAutoFit/>
+          </a:bodyPr>
+          <a:lstStyle/>
+          <a:p>
+            <a:pPr algn="ctr"/>
+            <a:r>
+              <a:rPr kumimoji="1" lang="en-US" altLang="zh-CN" sz="4800" dirty="0">
+                <a:latin typeface="Microsoft YaHei" panose="020B0503020204020204" pitchFamily="34" charset="-122"/>
+                <a:ea typeface="Microsoft YaHei" panose="020B0503020204020204" pitchFamily="34" charset="-122"/>
+              </a:rPr>
+              <a:t>3.</a:t>
+            </a:r>
+            <a:r>
+              <a:rPr kumimoji="1" lang="zh-CN" altLang="en-US" sz="4800" dirty="0">
+                <a:latin typeface="Microsoft YaHei" panose="020B0503020204020204" pitchFamily="34" charset="-122"/>
+                <a:ea typeface="Microsoft YaHei" panose="020B0503020204020204" pitchFamily="34" charset="-122"/>
+              </a:rPr>
+              <a:t>常用转义字符</a:t>
+            </a:r>
+          </a:p>
+        </p:txBody>
+      </p:sp>
+      <p:pic>
+        <p:nvPicPr>
+          <p:cNvPr id="3" name="图片 2">
+            <a:extLst>
+              <a:ext uri="{FF2B5EF4-FFF2-40B4-BE49-F238E27FC236}">
+                <a16:creationId xmlns:a16="http://schemas.microsoft.com/office/drawing/2014/main" id="{C82D2F49-1269-094F-A233-9AADC5A26F6C}"/>
+              </a:ext>
+            </a:extLst>
+          </p:cNvPr>
+          <p:cNvPicPr>
+            <a:picLocks noChangeAspect="1"/>
+          </p:cNvPicPr>
+          <p:nvPr/>
+        </p:nvPicPr>
+        <p:blipFill>
+          <a:blip r:embed="rId4"/>
+          <a:stretch>
+            <a:fillRect/>
+          </a:stretch>
+        </p:blipFill>
+        <p:spPr>
+          <a:xfrm>
+            <a:off x="523481" y="2207584"/>
+            <a:ext cx="11145037" cy="3470201"/>
+          </a:xfrm>
+          <a:prstGeom prst="rect">
+            <a:avLst/>
+          </a:prstGeom>
+        </p:spPr>
+      </p:pic>
+    </p:spTree>
+    <p:extLst>
+      <p:ext uri="{BB962C8B-B14F-4D97-AF65-F5344CB8AC3E}">
+        <p14:creationId xmlns:p14="http://schemas.microsoft.com/office/powerpoint/2010/main" val="3639934790"/>
+      </p:ext>
+    </p:extLst>
+  </p:cSld>
+  <p:clrMapOvr>
+    <a:masterClrMapping/>
+  </p:clrMapOvr>
+</p:sld>
+</file>
+
+<file path=ppt/slides/slide23.xml><?xml version="1.0" encoding="utf-8"?>
+<p:sld xmlns:a="http://schemas.openxmlformats.org/drawingml/2006/main" xmlns:r="http://schemas.openxmlformats.org/officeDocument/2006/relationships" xmlns:p="http://schemas.openxmlformats.org/presentationml/2006/main">
+  <p:cSld>
+    <p:bg>
+      <p:bgPr>
+        <a:blipFill>
+          <a:blip r:embed="rId3"/>
+          <a:tile tx="0" ty="0" sx="100000" sy="100000" flip="none" algn="tl"/>
+        </a:blipFill>
+        <a:effectLst/>
+      </p:bgPr>
+    </p:bg>
+    <p:spTree>
+      <p:nvGrpSpPr>
+        <p:cNvPr id="1" name=""/>
+        <p:cNvGrpSpPr/>
+        <p:nvPr/>
+      </p:nvGrpSpPr>
+      <p:grpSpPr>
+        <a:xfrm>
+          <a:off x="0" y="0"/>
+          <a:ext cx="0" cy="0"/>
+          <a:chOff x="0" y="0"/>
+          <a:chExt cx="0" cy="0"/>
+        </a:xfrm>
+      </p:grpSpPr>
+      <p:sp>
+        <p:nvSpPr>
+          <p:cNvPr id="2" name="文本框 1">
+            <a:extLst>
+              <a:ext uri="{FF2B5EF4-FFF2-40B4-BE49-F238E27FC236}">
+                <a16:creationId xmlns:a16="http://schemas.microsoft.com/office/drawing/2014/main" id="{12AA8BCC-7B15-4842-80C2-48C079429338}"/>
+              </a:ext>
+            </a:extLst>
+          </p:cNvPr>
+          <p:cNvSpPr txBox="1"/>
+          <p:nvPr/>
+        </p:nvSpPr>
+        <p:spPr>
+          <a:xfrm>
+            <a:off x="2520000" y="720000"/>
+            <a:ext cx="7735824" cy="830997"/>
+          </a:xfrm>
+          <a:prstGeom prst="rect">
+            <a:avLst/>
+          </a:prstGeom>
+          <a:noFill/>
+        </p:spPr>
+        <p:txBody>
+          <a:bodyPr wrap="square" rtlCol="0">
+            <a:spAutoFit/>
+          </a:bodyPr>
+          <a:lstStyle/>
+          <a:p>
+            <a:pPr algn="ctr"/>
+            <a:r>
+              <a:rPr kumimoji="1" lang="en-US" altLang="zh-CN" sz="4800" dirty="0">
+                <a:latin typeface="Microsoft YaHei" panose="020B0503020204020204" pitchFamily="34" charset="-122"/>
+                <a:ea typeface="Microsoft YaHei" panose="020B0503020204020204" pitchFamily="34" charset="-122"/>
+              </a:rPr>
+              <a:t>3.</a:t>
+            </a:r>
+            <a:r>
+              <a:rPr kumimoji="1" lang="zh-CN" altLang="en-US" sz="4800" dirty="0">
+                <a:latin typeface="Microsoft YaHei" panose="020B0503020204020204" pitchFamily="34" charset="-122"/>
+                <a:ea typeface="Microsoft YaHei" panose="020B0503020204020204" pitchFamily="34" charset="-122"/>
+              </a:rPr>
+              <a:t>字符类</a:t>
+            </a:r>
+            <a:r>
+              <a:rPr kumimoji="1" lang="en-US" altLang="zh-CN" sz="4800" dirty="0">
+                <a:latin typeface="Microsoft YaHei" panose="020B0503020204020204" pitchFamily="34" charset="-122"/>
+                <a:ea typeface="Microsoft YaHei" panose="020B0503020204020204" pitchFamily="34" charset="-122"/>
+              </a:rPr>
+              <a:t>---character</a:t>
+            </a:r>
+            <a:endParaRPr kumimoji="1" lang="zh-CN" altLang="en-US" sz="4800" dirty="0">
+              <a:latin typeface="Microsoft YaHei" panose="020B0503020204020204" pitchFamily="34" charset="-122"/>
+              <a:ea typeface="Microsoft YaHei" panose="020B0503020204020204" pitchFamily="34" charset="-122"/>
+            </a:endParaRPr>
+          </a:p>
+        </p:txBody>
+      </p:sp>
+      <p:sp>
+        <p:nvSpPr>
+          <p:cNvPr id="5" name="文本框 4">
+            <a:extLst>
+              <a:ext uri="{FF2B5EF4-FFF2-40B4-BE49-F238E27FC236}">
+                <a16:creationId xmlns:a16="http://schemas.microsoft.com/office/drawing/2014/main" id="{BDDFC8EF-233D-6844-BAEC-86A2AA36D545}"/>
+              </a:ext>
+            </a:extLst>
+          </p:cNvPr>
+          <p:cNvSpPr txBox="1"/>
+          <p:nvPr/>
+        </p:nvSpPr>
+        <p:spPr>
+          <a:xfrm>
+            <a:off x="935664" y="2295988"/>
+            <a:ext cx="9937898" cy="523220"/>
+          </a:xfrm>
+          <a:prstGeom prst="rect">
+            <a:avLst/>
+          </a:prstGeom>
+          <a:noFill/>
+        </p:spPr>
+        <p:txBody>
+          <a:bodyPr wrap="square" rtlCol="0">
+            <a:spAutoFit/>
+          </a:bodyPr>
+          <a:lstStyle/>
+          <a:p>
+            <a:r>
+              <a:rPr lang="en-US" altLang="zh-CN" sz="2800" dirty="0"/>
+              <a:t>Java </a:t>
+            </a:r>
+            <a:r>
+              <a:rPr lang="zh-CN" altLang="en-US" sz="2800" dirty="0"/>
+              <a:t>的 </a:t>
+            </a:r>
+            <a:r>
+              <a:rPr lang="en-US" altLang="zh-CN" sz="2800" dirty="0"/>
+              <a:t>Character </a:t>
+            </a:r>
+            <a:r>
+              <a:rPr lang="zh-CN" altLang="en-US" sz="2800" dirty="0"/>
+              <a:t>类提供了下列方法用于进行字符处理</a:t>
+            </a:r>
+            <a:endParaRPr lang="en-US" altLang="zh-CN" sz="2800" dirty="0"/>
+          </a:p>
+        </p:txBody>
+      </p:sp>
+      <p:pic>
+        <p:nvPicPr>
+          <p:cNvPr id="6" name="图片 5">
+            <a:extLst>
+              <a:ext uri="{FF2B5EF4-FFF2-40B4-BE49-F238E27FC236}">
+                <a16:creationId xmlns:a16="http://schemas.microsoft.com/office/drawing/2014/main" id="{909F9A0F-7AF4-3E44-A204-D8DCFE21581E}"/>
+              </a:ext>
+            </a:extLst>
+          </p:cNvPr>
+          <p:cNvPicPr>
+            <a:picLocks noChangeAspect="1"/>
+          </p:cNvPicPr>
+          <p:nvPr/>
+        </p:nvPicPr>
+        <p:blipFill>
+          <a:blip r:embed="rId4"/>
+          <a:stretch>
+            <a:fillRect/>
+          </a:stretch>
+        </p:blipFill>
+        <p:spPr>
+          <a:xfrm>
+            <a:off x="935664" y="3104707"/>
+            <a:ext cx="10592985" cy="2817839"/>
+          </a:xfrm>
+          <a:prstGeom prst="rect">
+            <a:avLst/>
+          </a:prstGeom>
+        </p:spPr>
+      </p:pic>
+      <p:sp>
+        <p:nvSpPr>
+          <p:cNvPr id="7" name="文本框 6">
+            <a:extLst>
+              <a:ext uri="{FF2B5EF4-FFF2-40B4-BE49-F238E27FC236}">
+                <a16:creationId xmlns:a16="http://schemas.microsoft.com/office/drawing/2014/main" id="{6857331E-A777-044E-948D-BA4E25600C53}"/>
+              </a:ext>
+            </a:extLst>
+          </p:cNvPr>
+          <p:cNvSpPr txBox="1"/>
+          <p:nvPr/>
+        </p:nvSpPr>
+        <p:spPr>
+          <a:xfrm>
+            <a:off x="3296092" y="6138001"/>
+            <a:ext cx="4827181" cy="400110"/>
+          </a:xfrm>
+          <a:prstGeom prst="rect">
+            <a:avLst/>
+          </a:prstGeom>
+          <a:solidFill>
+            <a:schemeClr val="accent2"/>
+          </a:solidFill>
+        </p:spPr>
+        <p:txBody>
+          <a:bodyPr wrap="square" rtlCol="0">
+            <a:spAutoFit/>
+          </a:bodyPr>
+          <a:lstStyle/>
+          <a:p>
+            <a:r>
+              <a:rPr kumimoji="1" lang="zh-CN" altLang="en-US" sz="2000" dirty="0">
+                <a:solidFill>
+                  <a:schemeClr val="bg1"/>
+                </a:solidFill>
+              </a:rPr>
+              <a:t>上代码： </a:t>
+            </a:r>
+            <a:r>
+              <a:rPr kumimoji="1" lang="en-US" altLang="zh-CN" sz="2000" dirty="0">
+                <a:solidFill>
+                  <a:schemeClr val="bg1"/>
+                </a:solidFill>
+              </a:rPr>
+              <a:t>talk</a:t>
+            </a:r>
+            <a:r>
+              <a:rPr kumimoji="1" lang="zh-CN" altLang="en-US" sz="2000" dirty="0">
+                <a:solidFill>
+                  <a:schemeClr val="bg1"/>
+                </a:solidFill>
+              </a:rPr>
+              <a:t> </a:t>
+            </a:r>
+            <a:r>
+              <a:rPr kumimoji="1" lang="en-US" altLang="zh-CN" sz="2000" dirty="0">
+                <a:solidFill>
+                  <a:schemeClr val="bg1"/>
+                </a:solidFill>
+              </a:rPr>
+              <a:t>is</a:t>
+            </a:r>
+            <a:r>
+              <a:rPr kumimoji="1" lang="zh-CN" altLang="en-US" sz="2000" dirty="0">
+                <a:solidFill>
+                  <a:schemeClr val="bg1"/>
+                </a:solidFill>
+              </a:rPr>
+              <a:t> </a:t>
+            </a:r>
+            <a:r>
+              <a:rPr kumimoji="1" lang="en-US" altLang="zh-CN" sz="2000" dirty="0">
+                <a:solidFill>
+                  <a:schemeClr val="bg1"/>
+                </a:solidFill>
+              </a:rPr>
+              <a:t>cheap,</a:t>
+            </a:r>
+            <a:r>
+              <a:rPr kumimoji="1" lang="zh-CN" altLang="en-US" sz="2000" dirty="0">
+                <a:solidFill>
+                  <a:schemeClr val="bg1"/>
+                </a:solidFill>
+              </a:rPr>
+              <a:t> </a:t>
+            </a:r>
+            <a:r>
+              <a:rPr kumimoji="1" lang="en-US" altLang="zh-CN" sz="2000" dirty="0">
+                <a:solidFill>
+                  <a:schemeClr val="bg1"/>
+                </a:solidFill>
+              </a:rPr>
+              <a:t>show</a:t>
+            </a:r>
+            <a:r>
+              <a:rPr kumimoji="1" lang="zh-CN" altLang="en-US" sz="2000" dirty="0">
+                <a:solidFill>
+                  <a:schemeClr val="bg1"/>
+                </a:solidFill>
+              </a:rPr>
+              <a:t> </a:t>
+            </a:r>
+            <a:r>
+              <a:rPr kumimoji="1" lang="en-US" altLang="zh-CN" sz="2000" dirty="0">
+                <a:solidFill>
+                  <a:schemeClr val="bg1"/>
+                </a:solidFill>
+              </a:rPr>
+              <a:t>me</a:t>
+            </a:r>
+            <a:r>
+              <a:rPr kumimoji="1" lang="zh-CN" altLang="en-US" sz="2000" dirty="0">
+                <a:solidFill>
+                  <a:schemeClr val="bg1"/>
+                </a:solidFill>
+              </a:rPr>
+              <a:t> </a:t>
+            </a:r>
+            <a:r>
+              <a:rPr kumimoji="1" lang="en-US" altLang="zh-CN" sz="2000" dirty="0">
+                <a:solidFill>
+                  <a:schemeClr val="bg1"/>
+                </a:solidFill>
+              </a:rPr>
+              <a:t>the</a:t>
+            </a:r>
+            <a:r>
+              <a:rPr kumimoji="1" lang="zh-CN" altLang="en-US" sz="2000" dirty="0">
+                <a:solidFill>
+                  <a:schemeClr val="bg1"/>
+                </a:solidFill>
+              </a:rPr>
+              <a:t> </a:t>
+            </a:r>
+            <a:r>
+              <a:rPr kumimoji="1" lang="en-US" altLang="zh-CN" sz="2000" dirty="0">
+                <a:solidFill>
+                  <a:schemeClr val="bg1"/>
+                </a:solidFill>
+              </a:rPr>
+              <a:t>code</a:t>
+            </a:r>
+            <a:endParaRPr kumimoji="1" lang="zh-CN" altLang="en-US" sz="2000" dirty="0">
+              <a:solidFill>
+                <a:schemeClr val="bg1"/>
+              </a:solidFill>
+            </a:endParaRPr>
+          </a:p>
+        </p:txBody>
+      </p:sp>
+    </p:spTree>
+    <p:extLst>
+      <p:ext uri="{BB962C8B-B14F-4D97-AF65-F5344CB8AC3E}">
+        <p14:creationId xmlns:p14="http://schemas.microsoft.com/office/powerpoint/2010/main" val="1841721081"/>
+      </p:ext>
+    </p:extLst>
+  </p:cSld>
+  <p:clrMapOvr>
+    <a:masterClrMapping/>
+  </p:clrMapOvr>
+</p:sld>
+</file>
+
+<file path=ppt/slides/slide24.xml><?xml version="1.0" encoding="utf-8"?>
+<p:sld xmlns:a="http://schemas.openxmlformats.org/drawingml/2006/main" xmlns:r="http://schemas.openxmlformats.org/officeDocument/2006/relationships" xmlns:p="http://schemas.openxmlformats.org/presentationml/2006/main">
+  <p:cSld>
+    <p:bg>
+      <p:bgPr>
+        <a:blipFill>
+          <a:blip r:embed="rId3"/>
+          <a:tile tx="0" ty="0" sx="100000" sy="100000" flip="none" algn="tl"/>
+        </a:blipFill>
+        <a:effectLst/>
+      </p:bgPr>
+    </p:bg>
+    <p:spTree>
+      <p:nvGrpSpPr>
+        <p:cNvPr id="1" name=""/>
+        <p:cNvGrpSpPr/>
+        <p:nvPr/>
+      </p:nvGrpSpPr>
+      <p:grpSpPr>
+        <a:xfrm>
+          <a:off x="0" y="0"/>
+          <a:ext cx="0" cy="0"/>
+          <a:chOff x="0" y="0"/>
+          <a:chExt cx="0" cy="0"/>
+        </a:xfrm>
+      </p:grpSpPr>
+      <p:sp>
+        <p:nvSpPr>
+          <p:cNvPr id="2" name="文本框 1">
+            <a:extLst>
+              <a:ext uri="{FF2B5EF4-FFF2-40B4-BE49-F238E27FC236}">
+                <a16:creationId xmlns:a16="http://schemas.microsoft.com/office/drawing/2014/main" id="{12AA8BCC-7B15-4842-80C2-48C079429338}"/>
+              </a:ext>
+            </a:extLst>
+          </p:cNvPr>
+          <p:cNvSpPr txBox="1"/>
+          <p:nvPr/>
+        </p:nvSpPr>
+        <p:spPr>
+          <a:xfrm>
+            <a:off x="2520000" y="720000"/>
+            <a:ext cx="7735824" cy="830997"/>
+          </a:xfrm>
+          <a:prstGeom prst="rect">
+            <a:avLst/>
+          </a:prstGeom>
+          <a:noFill/>
+        </p:spPr>
+        <p:txBody>
+          <a:bodyPr wrap="square" rtlCol="0">
+            <a:spAutoFit/>
+          </a:bodyPr>
+          <a:lstStyle/>
+          <a:p>
+            <a:pPr algn="ctr"/>
+            <a:r>
+              <a:rPr kumimoji="1" lang="en-US" altLang="zh-CN" sz="4800" dirty="0">
+                <a:latin typeface="Microsoft YaHei" panose="020B0503020204020204" pitchFamily="34" charset="-122"/>
+                <a:ea typeface="Microsoft YaHei" panose="020B0503020204020204" pitchFamily="34" charset="-122"/>
+              </a:rPr>
+              <a:t>4.</a:t>
+            </a:r>
+            <a:r>
+              <a:rPr kumimoji="1" lang="zh-CN" altLang="en-US" sz="4800" dirty="0">
+                <a:latin typeface="Microsoft YaHei" panose="020B0503020204020204" pitchFamily="34" charset="-122"/>
+                <a:ea typeface="Microsoft YaHei" panose="020B0503020204020204" pitchFamily="34" charset="-122"/>
+              </a:rPr>
+              <a:t>字符串</a:t>
+            </a:r>
+            <a:r>
+              <a:rPr kumimoji="1" lang="en-US" altLang="zh-CN" sz="4800" dirty="0">
+                <a:latin typeface="Microsoft YaHei" panose="020B0503020204020204" pitchFamily="34" charset="-122"/>
+                <a:ea typeface="Microsoft YaHei" panose="020B0503020204020204" pitchFamily="34" charset="-122"/>
+              </a:rPr>
+              <a:t>(java</a:t>
+            </a:r>
+            <a:r>
+              <a:rPr kumimoji="1" lang="zh-CN" altLang="en-US" sz="4800" dirty="0">
+                <a:latin typeface="Microsoft YaHei" panose="020B0503020204020204" pitchFamily="34" charset="-122"/>
+                <a:ea typeface="Microsoft YaHei" panose="020B0503020204020204" pitchFamily="34" charset="-122"/>
+              </a:rPr>
+              <a:t>重要部分来了</a:t>
+            </a:r>
+            <a:r>
+              <a:rPr kumimoji="1" lang="en-US" altLang="zh-CN" sz="4800" dirty="0">
+                <a:latin typeface="Microsoft YaHei" panose="020B0503020204020204" pitchFamily="34" charset="-122"/>
+                <a:ea typeface="Microsoft YaHei" panose="020B0503020204020204" pitchFamily="34" charset="-122"/>
+              </a:rPr>
+              <a:t>)</a:t>
+            </a:r>
+            <a:endParaRPr kumimoji="1" lang="zh-CN" altLang="en-US" sz="4800" dirty="0">
+              <a:latin typeface="Microsoft YaHei" panose="020B0503020204020204" pitchFamily="34" charset="-122"/>
+              <a:ea typeface="Microsoft YaHei" panose="020B0503020204020204" pitchFamily="34" charset="-122"/>
+            </a:endParaRPr>
+          </a:p>
+        </p:txBody>
+      </p:sp>
+      <p:sp>
+        <p:nvSpPr>
+          <p:cNvPr id="5" name="文本框 4">
+            <a:extLst>
+              <a:ext uri="{FF2B5EF4-FFF2-40B4-BE49-F238E27FC236}">
+                <a16:creationId xmlns:a16="http://schemas.microsoft.com/office/drawing/2014/main" id="{BDDFC8EF-233D-6844-BAEC-86A2AA36D545}"/>
+              </a:ext>
+            </a:extLst>
+          </p:cNvPr>
+          <p:cNvSpPr txBox="1"/>
+          <p:nvPr/>
+        </p:nvSpPr>
+        <p:spPr>
+          <a:xfrm>
+            <a:off x="935664" y="2419098"/>
+            <a:ext cx="4635796" cy="954107"/>
+          </a:xfrm>
+          <a:prstGeom prst="rect">
+            <a:avLst/>
+          </a:prstGeom>
+          <a:solidFill>
+            <a:schemeClr val="accent2"/>
+          </a:solidFill>
+        </p:spPr>
+        <p:txBody>
+          <a:bodyPr wrap="square" rtlCol="0">
+            <a:spAutoFit/>
+          </a:bodyPr>
+          <a:lstStyle/>
+          <a:p>
+            <a:r>
+              <a:rPr lang="en-US" altLang="zh-CN" sz="2800" dirty="0">
+                <a:solidFill>
+                  <a:schemeClr val="bg1"/>
+                </a:solidFill>
+              </a:rPr>
+              <a:t>char</a:t>
+            </a:r>
+            <a:r>
+              <a:rPr lang="zh-CN" altLang="en-US" sz="2800" dirty="0">
+                <a:solidFill>
+                  <a:schemeClr val="bg1"/>
+                </a:solidFill>
+              </a:rPr>
+              <a:t>类型只能表示一个字符</a:t>
+            </a:r>
+            <a:endParaRPr lang="en-US" altLang="zh-CN" sz="2800" dirty="0">
+              <a:solidFill>
+                <a:schemeClr val="bg1"/>
+              </a:solidFill>
+            </a:endParaRPr>
+          </a:p>
+          <a:p>
+            <a:r>
+              <a:rPr lang="en-US" altLang="zh-CN" sz="2800" dirty="0">
+                <a:solidFill>
+                  <a:schemeClr val="bg1"/>
+                </a:solidFill>
+              </a:rPr>
+              <a:t>String</a:t>
+            </a:r>
+            <a:r>
+              <a:rPr lang="zh-CN" altLang="en-US" sz="2800" dirty="0">
+                <a:solidFill>
+                  <a:schemeClr val="bg1"/>
+                </a:solidFill>
+              </a:rPr>
+              <a:t>类型能表示一串字符</a:t>
+            </a:r>
+            <a:endParaRPr lang="en-US" altLang="zh-CN" sz="2800" dirty="0">
+              <a:solidFill>
+                <a:schemeClr val="bg1"/>
+              </a:solidFill>
+            </a:endParaRPr>
+          </a:p>
+        </p:txBody>
+      </p:sp>
+      <p:sp>
+        <p:nvSpPr>
+          <p:cNvPr id="7" name="文本框 6">
+            <a:extLst>
+              <a:ext uri="{FF2B5EF4-FFF2-40B4-BE49-F238E27FC236}">
+                <a16:creationId xmlns:a16="http://schemas.microsoft.com/office/drawing/2014/main" id="{6857331E-A777-044E-948D-BA4E25600C53}"/>
+              </a:ext>
+            </a:extLst>
+          </p:cNvPr>
+          <p:cNvSpPr txBox="1"/>
+          <p:nvPr/>
+        </p:nvSpPr>
+        <p:spPr>
+          <a:xfrm>
+            <a:off x="3491022" y="6323800"/>
+            <a:ext cx="4827181" cy="400110"/>
+          </a:xfrm>
+          <a:prstGeom prst="rect">
+            <a:avLst/>
+          </a:prstGeom>
+          <a:solidFill>
+            <a:schemeClr val="accent2"/>
+          </a:solidFill>
+        </p:spPr>
+        <p:txBody>
+          <a:bodyPr wrap="square" rtlCol="0">
+            <a:spAutoFit/>
+          </a:bodyPr>
+          <a:lstStyle/>
+          <a:p>
+            <a:r>
+              <a:rPr kumimoji="1" lang="zh-CN" altLang="en-US" sz="2000" dirty="0">
+                <a:solidFill>
+                  <a:schemeClr val="bg1"/>
+                </a:solidFill>
+              </a:rPr>
+              <a:t>上代码： </a:t>
+            </a:r>
+            <a:r>
+              <a:rPr kumimoji="1" lang="en-US" altLang="zh-CN" sz="2000" dirty="0">
+                <a:solidFill>
+                  <a:schemeClr val="bg1"/>
+                </a:solidFill>
+              </a:rPr>
+              <a:t>talk</a:t>
+            </a:r>
+            <a:r>
+              <a:rPr kumimoji="1" lang="zh-CN" altLang="en-US" sz="2000" dirty="0">
+                <a:solidFill>
+                  <a:schemeClr val="bg1"/>
+                </a:solidFill>
+              </a:rPr>
+              <a:t> </a:t>
+            </a:r>
+            <a:r>
+              <a:rPr kumimoji="1" lang="en-US" altLang="zh-CN" sz="2000" dirty="0">
+                <a:solidFill>
+                  <a:schemeClr val="bg1"/>
+                </a:solidFill>
+              </a:rPr>
+              <a:t>is</a:t>
+            </a:r>
+            <a:r>
+              <a:rPr kumimoji="1" lang="zh-CN" altLang="en-US" sz="2000" dirty="0">
+                <a:solidFill>
+                  <a:schemeClr val="bg1"/>
+                </a:solidFill>
+              </a:rPr>
+              <a:t> </a:t>
+            </a:r>
+            <a:r>
+              <a:rPr kumimoji="1" lang="en-US" altLang="zh-CN" sz="2000" dirty="0">
+                <a:solidFill>
+                  <a:schemeClr val="bg1"/>
+                </a:solidFill>
+              </a:rPr>
+              <a:t>cheap,</a:t>
+            </a:r>
+            <a:r>
+              <a:rPr kumimoji="1" lang="zh-CN" altLang="en-US" sz="2000" dirty="0">
+                <a:solidFill>
+                  <a:schemeClr val="bg1"/>
+                </a:solidFill>
+              </a:rPr>
+              <a:t> </a:t>
+            </a:r>
+            <a:r>
+              <a:rPr kumimoji="1" lang="en-US" altLang="zh-CN" sz="2000" dirty="0">
+                <a:solidFill>
+                  <a:schemeClr val="bg1"/>
+                </a:solidFill>
+              </a:rPr>
+              <a:t>show</a:t>
+            </a:r>
+            <a:r>
+              <a:rPr kumimoji="1" lang="zh-CN" altLang="en-US" sz="2000" dirty="0">
+                <a:solidFill>
+                  <a:schemeClr val="bg1"/>
+                </a:solidFill>
+              </a:rPr>
+              <a:t> </a:t>
+            </a:r>
+            <a:r>
+              <a:rPr kumimoji="1" lang="en-US" altLang="zh-CN" sz="2000" dirty="0">
+                <a:solidFill>
+                  <a:schemeClr val="bg1"/>
+                </a:solidFill>
+              </a:rPr>
+              <a:t>me</a:t>
+            </a:r>
+            <a:r>
+              <a:rPr kumimoji="1" lang="zh-CN" altLang="en-US" sz="2000" dirty="0">
+                <a:solidFill>
+                  <a:schemeClr val="bg1"/>
+                </a:solidFill>
+              </a:rPr>
+              <a:t> </a:t>
+            </a:r>
+            <a:r>
+              <a:rPr kumimoji="1" lang="en-US" altLang="zh-CN" sz="2000" dirty="0">
+                <a:solidFill>
+                  <a:schemeClr val="bg1"/>
+                </a:solidFill>
+              </a:rPr>
+              <a:t>the</a:t>
+            </a:r>
+            <a:r>
+              <a:rPr kumimoji="1" lang="zh-CN" altLang="en-US" sz="2000" dirty="0">
+                <a:solidFill>
+                  <a:schemeClr val="bg1"/>
+                </a:solidFill>
+              </a:rPr>
+              <a:t> </a:t>
+            </a:r>
+            <a:r>
+              <a:rPr kumimoji="1" lang="en-US" altLang="zh-CN" sz="2000" dirty="0">
+                <a:solidFill>
+                  <a:schemeClr val="bg1"/>
+                </a:solidFill>
+              </a:rPr>
+              <a:t>code</a:t>
+            </a:r>
+            <a:endParaRPr kumimoji="1" lang="zh-CN" altLang="en-US" sz="2000" dirty="0">
+              <a:solidFill>
+                <a:schemeClr val="bg1"/>
+              </a:solidFill>
+            </a:endParaRPr>
+          </a:p>
+        </p:txBody>
+      </p:sp>
+      <p:sp>
+        <p:nvSpPr>
+          <p:cNvPr id="3" name="文本框 2">
+            <a:extLst>
+              <a:ext uri="{FF2B5EF4-FFF2-40B4-BE49-F238E27FC236}">
+                <a16:creationId xmlns:a16="http://schemas.microsoft.com/office/drawing/2014/main" id="{A16284F0-DF43-B04C-8CC5-F96CE7D472CF}"/>
+              </a:ext>
+            </a:extLst>
+          </p:cNvPr>
+          <p:cNvSpPr txBox="1"/>
+          <p:nvPr/>
+        </p:nvSpPr>
+        <p:spPr>
+          <a:xfrm>
+            <a:off x="6387912" y="1936851"/>
+            <a:ext cx="5557285" cy="4401205"/>
+          </a:xfrm>
+          <a:prstGeom prst="rect">
+            <a:avLst/>
+          </a:prstGeom>
+          <a:noFill/>
+        </p:spPr>
+        <p:txBody>
+          <a:bodyPr wrap="square" rtlCol="0">
+            <a:spAutoFit/>
+          </a:bodyPr>
+          <a:lstStyle/>
+          <a:p>
+            <a:r>
+              <a:rPr kumimoji="1" lang="zh-CN" altLang="en-US" sz="2800" dirty="0"/>
+              <a:t>字符串长度</a:t>
+            </a:r>
+            <a:endParaRPr kumimoji="1" lang="en-US" altLang="zh-CN" sz="2800" dirty="0"/>
+          </a:p>
+          <a:p>
+            <a:r>
+              <a:rPr kumimoji="1" lang="zh-CN" altLang="en-US" sz="2800" dirty="0"/>
+              <a:t>字符串拼接</a:t>
+            </a:r>
+            <a:endParaRPr kumimoji="1" lang="en-US" altLang="zh-CN" sz="2800" dirty="0"/>
+          </a:p>
+          <a:p>
+            <a:r>
+              <a:rPr kumimoji="1" lang="zh-CN" altLang="en-US" sz="2800" dirty="0"/>
+              <a:t>字符串中获取字符</a:t>
+            </a:r>
+            <a:endParaRPr kumimoji="1" lang="en-US" altLang="zh-CN" sz="2800" dirty="0"/>
+          </a:p>
+          <a:p>
+            <a:r>
+              <a:rPr kumimoji="1" lang="zh-CN" altLang="en-US" sz="2800" dirty="0"/>
+              <a:t>字符串大小写转换</a:t>
+            </a:r>
+            <a:endParaRPr kumimoji="1" lang="en-US" altLang="zh-CN" sz="2800" dirty="0"/>
+          </a:p>
+          <a:p>
+            <a:r>
+              <a:rPr kumimoji="1" lang="zh-CN" altLang="en-US" sz="2800" dirty="0"/>
+              <a:t>字符串比较</a:t>
+            </a:r>
+            <a:r>
+              <a:rPr kumimoji="1" lang="en-US" altLang="zh-CN" sz="2800" dirty="0"/>
+              <a:t>(equal)</a:t>
+            </a:r>
+          </a:p>
+          <a:p>
+            <a:r>
+              <a:rPr kumimoji="1" lang="zh-CN" altLang="en-US" sz="2800" dirty="0"/>
+              <a:t>字符串比较</a:t>
+            </a:r>
+            <a:r>
+              <a:rPr kumimoji="1" lang="en-US" altLang="zh-CN" sz="2800" dirty="0"/>
+              <a:t>(start</a:t>
+            </a:r>
+            <a:r>
+              <a:rPr kumimoji="1" lang="zh-CN" altLang="en-US" sz="2800" dirty="0"/>
+              <a:t> </a:t>
+            </a:r>
+            <a:r>
+              <a:rPr kumimoji="1" lang="en-US" altLang="zh-CN" sz="2800" dirty="0"/>
+              <a:t>with)</a:t>
+            </a:r>
+          </a:p>
+          <a:p>
+            <a:r>
+              <a:rPr kumimoji="1" lang="zh-CN" altLang="en-US" sz="2800" dirty="0"/>
+              <a:t>字符串包含关系</a:t>
+            </a:r>
+            <a:r>
+              <a:rPr kumimoji="1" lang="en-US" altLang="zh-CN" sz="2800" dirty="0"/>
+              <a:t>(contains)</a:t>
+            </a:r>
+          </a:p>
+          <a:p>
+            <a:r>
+              <a:rPr kumimoji="1" lang="zh-CN" altLang="en-US" sz="2800" dirty="0"/>
+              <a:t>字符串子串</a:t>
+            </a:r>
+            <a:endParaRPr kumimoji="1" lang="en-US" altLang="zh-CN" sz="2800" dirty="0"/>
+          </a:p>
+          <a:p>
+            <a:r>
+              <a:rPr kumimoji="1" lang="zh-CN" altLang="en-US" sz="2800" dirty="0"/>
+              <a:t>字符串和数字之间的转换</a:t>
+            </a:r>
+            <a:endParaRPr kumimoji="1" lang="en-US" altLang="zh-CN" sz="2800" dirty="0"/>
+          </a:p>
+          <a:p>
+            <a:r>
+              <a:rPr kumimoji="1" lang="en-US" altLang="zh-CN" sz="2800" dirty="0"/>
+              <a:t>…</a:t>
+            </a:r>
+            <a:endParaRPr kumimoji="1" lang="zh-CN" altLang="en-US" sz="2800" dirty="0"/>
+          </a:p>
+        </p:txBody>
+      </p:sp>
+    </p:spTree>
+    <p:extLst>
+      <p:ext uri="{BB962C8B-B14F-4D97-AF65-F5344CB8AC3E}">
+        <p14:creationId xmlns:p14="http://schemas.microsoft.com/office/powerpoint/2010/main" val="1931940136"/>
+      </p:ext>
+    </p:extLst>
+  </p:cSld>
+  <p:clrMapOvr>
+    <a:masterClrMapping/>
+  </p:clrMapOvr>
+</p:sld>
+</file>
+
+<file path=ppt/slides/slide25.xml><?xml version="1.0" encoding="utf-8"?>
+<p:sld xmlns:a="http://schemas.openxmlformats.org/drawingml/2006/main" xmlns:r="http://schemas.openxmlformats.org/officeDocument/2006/relationships" xmlns:p="http://schemas.openxmlformats.org/presentationml/2006/main">
+  <p:cSld>
+    <p:bg>
+      <p:bgPr>
+        <a:blipFill>
+          <a:blip r:embed="rId3"/>
+          <a:tile tx="0" ty="0" sx="100000" sy="100000" flip="none" algn="tl"/>
+        </a:blipFill>
+        <a:effectLst/>
+      </p:bgPr>
+    </p:bg>
+    <p:spTree>
+      <p:nvGrpSpPr>
+        <p:cNvPr id="1" name=""/>
+        <p:cNvGrpSpPr/>
+        <p:nvPr/>
+      </p:nvGrpSpPr>
+      <p:grpSpPr>
+        <a:xfrm>
+          <a:off x="0" y="0"/>
+          <a:ext cx="0" cy="0"/>
+          <a:chOff x="0" y="0"/>
+          <a:chExt cx="0" cy="0"/>
+        </a:xfrm>
+      </p:grpSpPr>
+      <p:sp>
+        <p:nvSpPr>
+          <p:cNvPr id="2" name="文本框 1">
+            <a:extLst>
+              <a:ext uri="{FF2B5EF4-FFF2-40B4-BE49-F238E27FC236}">
+                <a16:creationId xmlns:a16="http://schemas.microsoft.com/office/drawing/2014/main" id="{12AA8BCC-7B15-4842-80C2-48C079429338}"/>
+              </a:ext>
+            </a:extLst>
+          </p:cNvPr>
+          <p:cNvSpPr txBox="1"/>
+          <p:nvPr/>
+        </p:nvSpPr>
+        <p:spPr>
+          <a:xfrm>
             <a:off x="2228088" y="2921168"/>
             <a:ext cx="7735824" cy="1015663"/>
           </a:xfrm>
@@ -5811,7 +10214,7 @@
 </p:sld>
 </file>
 
-<file path=ppt/slides/slide13.xml><?xml version="1.0" encoding="utf-8"?>
+<file path=ppt/slides/slide26.xml><?xml version="1.0" encoding="utf-8"?>
 <p:sld xmlns:a="http://schemas.openxmlformats.org/drawingml/2006/main" xmlns:r="http://schemas.openxmlformats.org/officeDocument/2006/relationships" xmlns:p="http://schemas.openxmlformats.org/presentationml/2006/main">
   <p:cSld>
     <p:bg>
@@ -5855,311 +10258,6 @@
 </p:sld>
 </file>
 
-<file path=ppt/slides/slide2.xml><?xml version="1.0" encoding="utf-8"?>
-<p:sld xmlns:a="http://schemas.openxmlformats.org/drawingml/2006/main" xmlns:r="http://schemas.openxmlformats.org/officeDocument/2006/relationships" xmlns:p="http://schemas.openxmlformats.org/presentationml/2006/main">
-  <p:cSld>
-    <p:bg>
-      <p:bgPr>
-        <a:blipFill>
-          <a:blip r:embed="rId3"/>
-          <a:tile tx="0" ty="0" sx="100000" sy="100000" flip="none" algn="tl"/>
-        </a:blipFill>
-        <a:effectLst/>
-      </p:bgPr>
-    </p:bg>
-    <p:spTree>
-      <p:nvGrpSpPr>
-        <p:cNvPr id="1" name=""/>
-        <p:cNvGrpSpPr/>
-        <p:nvPr/>
-      </p:nvGrpSpPr>
-      <p:grpSpPr>
-        <a:xfrm>
-          <a:off x="0" y="0"/>
-          <a:ext cx="0" cy="0"/>
-          <a:chOff x="0" y="0"/>
-          <a:chExt cx="0" cy="0"/>
-        </a:xfrm>
-      </p:grpSpPr>
-      <p:sp>
-        <p:nvSpPr>
-          <p:cNvPr id="2" name="文本框 1">
-            <a:extLst>
-              <a:ext uri="{FF2B5EF4-FFF2-40B4-BE49-F238E27FC236}">
-                <a16:creationId xmlns:a16="http://schemas.microsoft.com/office/drawing/2014/main" id="{12AA8BCC-7B15-4842-80C2-48C079429338}"/>
-              </a:ext>
-            </a:extLst>
-          </p:cNvPr>
-          <p:cNvSpPr txBox="1"/>
-          <p:nvPr/>
-        </p:nvSpPr>
-        <p:spPr>
-          <a:xfrm>
-            <a:off x="2520000" y="720000"/>
-            <a:ext cx="7735824" cy="830997"/>
-          </a:xfrm>
-          <a:prstGeom prst="rect">
-            <a:avLst/>
-          </a:prstGeom>
-          <a:noFill/>
-        </p:spPr>
-        <p:txBody>
-          <a:bodyPr wrap="square" rtlCol="0">
-            <a:spAutoFit/>
-          </a:bodyPr>
-          <a:lstStyle/>
-          <a:p>
-            <a:pPr algn="ctr"/>
-            <a:r>
-              <a:rPr kumimoji="1" lang="zh-CN" altLang="en-US" sz="4800" dirty="0">
-                <a:latin typeface="Microsoft YaHei" panose="020B0503020204020204" pitchFamily="34" charset="-122"/>
-                <a:ea typeface="Microsoft YaHei" panose="020B0503020204020204" pitchFamily="34" charset="-122"/>
-              </a:rPr>
-              <a:t>这节课讲啥？</a:t>
-            </a:r>
-          </a:p>
-        </p:txBody>
-      </p:sp>
-      <p:sp>
-        <p:nvSpPr>
-          <p:cNvPr id="8" name="文本框 7">
-            <a:extLst>
-              <a:ext uri="{FF2B5EF4-FFF2-40B4-BE49-F238E27FC236}">
-                <a16:creationId xmlns:a16="http://schemas.microsoft.com/office/drawing/2014/main" id="{B294230C-E86E-7247-BAC6-5F43DED3D0AF}"/>
-              </a:ext>
-            </a:extLst>
-          </p:cNvPr>
-          <p:cNvSpPr txBox="1"/>
-          <p:nvPr/>
-        </p:nvSpPr>
-        <p:spPr>
-          <a:xfrm>
-            <a:off x="4535083" y="1380876"/>
-            <a:ext cx="7443216" cy="8293205"/>
-          </a:xfrm>
-          <a:prstGeom prst="rect">
-            <a:avLst/>
-          </a:prstGeom>
-          <a:noFill/>
-        </p:spPr>
-        <p:txBody>
-          <a:bodyPr wrap="square" tIns="360000" bIns="360000" rtlCol="0">
-            <a:spAutoFit/>
-          </a:bodyPr>
-          <a:lstStyle/>
-          <a:p>
-            <a:pPr marL="571500" indent="-571500">
-              <a:lnSpc>
-                <a:spcPct val="150000"/>
-              </a:lnSpc>
-              <a:buFont typeface="Wingdings" pitchFamily="2" charset="2"/>
-              <a:buChar char="Ø"/>
-            </a:pPr>
-            <a:r>
-              <a:rPr kumimoji="1" lang="zh-CN" altLang="en-US" sz="2800" dirty="0">
-                <a:latin typeface="Microsoft YaHei" panose="020B0503020204020204" pitchFamily="34" charset="-122"/>
-                <a:ea typeface="Microsoft YaHei" panose="020B0503020204020204" pitchFamily="34" charset="-122"/>
-              </a:rPr>
-              <a:t>数组的基本知识</a:t>
-            </a:r>
-            <a:endParaRPr kumimoji="1" lang="en-US" altLang="zh-CN" sz="2800" dirty="0">
-              <a:latin typeface="Microsoft YaHei" panose="020B0503020204020204" pitchFamily="34" charset="-122"/>
-              <a:ea typeface="Microsoft YaHei" panose="020B0503020204020204" pitchFamily="34" charset="-122"/>
-            </a:endParaRPr>
-          </a:p>
-          <a:p>
-            <a:pPr marL="571500" indent="-571500">
-              <a:lnSpc>
-                <a:spcPct val="150000"/>
-              </a:lnSpc>
-              <a:buFont typeface="Wingdings" pitchFamily="2" charset="2"/>
-              <a:buChar char="Ø"/>
-            </a:pPr>
-            <a:r>
-              <a:rPr kumimoji="1" lang="zh-CN" altLang="en-US" sz="2800" dirty="0">
-                <a:latin typeface="Microsoft YaHei" panose="020B0503020204020204" pitchFamily="34" charset="-122"/>
-                <a:ea typeface="Microsoft YaHei" panose="020B0503020204020204" pitchFamily="34" charset="-122"/>
-              </a:rPr>
-              <a:t>数组的复制</a:t>
-            </a:r>
-            <a:endParaRPr kumimoji="1" lang="en-US" altLang="zh-CN" sz="2800" dirty="0">
-              <a:latin typeface="Microsoft YaHei" panose="020B0503020204020204" pitchFamily="34" charset="-122"/>
-              <a:ea typeface="Microsoft YaHei" panose="020B0503020204020204" pitchFamily="34" charset="-122"/>
-            </a:endParaRPr>
-          </a:p>
-          <a:p>
-            <a:pPr marL="571500" indent="-571500">
-              <a:lnSpc>
-                <a:spcPct val="150000"/>
-              </a:lnSpc>
-              <a:buFont typeface="Wingdings" pitchFamily="2" charset="2"/>
-              <a:buChar char="Ø"/>
-            </a:pPr>
-            <a:r>
-              <a:rPr kumimoji="1" lang="zh-CN" altLang="en-US" sz="2800" dirty="0">
-                <a:latin typeface="Microsoft YaHei" panose="020B0503020204020204" pitchFamily="34" charset="-122"/>
-                <a:ea typeface="Microsoft YaHei" panose="020B0503020204020204" pitchFamily="34" charset="-122"/>
-              </a:rPr>
-              <a:t>将数组传递给方法</a:t>
-            </a:r>
-            <a:endParaRPr kumimoji="1" lang="en-US" altLang="zh-CN" sz="2800" dirty="0">
-              <a:latin typeface="Microsoft YaHei" panose="020B0503020204020204" pitchFamily="34" charset="-122"/>
-              <a:ea typeface="Microsoft YaHei" panose="020B0503020204020204" pitchFamily="34" charset="-122"/>
-            </a:endParaRPr>
-          </a:p>
-          <a:p>
-            <a:pPr marL="571500" indent="-571500">
-              <a:lnSpc>
-                <a:spcPct val="150000"/>
-              </a:lnSpc>
-              <a:spcBef>
-                <a:spcPts val="100"/>
-              </a:spcBef>
-              <a:buFont typeface="Wingdings" pitchFamily="2" charset="2"/>
-              <a:buChar char="Ø"/>
-            </a:pPr>
-            <a:r>
-              <a:rPr kumimoji="1" lang="zh-CN" altLang="en-US" sz="2800" dirty="0">
-                <a:latin typeface="Microsoft YaHei" panose="020B0503020204020204" pitchFamily="34" charset="-122"/>
-                <a:ea typeface="Microsoft YaHei" panose="020B0503020204020204" pitchFamily="34" charset="-122"/>
-              </a:rPr>
-              <a:t>从方法中返回数组</a:t>
-            </a:r>
-            <a:endParaRPr kumimoji="1" lang="en-US" altLang="zh-CN" sz="2800" dirty="0">
-              <a:latin typeface="Microsoft YaHei" panose="020B0503020204020204" pitchFamily="34" charset="-122"/>
-              <a:ea typeface="Microsoft YaHei" panose="020B0503020204020204" pitchFamily="34" charset="-122"/>
-            </a:endParaRPr>
-          </a:p>
-          <a:p>
-            <a:pPr marL="571500" indent="-571500">
-              <a:lnSpc>
-                <a:spcPct val="150000"/>
-              </a:lnSpc>
-              <a:spcBef>
-                <a:spcPts val="100"/>
-              </a:spcBef>
-              <a:buFont typeface="Wingdings" pitchFamily="2" charset="2"/>
-              <a:buChar char="Ø"/>
-            </a:pPr>
-            <a:r>
-              <a:rPr kumimoji="1" lang="zh-CN" altLang="en-US" sz="2800" dirty="0">
-                <a:latin typeface="Microsoft YaHei" panose="020B0503020204020204" pitchFamily="34" charset="-122"/>
-                <a:ea typeface="Microsoft YaHei" panose="020B0503020204020204" pitchFamily="34" charset="-122"/>
-              </a:rPr>
-              <a:t>数组查找</a:t>
-            </a:r>
-          </a:p>
-          <a:p>
-            <a:pPr marL="571500" indent="-571500">
-              <a:lnSpc>
-                <a:spcPct val="150000"/>
-              </a:lnSpc>
-              <a:buFont typeface="Wingdings" pitchFamily="2" charset="2"/>
-              <a:buChar char="Ø"/>
-            </a:pPr>
-            <a:r>
-              <a:rPr kumimoji="1" lang="zh-CN" altLang="en-US" sz="2800" dirty="0">
-                <a:latin typeface="Microsoft YaHei" panose="020B0503020204020204" pitchFamily="34" charset="-122"/>
-                <a:ea typeface="Microsoft YaHei" panose="020B0503020204020204" pitchFamily="34" charset="-122"/>
-              </a:rPr>
-              <a:t>数组排序</a:t>
-            </a:r>
-            <a:endParaRPr kumimoji="1" lang="en-US" altLang="zh-CN" sz="2800" dirty="0">
-              <a:latin typeface="Microsoft YaHei" panose="020B0503020204020204" pitchFamily="34" charset="-122"/>
-              <a:ea typeface="Microsoft YaHei" panose="020B0503020204020204" pitchFamily="34" charset="-122"/>
-            </a:endParaRPr>
-          </a:p>
-          <a:p>
-            <a:pPr marL="571500" indent="-571500">
-              <a:lnSpc>
-                <a:spcPct val="150000"/>
-              </a:lnSpc>
-              <a:buFont typeface="Wingdings" pitchFamily="2" charset="2"/>
-              <a:buChar char="Ø"/>
-            </a:pPr>
-            <a:r>
-              <a:rPr kumimoji="1" lang="en-US" altLang="zh-CN" sz="2800" dirty="0">
-                <a:latin typeface="Microsoft YaHei" panose="020B0503020204020204" pitchFamily="34" charset="-122"/>
-                <a:ea typeface="Microsoft YaHei" panose="020B0503020204020204" pitchFamily="34" charset="-122"/>
-              </a:rPr>
-              <a:t>Arrays</a:t>
-            </a:r>
-            <a:r>
-              <a:rPr kumimoji="1" lang="zh-CN" altLang="en-US" sz="2800" dirty="0">
-                <a:latin typeface="Microsoft YaHei" panose="020B0503020204020204" pitchFamily="34" charset="-122"/>
-                <a:ea typeface="Microsoft YaHei" panose="020B0503020204020204" pitchFamily="34" charset="-122"/>
-              </a:rPr>
-              <a:t>类</a:t>
-            </a:r>
-            <a:endParaRPr kumimoji="1" lang="en-US" altLang="zh-CN" sz="2800" dirty="0">
-              <a:ea typeface="Microsoft YaHei" panose="020B0503020204020204" pitchFamily="34" charset="-122"/>
-            </a:endParaRPr>
-          </a:p>
-          <a:p>
-            <a:pPr marL="571500" indent="-571500">
-              <a:lnSpc>
-                <a:spcPct val="150000"/>
-              </a:lnSpc>
-              <a:buFont typeface="Wingdings" pitchFamily="2" charset="2"/>
-              <a:buChar char="Ø"/>
-            </a:pPr>
-            <a:r>
-              <a:rPr kumimoji="1" lang="zh-CN" altLang="en-US" sz="2800" dirty="0">
-                <a:latin typeface="Microsoft YaHei" panose="020B0503020204020204" pitchFamily="34" charset="-122"/>
-                <a:ea typeface="Microsoft YaHei" panose="020B0503020204020204" pitchFamily="34" charset="-122"/>
-              </a:rPr>
-              <a:t>命令行参数</a:t>
-            </a:r>
-            <a:endParaRPr kumimoji="1" lang="en-US" altLang="zh-CN" sz="2800" dirty="0">
-              <a:latin typeface="Microsoft YaHei" panose="020B0503020204020204" pitchFamily="34" charset="-122"/>
-              <a:ea typeface="Microsoft YaHei" panose="020B0503020204020204" pitchFamily="34" charset="-122"/>
-            </a:endParaRPr>
-          </a:p>
-          <a:p>
-            <a:pPr>
-              <a:lnSpc>
-                <a:spcPct val="150000"/>
-              </a:lnSpc>
-            </a:pPr>
-            <a:endParaRPr kumimoji="1" lang="en-US" altLang="zh-CN" sz="2800" dirty="0">
-              <a:latin typeface="Microsoft YaHei" panose="020B0503020204020204" pitchFamily="34" charset="-122"/>
-              <a:ea typeface="Microsoft YaHei" panose="020B0503020204020204" pitchFamily="34" charset="-122"/>
-            </a:endParaRPr>
-          </a:p>
-          <a:p>
-            <a:endParaRPr kumimoji="1" lang="zh-CN" altLang="en-US" sz="2800" dirty="0">
-              <a:latin typeface="Microsoft YaHei" panose="020B0503020204020204" pitchFamily="34" charset="-122"/>
-              <a:ea typeface="Microsoft YaHei" panose="020B0503020204020204" pitchFamily="34" charset="-122"/>
-            </a:endParaRPr>
-          </a:p>
-          <a:p>
-            <a:endParaRPr kumimoji="1" lang="zh-CN" altLang="en-US" sz="2800" dirty="0"/>
-          </a:p>
-          <a:p>
-            <a:endParaRPr kumimoji="1" lang="en-US" altLang="zh-CN" sz="2800" dirty="0"/>
-          </a:p>
-          <a:p>
-            <a:r>
-              <a:rPr kumimoji="1" lang="en-US" altLang="zh-CN" sz="2800" dirty="0"/>
-              <a:t>	</a:t>
-            </a:r>
-            <a:endParaRPr kumimoji="1" lang="zh-CN" altLang="en-US" sz="2800" dirty="0"/>
-          </a:p>
-        </p:txBody>
-      </p:sp>
-    </p:spTree>
-    <p:extLst>
-      <p:ext uri="{BB962C8B-B14F-4D97-AF65-F5344CB8AC3E}">
-        <p14:creationId xmlns:p14="http://schemas.microsoft.com/office/powerpoint/2010/main" val="4038558307"/>
-      </p:ext>
-    </p:extLst>
-  </p:cSld>
-  <p:clrMapOvr>
-    <a:masterClrMapping/>
-  </p:clrMapOvr>
-</p:sld>
-</file>
-
 <file path=ppt/slides/slide3.xml><?xml version="1.0" encoding="utf-8"?>
 <p:sld xmlns:a="http://schemas.openxmlformats.org/drawingml/2006/main" xmlns:r="http://schemas.openxmlformats.org/officeDocument/2006/relationships" xmlns:p="http://schemas.openxmlformats.org/presentationml/2006/main">
   <p:cSld>
@@ -6324,13 +10422,7 @@
               <a:rPr kumimoji="1" lang="zh-CN" altLang="en-US" sz="2800" dirty="0">
                 <a:ea typeface="Microsoft YaHei" panose="020B0503020204020204" pitchFamily="34" charset="-122"/>
               </a:rPr>
-              <a:t>语言在语法和用法上</a:t>
-            </a:r>
-            <a:r>
-              <a:rPr kumimoji="1" lang="zh-CN" altLang="en-US" sz="2800">
-                <a:ea typeface="Microsoft YaHei" panose="020B0503020204020204" pitchFamily="34" charset="-122"/>
-              </a:rPr>
-              <a:t>有略微不同。</a:t>
+              <a:t>语言在语法和用法上有略微不同。</a:t>
             </a:r>
             <a:endParaRPr kumimoji="1" lang="en-US" altLang="zh-CN" sz="2800" dirty="0">
               <a:ea typeface="Microsoft YaHei" panose="020B0503020204020204" pitchFamily="34" charset="-122"/>
@@ -6411,27 +10503,14 @@
                 <a:latin typeface="Microsoft YaHei" panose="020B0503020204020204" pitchFamily="34" charset="-122"/>
                 <a:ea typeface="Microsoft YaHei" panose="020B0503020204020204" pitchFamily="34" charset="-122"/>
               </a:rPr>
-              <a:t>1.</a:t>
+              <a:t>1.1</a:t>
             </a:r>
             <a:r>
               <a:rPr kumimoji="1" lang="zh-CN" altLang="en-US" sz="4800" dirty="0">
                 <a:latin typeface="Microsoft YaHei" panose="020B0503020204020204" pitchFamily="34" charset="-122"/>
                 <a:ea typeface="Microsoft YaHei" panose="020B0503020204020204" pitchFamily="34" charset="-122"/>
               </a:rPr>
-              <a:t> 常用的方法</a:t>
-            </a:r>
-            <a:r>
-              <a:rPr kumimoji="1" lang="en-US" altLang="zh-CN" sz="4800" dirty="0">
-                <a:latin typeface="Microsoft YaHei" panose="020B0503020204020204" pitchFamily="34" charset="-122"/>
-                <a:ea typeface="Microsoft YaHei" panose="020B0503020204020204" pitchFamily="34" charset="-122"/>
-              </a:rPr>
-              <a:t>---</a:t>
-            </a:r>
-            <a:r>
-              <a:rPr kumimoji="1" lang="zh-CN" altLang="en-US" sz="4800" dirty="0">
-                <a:ea typeface="Microsoft YaHei" panose="020B0503020204020204" pitchFamily="34" charset="-122"/>
-              </a:rPr>
-              <a:t>取整函数</a:t>
+              <a:t> 数组声明</a:t>
             </a:r>
             <a:endParaRPr kumimoji="1" lang="en-US" altLang="zh-CN" sz="4800" dirty="0">
               <a:ea typeface="Microsoft YaHei" panose="020B0503020204020204" pitchFamily="34" charset="-122"/>
@@ -6453,8 +10532,8 @@
         </p:nvSpPr>
         <p:spPr>
           <a:xfrm>
-            <a:off x="2374391" y="2041451"/>
-            <a:ext cx="9236361" cy="3132626"/>
+            <a:off x="1353667" y="2123605"/>
+            <a:ext cx="7443216" cy="3989463"/>
           </a:xfrm>
           <a:prstGeom prst="rect">
             <a:avLst/>
@@ -6467,132 +10546,135 @@
           </a:bodyPr>
           <a:lstStyle/>
           <a:p>
-            <a:pPr>
-              <a:lnSpc>
-                <a:spcPct val="150000"/>
-              </a:lnSpc>
-            </a:pPr>
-            <a:r>
-              <a:rPr kumimoji="1" lang="en-US" altLang="zh-CN" sz="3600" dirty="0" err="1">
-                <a:ea typeface="Microsoft YaHei" panose="020B0503020204020204" pitchFamily="34" charset="-122"/>
-              </a:rPr>
-              <a:t>Math.ceil</a:t>
-            </a:r>
-            <a:r>
-              <a:rPr kumimoji="1" lang="en-US" altLang="zh-CN" sz="3600" dirty="0">
-                <a:ea typeface="Microsoft YaHei" panose="020B0503020204020204" pitchFamily="34" charset="-122"/>
-              </a:rPr>
-              <a:t>(3.45)</a:t>
-            </a:r>
-            <a:r>
-              <a:rPr kumimoji="1" lang="zh-CN" altLang="en-US" sz="3600" dirty="0">
-                <a:ea typeface="Microsoft YaHei" panose="020B0503020204020204" pitchFamily="34" charset="-122"/>
-              </a:rPr>
-              <a:t>  </a:t>
-            </a:r>
-            <a:r>
-              <a:rPr kumimoji="1" lang="en-US" altLang="zh-CN" sz="3600" dirty="0">
-                <a:ea typeface="Microsoft YaHei" panose="020B0503020204020204" pitchFamily="34" charset="-122"/>
-              </a:rPr>
-              <a:t>//</a:t>
-            </a:r>
-            <a:r>
-              <a:rPr kumimoji="1" lang="zh-CN" altLang="en-US" sz="3600" dirty="0">
-                <a:ea typeface="Microsoft YaHei" panose="020B0503020204020204" pitchFamily="34" charset="-122"/>
-              </a:rPr>
-              <a:t> 向上取整，返回</a:t>
-            </a:r>
-            <a:r>
-              <a:rPr kumimoji="1" lang="en-US" altLang="zh-CN" sz="3600" dirty="0">
-                <a:ea typeface="Microsoft YaHei" panose="020B0503020204020204" pitchFamily="34" charset="-122"/>
-              </a:rPr>
-              <a:t>4.0</a:t>
-            </a:r>
-          </a:p>
-          <a:p>
-            <a:pPr>
-              <a:lnSpc>
-                <a:spcPct val="150000"/>
-              </a:lnSpc>
-            </a:pPr>
-            <a:r>
-              <a:rPr kumimoji="1" lang="en-US" altLang="zh-CN" sz="3600" dirty="0" err="1">
-                <a:ea typeface="Microsoft YaHei" panose="020B0503020204020204" pitchFamily="34" charset="-122"/>
-              </a:rPr>
-              <a:t>Math.floor</a:t>
-            </a:r>
-            <a:r>
-              <a:rPr kumimoji="1" lang="en-US" altLang="zh-CN" sz="3600" dirty="0">
-                <a:ea typeface="Microsoft YaHei" panose="020B0503020204020204" pitchFamily="34" charset="-122"/>
-              </a:rPr>
-              <a:t>(3.45)</a:t>
-            </a:r>
-            <a:r>
-              <a:rPr kumimoji="1" lang="zh-CN" altLang="en-US" sz="3600" dirty="0">
-                <a:ea typeface="Microsoft YaHei" panose="020B0503020204020204" pitchFamily="34" charset="-122"/>
-              </a:rPr>
-              <a:t>   </a:t>
-            </a:r>
-            <a:r>
-              <a:rPr kumimoji="1" lang="en-US" altLang="zh-CN" sz="3600" dirty="0">
-                <a:ea typeface="Microsoft YaHei" panose="020B0503020204020204" pitchFamily="34" charset="-122"/>
-              </a:rPr>
-              <a:t>//</a:t>
-            </a:r>
-            <a:r>
-              <a:rPr kumimoji="1" lang="zh-CN" altLang="en-US" sz="3600" dirty="0">
-                <a:ea typeface="Microsoft YaHei" panose="020B0503020204020204" pitchFamily="34" charset="-122"/>
-              </a:rPr>
-              <a:t>向下取整，返回</a:t>
-            </a:r>
-            <a:r>
-              <a:rPr kumimoji="1" lang="en-US" altLang="zh-CN" sz="3600" dirty="0">
-                <a:ea typeface="Microsoft YaHei" panose="020B0503020204020204" pitchFamily="34" charset="-122"/>
-              </a:rPr>
-              <a:t>3.0</a:t>
-            </a:r>
-          </a:p>
-          <a:p>
-            <a:pPr>
-              <a:lnSpc>
-                <a:spcPct val="150000"/>
-              </a:lnSpc>
-            </a:pPr>
-            <a:r>
-              <a:rPr kumimoji="1" lang="en-US" altLang="zh-CN" sz="3600" dirty="0" err="1">
-                <a:ea typeface="Microsoft YaHei" panose="020B0503020204020204" pitchFamily="34" charset="-122"/>
-              </a:rPr>
-              <a:t>Math.round</a:t>
-            </a:r>
-            <a:r>
-              <a:rPr kumimoji="1" lang="en-US" altLang="zh-CN" sz="3600" dirty="0">
-                <a:ea typeface="Microsoft YaHei" panose="020B0503020204020204" pitchFamily="34" charset="-122"/>
-              </a:rPr>
-              <a:t>(3.45)</a:t>
-            </a:r>
-            <a:r>
-              <a:rPr kumimoji="1" lang="zh-CN" altLang="en-US" sz="3600" dirty="0">
-                <a:ea typeface="Microsoft YaHei" panose="020B0503020204020204" pitchFamily="34" charset="-122"/>
+            <a:r>
+              <a:rPr lang="zh-CN" altLang="en-US" sz="2800" dirty="0">
+                <a:latin typeface="SimSun" panose="02010600030101010101" pitchFamily="2" charset="-122"/>
+                <a:ea typeface="SimSun" panose="02010600030101010101" pitchFamily="2" charset="-122"/>
+              </a:rPr>
+              <a:t>定义方式：</a:t>
+            </a:r>
+            <a:endParaRPr lang="en-US" altLang="zh-CN" sz="2800" dirty="0">
+              <a:latin typeface="SimSun" panose="02010600030101010101" pitchFamily="2" charset="-122"/>
+              <a:ea typeface="SimSun" panose="02010600030101010101" pitchFamily="2" charset="-122"/>
+            </a:endParaRPr>
+          </a:p>
+          <a:p>
+            <a:r>
+              <a:rPr lang="en-US" altLang="zh-CN" sz="2800" dirty="0" err="1">
+                <a:latin typeface="SimSun" panose="02010600030101010101" pitchFamily="2" charset="-122"/>
+                <a:ea typeface="SimSun" panose="02010600030101010101" pitchFamily="2" charset="-122"/>
+              </a:rPr>
+              <a:t>elementType</a:t>
+            </a:r>
+            <a:r>
+              <a:rPr lang="en-US" altLang="zh-CN" sz="2800" dirty="0">
+                <a:latin typeface="SimSun" panose="02010600030101010101" pitchFamily="2" charset="-122"/>
+                <a:ea typeface="SimSun" panose="02010600030101010101" pitchFamily="2" charset="-122"/>
+              </a:rPr>
+              <a:t>[]</a:t>
+            </a:r>
+            <a:r>
+              <a:rPr lang="en-US" altLang="zh-CN" sz="3600" dirty="0">
+                <a:latin typeface="SimSun" panose="02010600030101010101" pitchFamily="2" charset="-122"/>
+                <a:ea typeface="SimSun" panose="02010600030101010101" pitchFamily="2" charset="-122"/>
               </a:rPr>
               <a:t> </a:t>
             </a:r>
             <a:r>
-              <a:rPr kumimoji="1" lang="en-US" altLang="zh-CN" sz="3600" dirty="0">
-                <a:ea typeface="Microsoft YaHei" panose="020B0503020204020204" pitchFamily="34" charset="-122"/>
-              </a:rPr>
-              <a:t>//</a:t>
-            </a:r>
-            <a:r>
-              <a:rPr kumimoji="1" lang="zh-CN" altLang="en-US" sz="3600" dirty="0">
-                <a:ea typeface="Microsoft YaHei" panose="020B0503020204020204" pitchFamily="34" charset="-122"/>
-              </a:rPr>
-              <a:t>四舍五入法，返回</a:t>
-            </a:r>
-            <a:r>
-              <a:rPr kumimoji="1" lang="en-US" altLang="zh-CN" sz="3600" dirty="0">
-                <a:ea typeface="Microsoft YaHei" panose="020B0503020204020204" pitchFamily="34" charset="-122"/>
-              </a:rPr>
-              <a:t>3</a:t>
+              <a:rPr lang="en-US" altLang="zh-CN" sz="2800" dirty="0">
+                <a:latin typeface="SimSun" panose="02010600030101010101" pitchFamily="2" charset="-122"/>
+                <a:ea typeface="SimSun" panose="02010600030101010101" pitchFamily="2" charset="-122"/>
+              </a:rPr>
+              <a:t>array</a:t>
+            </a:r>
+            <a:r>
+              <a:rPr lang="zh-CN" altLang="en-US" sz="2800" dirty="0">
+                <a:latin typeface="SimSun" panose="02010600030101010101" pitchFamily="2" charset="-122"/>
+                <a:ea typeface="SimSun" panose="02010600030101010101" pitchFamily="2" charset="-122"/>
+              </a:rPr>
+              <a:t> </a:t>
+            </a:r>
+            <a:endParaRPr lang="en-US" altLang="zh-CN" sz="2800" dirty="0">
+              <a:latin typeface="SimSun" panose="02010600030101010101" pitchFamily="2" charset="-122"/>
+              <a:ea typeface="SimSun" panose="02010600030101010101" pitchFamily="2" charset="-122"/>
+            </a:endParaRPr>
+          </a:p>
+          <a:p>
+            <a:r>
+              <a:rPr lang="zh-CN" altLang="en-US" sz="2800" dirty="0">
+                <a:latin typeface="SimSun" panose="02010600030101010101" pitchFamily="2" charset="-122"/>
+                <a:ea typeface="SimSun" panose="02010600030101010101" pitchFamily="2" charset="-122"/>
+              </a:rPr>
+              <a:t>或者</a:t>
+            </a:r>
+            <a:endParaRPr lang="en-US" altLang="zh-CN" sz="2800" dirty="0">
+              <a:latin typeface="SimSun" panose="02010600030101010101" pitchFamily="2" charset="-122"/>
+              <a:ea typeface="SimSun" panose="02010600030101010101" pitchFamily="2" charset="-122"/>
+            </a:endParaRPr>
+          </a:p>
+          <a:p>
+            <a:r>
+              <a:rPr lang="en-US" altLang="zh-CN" sz="2800" dirty="0" err="1">
+                <a:latin typeface="SimSun" panose="02010600030101010101" pitchFamily="2" charset="-122"/>
+                <a:ea typeface="SimSun" panose="02010600030101010101" pitchFamily="2" charset="-122"/>
+              </a:rPr>
+              <a:t>elementType</a:t>
+            </a:r>
+            <a:r>
+              <a:rPr lang="en-US" altLang="zh-CN" sz="3600" dirty="0">
+                <a:latin typeface="SimSun" panose="02010600030101010101" pitchFamily="2" charset="-122"/>
+                <a:ea typeface="SimSun" panose="02010600030101010101" pitchFamily="2" charset="-122"/>
+              </a:rPr>
+              <a:t> </a:t>
+            </a:r>
+            <a:r>
+              <a:rPr lang="en-US" altLang="zh-CN" sz="2800" dirty="0">
+                <a:latin typeface="SimSun" panose="02010600030101010101" pitchFamily="2" charset="-122"/>
+                <a:ea typeface="SimSun" panose="02010600030101010101" pitchFamily="2" charset="-122"/>
+              </a:rPr>
+              <a:t>array[]</a:t>
+            </a:r>
+          </a:p>
+          <a:p>
+            <a:endParaRPr lang="en-US" altLang="zh-CN" sz="2800" dirty="0">
+              <a:latin typeface="SimSun" panose="02010600030101010101" pitchFamily="2" charset="-122"/>
+              <a:ea typeface="SimSun" panose="02010600030101010101" pitchFamily="2" charset="-122"/>
+            </a:endParaRPr>
+          </a:p>
+          <a:p>
+            <a:r>
+              <a:rPr lang="zh-CN" altLang="en-US" sz="2800" dirty="0">
+                <a:latin typeface="SimSun" panose="02010600030101010101" pitchFamily="2" charset="-122"/>
+                <a:ea typeface="SimSun" panose="02010600030101010101" pitchFamily="2" charset="-122"/>
+              </a:rPr>
+              <a:t>例子：</a:t>
+            </a:r>
+            <a:endParaRPr lang="en-US" altLang="zh-CN" sz="2800" dirty="0">
+              <a:latin typeface="SimSun" panose="02010600030101010101" pitchFamily="2" charset="-122"/>
+              <a:ea typeface="SimSun" panose="02010600030101010101" pitchFamily="2" charset="-122"/>
+            </a:endParaRPr>
+          </a:p>
+          <a:p>
+            <a:r>
+              <a:rPr lang="en-US" altLang="zh-CN" sz="2800" dirty="0">
+                <a:latin typeface="SimSun" panose="02010600030101010101" pitchFamily="2" charset="-122"/>
+                <a:ea typeface="SimSun" panose="02010600030101010101" pitchFamily="2" charset="-122"/>
+              </a:rPr>
+              <a:t>double[]</a:t>
+            </a:r>
+            <a:r>
+              <a:rPr lang="zh-CN" altLang="en-US" sz="2800" dirty="0">
+                <a:latin typeface="SimSun" panose="02010600030101010101" pitchFamily="2" charset="-122"/>
+                <a:ea typeface="SimSun" panose="02010600030101010101" pitchFamily="2" charset="-122"/>
+              </a:rPr>
+              <a:t> </a:t>
+            </a:r>
+            <a:r>
+              <a:rPr lang="en-US" altLang="zh-CN" sz="2800" dirty="0">
+                <a:latin typeface="SimSun" panose="02010600030101010101" pitchFamily="2" charset="-122"/>
+                <a:ea typeface="SimSun" panose="02010600030101010101" pitchFamily="2" charset="-122"/>
+              </a:rPr>
+              <a:t>array</a:t>
             </a:r>
           </a:p>
         </p:txBody>
@@ -6600,7 +10682,7 @@
     </p:spTree>
     <p:extLst>
       <p:ext uri="{BB962C8B-B14F-4D97-AF65-F5344CB8AC3E}">
-        <p14:creationId xmlns:p14="http://schemas.microsoft.com/office/powerpoint/2010/main" val="2325618620"/>
+        <p14:creationId xmlns:p14="http://schemas.microsoft.com/office/powerpoint/2010/main" val="3369141106"/>
       </p:ext>
     </p:extLst>
   </p:cSld>
@@ -6651,7 +10733,7 @@
         <p:spPr>
           <a:xfrm>
             <a:off x="2520000" y="720000"/>
-            <a:ext cx="7735824" cy="2308324"/>
+            <a:ext cx="7735824" cy="830997"/>
           </a:xfrm>
           <a:prstGeom prst="rect">
             <a:avLst/>
@@ -6664,39 +10746,22 @@
           </a:bodyPr>
           <a:lstStyle/>
           <a:p>
-            <a:pPr marL="914400" indent="-914400" algn="ctr">
-              <a:buAutoNum type="arabicPeriod"/>
-            </a:pPr>
+            <a:pPr algn="ctr"/>
+            <a:r>
+              <a:rPr kumimoji="1" lang="en-US" altLang="zh-CN" sz="4800" dirty="0">
+                <a:latin typeface="Microsoft YaHei" panose="020B0503020204020204" pitchFamily="34" charset="-122"/>
+                <a:ea typeface="Microsoft YaHei" panose="020B0503020204020204" pitchFamily="34" charset="-122"/>
+              </a:rPr>
+              <a:t>1.2</a:t>
+            </a:r>
             <a:r>
               <a:rPr kumimoji="1" lang="zh-CN" altLang="en-US" sz="4800" dirty="0">
                 <a:latin typeface="Microsoft YaHei" panose="020B0503020204020204" pitchFamily="34" charset="-122"/>
                 <a:ea typeface="Microsoft YaHei" panose="020B0503020204020204" pitchFamily="34" charset="-122"/>
               </a:rPr>
-              <a:t>常用的方法</a:t>
+              <a:t> 数组创建</a:t>
             </a:r>
             <a:endParaRPr kumimoji="1" lang="en-US" altLang="zh-CN" sz="4800" dirty="0">
-              <a:latin typeface="Microsoft YaHei" panose="020B0503020204020204" pitchFamily="34" charset="-122"/>
-              <a:ea typeface="Microsoft YaHei" panose="020B0503020204020204" pitchFamily="34" charset="-122"/>
-            </a:endParaRPr>
-          </a:p>
-          <a:p>
-            <a:pPr algn="ctr"/>
-            <a:r>
-              <a:rPr kumimoji="1" lang="zh-CN" altLang="en-US" sz="4800" dirty="0">
-                <a:ea typeface="Microsoft YaHei" panose="020B0503020204020204" pitchFamily="34" charset="-122"/>
-              </a:rPr>
-              <a:t>最大，最小，绝对值函数</a:t>
-            </a:r>
-            <a:endParaRPr kumimoji="1" lang="en-US" altLang="zh-CN" sz="4800" dirty="0">
-              <a:ea typeface="Microsoft YaHei" panose="020B0503020204020204" pitchFamily="34" charset="-122"/>
-            </a:endParaRPr>
-          </a:p>
-          <a:p>
-            <a:pPr marL="914400" indent="-914400" algn="ctr">
-              <a:buAutoNum type="arabicPeriod"/>
-            </a:pPr>
-            <a:endParaRPr kumimoji="1" lang="zh-CN" altLang="en-US" sz="4800" dirty="0">
-              <a:latin typeface="Microsoft YaHei" panose="020B0503020204020204" pitchFamily="34" charset="-122"/>
               <a:ea typeface="Microsoft YaHei" panose="020B0503020204020204" pitchFamily="34" charset="-122"/>
             </a:endParaRPr>
           </a:p>
@@ -6716,8 +10781,8 @@
         </p:nvSpPr>
         <p:spPr>
           <a:xfrm>
-            <a:off x="2161740" y="3005374"/>
-            <a:ext cx="9236361" cy="3132626"/>
+            <a:off x="1353666" y="2147777"/>
+            <a:ext cx="10682389" cy="4420350"/>
           </a:xfrm>
           <a:prstGeom prst="rect">
             <a:avLst/>
@@ -6730,192 +10795,298 @@
           </a:bodyPr>
           <a:lstStyle/>
           <a:p>
-            <a:pPr>
-              <a:lnSpc>
-                <a:spcPct val="150000"/>
-              </a:lnSpc>
-            </a:pPr>
-            <a:r>
-              <a:rPr kumimoji="1" lang="en-US" altLang="zh-CN" sz="3600" dirty="0" err="1">
-                <a:ea typeface="Microsoft YaHei" panose="020B0503020204020204" pitchFamily="34" charset="-122"/>
-              </a:rPr>
-              <a:t>Math.max</a:t>
-            </a:r>
-            <a:r>
-              <a:rPr kumimoji="1" lang="en-US" altLang="zh-CN" sz="3600" dirty="0">
-                <a:ea typeface="Microsoft YaHei" panose="020B0503020204020204" pitchFamily="34" charset="-122"/>
-              </a:rPr>
-              <a:t>(3</a:t>
-            </a:r>
-            <a:r>
-              <a:rPr kumimoji="1" lang="zh-CN" altLang="en-US" sz="3600" dirty="0">
-                <a:ea typeface="Microsoft YaHei" panose="020B0503020204020204" pitchFamily="34" charset="-122"/>
+            <a:r>
+              <a:rPr lang="zh-CN" altLang="en-US" sz="2800" dirty="0">
+                <a:latin typeface="SimSun" panose="02010600030101010101" pitchFamily="2" charset="-122"/>
+                <a:ea typeface="SimSun" panose="02010600030101010101" pitchFamily="2" charset="-122"/>
+              </a:rPr>
+              <a:t>定义方式：</a:t>
+            </a:r>
+            <a:endParaRPr lang="en-US" altLang="zh-CN" sz="2800" dirty="0">
+              <a:latin typeface="SimSun" panose="02010600030101010101" pitchFamily="2" charset="-122"/>
+              <a:ea typeface="SimSun" panose="02010600030101010101" pitchFamily="2" charset="-122"/>
+            </a:endParaRPr>
+          </a:p>
+          <a:p>
+            <a:r>
+              <a:rPr lang="en-US" altLang="zh-CN" sz="2800" dirty="0" err="1">
+                <a:latin typeface="SimSun" panose="02010600030101010101" pitchFamily="2" charset="-122"/>
+                <a:ea typeface="SimSun" panose="02010600030101010101" pitchFamily="2" charset="-122"/>
+              </a:rPr>
+              <a:t>elementType</a:t>
+            </a:r>
+            <a:r>
+              <a:rPr lang="en-US" altLang="zh-CN" sz="2800" dirty="0">
+                <a:latin typeface="SimSun" panose="02010600030101010101" pitchFamily="2" charset="-122"/>
+                <a:ea typeface="SimSun" panose="02010600030101010101" pitchFamily="2" charset="-122"/>
+              </a:rPr>
+              <a:t>[]</a:t>
+            </a:r>
+            <a:r>
+              <a:rPr lang="en-US" altLang="zh-CN" sz="3600" dirty="0">
+                <a:latin typeface="SimSun" panose="02010600030101010101" pitchFamily="2" charset="-122"/>
+                <a:ea typeface="SimSun" panose="02010600030101010101" pitchFamily="2" charset="-122"/>
               </a:rPr>
               <a:t> </a:t>
             </a:r>
             <a:r>
-              <a:rPr kumimoji="1" lang="en-US" altLang="zh-CN" sz="3600" dirty="0">
-                <a:ea typeface="Microsoft YaHei" panose="020B0503020204020204" pitchFamily="34" charset="-122"/>
-              </a:rPr>
-              <a:t>,</a:t>
-            </a:r>
-            <a:r>
-              <a:rPr kumimoji="1" lang="zh-CN" altLang="en-US" sz="3600" dirty="0">
-                <a:ea typeface="Microsoft YaHei" panose="020B0503020204020204" pitchFamily="34" charset="-122"/>
+              <a:rPr lang="en-US" altLang="zh-CN" sz="2800" dirty="0">
+                <a:latin typeface="SimSun" panose="02010600030101010101" pitchFamily="2" charset="-122"/>
+                <a:ea typeface="SimSun" panose="02010600030101010101" pitchFamily="2" charset="-122"/>
+              </a:rPr>
+              <a:t>array</a:t>
+            </a:r>
+            <a:r>
+              <a:rPr lang="zh-CN" altLang="en-US" sz="2800" dirty="0">
+                <a:latin typeface="SimSun" panose="02010600030101010101" pitchFamily="2" charset="-122"/>
+                <a:ea typeface="SimSun" panose="02010600030101010101" pitchFamily="2" charset="-122"/>
+              </a:rPr>
+              <a:t>  </a:t>
+            </a:r>
+            <a:r>
+              <a:rPr lang="en-US" altLang="zh-CN" sz="2800" dirty="0">
+                <a:latin typeface="SimSun" panose="02010600030101010101" pitchFamily="2" charset="-122"/>
+                <a:ea typeface="SimSun" panose="02010600030101010101" pitchFamily="2" charset="-122"/>
+              </a:rPr>
+              <a:t>=</a:t>
+            </a:r>
+            <a:r>
+              <a:rPr lang="zh-CN" altLang="en-US" sz="2800" dirty="0">
+                <a:latin typeface="SimSun" panose="02010600030101010101" pitchFamily="2" charset="-122"/>
+                <a:ea typeface="SimSun" panose="02010600030101010101" pitchFamily="2" charset="-122"/>
               </a:rPr>
               <a:t> </a:t>
             </a:r>
             <a:r>
-              <a:rPr kumimoji="1" lang="en-US" altLang="zh-CN" sz="3600" dirty="0">
-                <a:ea typeface="Microsoft YaHei" panose="020B0503020204020204" pitchFamily="34" charset="-122"/>
-              </a:rPr>
-              <a:t>4)</a:t>
-            </a:r>
-            <a:r>
-              <a:rPr kumimoji="1" lang="zh-CN" altLang="en-US" sz="3600" dirty="0">
-                <a:ea typeface="Microsoft YaHei" panose="020B0503020204020204" pitchFamily="34" charset="-122"/>
-              </a:rPr>
-              <a:t>  </a:t>
-            </a:r>
-            <a:r>
-              <a:rPr kumimoji="1" lang="en-US" altLang="zh-CN" sz="3600" dirty="0">
-                <a:ea typeface="Microsoft YaHei" panose="020B0503020204020204" pitchFamily="34" charset="-122"/>
-              </a:rPr>
-              <a:t>//</a:t>
-            </a:r>
-            <a:r>
-              <a:rPr kumimoji="1" lang="zh-CN" altLang="en-US" sz="3600" dirty="0">
-                <a:ea typeface="Microsoft YaHei" panose="020B0503020204020204" pitchFamily="34" charset="-122"/>
-              </a:rPr>
-              <a:t> 取最大数值，返回</a:t>
-            </a:r>
-            <a:r>
-              <a:rPr kumimoji="1" lang="en-US" altLang="zh-CN" sz="3600" dirty="0">
-                <a:ea typeface="Microsoft YaHei" panose="020B0503020204020204" pitchFamily="34" charset="-122"/>
-              </a:rPr>
-              <a:t>4</a:t>
-            </a:r>
-          </a:p>
-          <a:p>
-            <a:pPr>
-              <a:lnSpc>
-                <a:spcPct val="150000"/>
-              </a:lnSpc>
-            </a:pPr>
-            <a:r>
-              <a:rPr kumimoji="1" lang="en-US" altLang="zh-CN" sz="3600" dirty="0" err="1">
-                <a:ea typeface="Microsoft YaHei" panose="020B0503020204020204" pitchFamily="34" charset="-122"/>
-              </a:rPr>
-              <a:t>Math.min</a:t>
-            </a:r>
-            <a:r>
-              <a:rPr kumimoji="1" lang="en-US" altLang="zh-CN" sz="3600" dirty="0">
-                <a:ea typeface="Microsoft YaHei" panose="020B0503020204020204" pitchFamily="34" charset="-122"/>
-              </a:rPr>
-              <a:t>(3</a:t>
-            </a:r>
-            <a:r>
-              <a:rPr kumimoji="1" lang="zh-CN" altLang="en-US" sz="3600" dirty="0">
-                <a:ea typeface="Microsoft YaHei" panose="020B0503020204020204" pitchFamily="34" charset="-122"/>
+              <a:rPr lang="en-US" altLang="zh-CN" sz="2800" dirty="0">
+                <a:latin typeface="SimSun" panose="02010600030101010101" pitchFamily="2" charset="-122"/>
+                <a:ea typeface="SimSun" panose="02010600030101010101" pitchFamily="2" charset="-122"/>
+              </a:rPr>
+              <a:t>new</a:t>
+            </a:r>
+            <a:r>
+              <a:rPr lang="zh-CN" altLang="en-US" sz="2800" dirty="0">
+                <a:latin typeface="SimSun" panose="02010600030101010101" pitchFamily="2" charset="-122"/>
+                <a:ea typeface="SimSun" panose="02010600030101010101" pitchFamily="2" charset="-122"/>
               </a:rPr>
               <a:t> </a:t>
             </a:r>
             <a:r>
-              <a:rPr kumimoji="1" lang="en-US" altLang="zh-CN" sz="3600" dirty="0">
-                <a:ea typeface="Microsoft YaHei" panose="020B0503020204020204" pitchFamily="34" charset="-122"/>
-              </a:rPr>
-              <a:t>,</a:t>
-            </a:r>
-            <a:r>
-              <a:rPr kumimoji="1" lang="zh-CN" altLang="en-US" sz="3600" dirty="0">
-                <a:ea typeface="Microsoft YaHei" panose="020B0503020204020204" pitchFamily="34" charset="-122"/>
+              <a:rPr lang="en-US" altLang="zh-CN" sz="2800" dirty="0" err="1">
+                <a:latin typeface="SimSun" panose="02010600030101010101" pitchFamily="2" charset="-122"/>
+                <a:ea typeface="SimSun" panose="02010600030101010101" pitchFamily="2" charset="-122"/>
+              </a:rPr>
+              <a:t>elementType</a:t>
+            </a:r>
+            <a:r>
+              <a:rPr lang="en-US" altLang="zh-CN" sz="2800" dirty="0">
+                <a:latin typeface="SimSun" panose="02010600030101010101" pitchFamily="2" charset="-122"/>
+                <a:ea typeface="SimSun" panose="02010600030101010101" pitchFamily="2" charset="-122"/>
+              </a:rPr>
+              <a:t>[</a:t>
+            </a:r>
+            <a:r>
+              <a:rPr lang="en-US" altLang="zh-CN" sz="2800" dirty="0" err="1">
+                <a:latin typeface="SimSun" panose="02010600030101010101" pitchFamily="2" charset="-122"/>
+                <a:ea typeface="SimSun" panose="02010600030101010101" pitchFamily="2" charset="-122"/>
+              </a:rPr>
+              <a:t>arraySize</a:t>
+            </a:r>
+            <a:r>
+              <a:rPr lang="en-US" altLang="zh-CN" sz="2800" dirty="0">
+                <a:latin typeface="SimSun" panose="02010600030101010101" pitchFamily="2" charset="-122"/>
+                <a:ea typeface="SimSun" panose="02010600030101010101" pitchFamily="2" charset="-122"/>
+              </a:rPr>
+              <a:t>]</a:t>
+            </a:r>
+          </a:p>
+          <a:p>
+            <a:r>
+              <a:rPr lang="zh-CN" altLang="en-US" sz="2800" dirty="0">
+                <a:latin typeface="SimSun" panose="02010600030101010101" pitchFamily="2" charset="-122"/>
+                <a:ea typeface="SimSun" panose="02010600030101010101" pitchFamily="2" charset="-122"/>
+              </a:rPr>
+              <a:t>或者</a:t>
+            </a:r>
+            <a:endParaRPr lang="en-US" altLang="zh-CN" sz="2800" dirty="0">
+              <a:latin typeface="SimSun" panose="02010600030101010101" pitchFamily="2" charset="-122"/>
+              <a:ea typeface="SimSun" panose="02010600030101010101" pitchFamily="2" charset="-122"/>
+            </a:endParaRPr>
+          </a:p>
+          <a:p>
+            <a:r>
+              <a:rPr lang="en-US" altLang="zh-CN" sz="2800" dirty="0" err="1">
+                <a:latin typeface="SimSun" panose="02010600030101010101" pitchFamily="2" charset="-122"/>
+                <a:ea typeface="SimSun" panose="02010600030101010101" pitchFamily="2" charset="-122"/>
+              </a:rPr>
+              <a:t>elementType</a:t>
+            </a:r>
+            <a:r>
+              <a:rPr lang="en-US" altLang="zh-CN" sz="3600" dirty="0">
+                <a:latin typeface="SimSun" panose="02010600030101010101" pitchFamily="2" charset="-122"/>
+                <a:ea typeface="SimSun" panose="02010600030101010101" pitchFamily="2" charset="-122"/>
               </a:rPr>
               <a:t> </a:t>
             </a:r>
             <a:r>
-              <a:rPr kumimoji="1" lang="en-US" altLang="zh-CN" sz="3600" dirty="0">
-                <a:ea typeface="Microsoft YaHei" panose="020B0503020204020204" pitchFamily="34" charset="-122"/>
-              </a:rPr>
-              <a:t>4</a:t>
-            </a:r>
-            <a:r>
-              <a:rPr kumimoji="1" lang="zh-CN" altLang="en-US" sz="3600" dirty="0">
-                <a:ea typeface="Microsoft YaHei" panose="020B0503020204020204" pitchFamily="34" charset="-122"/>
+              <a:rPr lang="en-US" altLang="zh-CN" sz="2800" dirty="0">
+                <a:latin typeface="SimSun" panose="02010600030101010101" pitchFamily="2" charset="-122"/>
+                <a:ea typeface="SimSun" panose="02010600030101010101" pitchFamily="2" charset="-122"/>
+              </a:rPr>
+              <a:t>array[]</a:t>
+            </a:r>
+            <a:r>
+              <a:rPr lang="zh-CN" altLang="en-US" sz="2800" dirty="0">
+                <a:latin typeface="SimSun" panose="02010600030101010101" pitchFamily="2" charset="-122"/>
+                <a:ea typeface="SimSun" panose="02010600030101010101" pitchFamily="2" charset="-122"/>
               </a:rPr>
               <a:t> </a:t>
             </a:r>
             <a:r>
-              <a:rPr kumimoji="1" lang="en-US" altLang="zh-CN" sz="3600" dirty="0">
-                <a:ea typeface="Microsoft YaHei" panose="020B0503020204020204" pitchFamily="34" charset="-122"/>
-              </a:rPr>
-              <a:t>)</a:t>
-            </a:r>
-            <a:r>
-              <a:rPr kumimoji="1" lang="zh-CN" altLang="en-US" sz="3600" dirty="0">
-                <a:ea typeface="Microsoft YaHei" panose="020B0503020204020204" pitchFamily="34" charset="-122"/>
-              </a:rPr>
-              <a:t>   </a:t>
-            </a:r>
-            <a:r>
-              <a:rPr kumimoji="1" lang="en-US" altLang="zh-CN" sz="3600" dirty="0">
-                <a:ea typeface="Microsoft YaHei" panose="020B0503020204020204" pitchFamily="34" charset="-122"/>
-              </a:rPr>
-              <a:t>//</a:t>
-            </a:r>
-            <a:r>
-              <a:rPr kumimoji="1" lang="zh-CN" altLang="en-US" sz="3600" dirty="0">
-                <a:ea typeface="Microsoft YaHei" panose="020B0503020204020204" pitchFamily="34" charset="-122"/>
-              </a:rPr>
-              <a:t>取最小数值，返回</a:t>
-            </a:r>
-            <a:r>
-              <a:rPr kumimoji="1" lang="en-US" altLang="zh-CN" sz="3600" dirty="0">
-                <a:ea typeface="Microsoft YaHei" panose="020B0503020204020204" pitchFamily="34" charset="-122"/>
-              </a:rPr>
-              <a:t>3</a:t>
-            </a:r>
-          </a:p>
-          <a:p>
-            <a:pPr>
-              <a:lnSpc>
-                <a:spcPct val="150000"/>
-              </a:lnSpc>
-            </a:pPr>
-            <a:r>
-              <a:rPr kumimoji="1" lang="en-US" altLang="zh-CN" sz="3600" dirty="0" err="1">
-                <a:ea typeface="Microsoft YaHei" panose="020B0503020204020204" pitchFamily="34" charset="-122"/>
-              </a:rPr>
-              <a:t>Math.abs</a:t>
-            </a:r>
-            <a:r>
-              <a:rPr kumimoji="1" lang="en-US" altLang="zh-CN" sz="3600" dirty="0">
-                <a:ea typeface="Microsoft YaHei" panose="020B0503020204020204" pitchFamily="34" charset="-122"/>
-              </a:rPr>
-              <a:t>(-3)</a:t>
-            </a:r>
-            <a:r>
-              <a:rPr kumimoji="1" lang="zh-CN" altLang="en-US" sz="3600" dirty="0">
-                <a:ea typeface="Microsoft YaHei" panose="020B0503020204020204" pitchFamily="34" charset="-122"/>
-              </a:rPr>
-              <a:t>       </a:t>
-            </a:r>
-            <a:r>
-              <a:rPr kumimoji="1" lang="en-US" altLang="zh-CN" sz="3600" dirty="0">
-                <a:ea typeface="Microsoft YaHei" panose="020B0503020204020204" pitchFamily="34" charset="-122"/>
-              </a:rPr>
-              <a:t>//</a:t>
-            </a:r>
-            <a:r>
-              <a:rPr kumimoji="1" lang="zh-CN" altLang="en-US" sz="3600" dirty="0">
-                <a:ea typeface="Microsoft YaHei" panose="020B0503020204020204" pitchFamily="34" charset="-122"/>
-              </a:rPr>
-              <a:t>取绝对值，返回</a:t>
-            </a:r>
-            <a:r>
-              <a:rPr kumimoji="1" lang="en-US" altLang="zh-CN" sz="3600" dirty="0">
-                <a:ea typeface="Microsoft YaHei" panose="020B0503020204020204" pitchFamily="34" charset="-122"/>
-              </a:rPr>
-              <a:t>3</a:t>
+              <a:rPr lang="en-US" altLang="zh-CN" sz="2800" dirty="0">
+                <a:latin typeface="SimSun" panose="02010600030101010101" pitchFamily="2" charset="-122"/>
+                <a:ea typeface="SimSun" panose="02010600030101010101" pitchFamily="2" charset="-122"/>
+              </a:rPr>
+              <a:t>=</a:t>
+            </a:r>
+            <a:r>
+              <a:rPr lang="zh-CN" altLang="en-US" sz="2800" dirty="0">
+                <a:latin typeface="SimSun" panose="02010600030101010101" pitchFamily="2" charset="-122"/>
+                <a:ea typeface="SimSun" panose="02010600030101010101" pitchFamily="2" charset="-122"/>
+              </a:rPr>
+              <a:t> </a:t>
+            </a:r>
+            <a:r>
+              <a:rPr lang="en-US" altLang="zh-CN" sz="2800" dirty="0">
+                <a:latin typeface="SimSun" panose="02010600030101010101" pitchFamily="2" charset="-122"/>
+                <a:ea typeface="SimSun" panose="02010600030101010101" pitchFamily="2" charset="-122"/>
+              </a:rPr>
+              <a:t>new</a:t>
+            </a:r>
+            <a:r>
+              <a:rPr lang="zh-CN" altLang="en-US" sz="2800" dirty="0">
+                <a:latin typeface="SimSun" panose="02010600030101010101" pitchFamily="2" charset="-122"/>
+                <a:ea typeface="SimSun" panose="02010600030101010101" pitchFamily="2" charset="-122"/>
+              </a:rPr>
+              <a:t> </a:t>
+            </a:r>
+            <a:r>
+              <a:rPr lang="en-US" altLang="zh-CN" sz="2800" dirty="0" err="1">
+                <a:latin typeface="SimSun" panose="02010600030101010101" pitchFamily="2" charset="-122"/>
+                <a:ea typeface="SimSun" panose="02010600030101010101" pitchFamily="2" charset="-122"/>
+              </a:rPr>
+              <a:t>elementType</a:t>
+            </a:r>
+            <a:r>
+              <a:rPr lang="en-US" altLang="zh-CN" sz="2800" dirty="0">
+                <a:latin typeface="SimSun" panose="02010600030101010101" pitchFamily="2" charset="-122"/>
+                <a:ea typeface="SimSun" panose="02010600030101010101" pitchFamily="2" charset="-122"/>
+              </a:rPr>
+              <a:t>[</a:t>
+            </a:r>
+            <a:r>
+              <a:rPr lang="en-US" altLang="zh-CN" sz="2800" dirty="0" err="1">
+                <a:latin typeface="SimSun" panose="02010600030101010101" pitchFamily="2" charset="-122"/>
+                <a:ea typeface="SimSun" panose="02010600030101010101" pitchFamily="2" charset="-122"/>
+              </a:rPr>
+              <a:t>arraySize</a:t>
+            </a:r>
+            <a:r>
+              <a:rPr lang="en-US" altLang="zh-CN" sz="2800" dirty="0">
+                <a:latin typeface="SimSun" panose="02010600030101010101" pitchFamily="2" charset="-122"/>
+                <a:ea typeface="SimSun" panose="02010600030101010101" pitchFamily="2" charset="-122"/>
+              </a:rPr>
+              <a:t>]</a:t>
+            </a:r>
+          </a:p>
+          <a:p>
+            <a:endParaRPr lang="en-US" altLang="zh-CN" sz="2800" dirty="0">
+              <a:latin typeface="SimSun" panose="02010600030101010101" pitchFamily="2" charset="-122"/>
+              <a:ea typeface="SimSun" panose="02010600030101010101" pitchFamily="2" charset="-122"/>
+            </a:endParaRPr>
+          </a:p>
+          <a:p>
+            <a:endParaRPr lang="en-US" altLang="zh-CN" sz="2800" dirty="0">
+              <a:latin typeface="SimSun" panose="02010600030101010101" pitchFamily="2" charset="-122"/>
+              <a:ea typeface="SimSun" panose="02010600030101010101" pitchFamily="2" charset="-122"/>
+            </a:endParaRPr>
+          </a:p>
+          <a:p>
+            <a:r>
+              <a:rPr lang="zh-CN" altLang="en-US" sz="2800" dirty="0">
+                <a:latin typeface="SimSun" panose="02010600030101010101" pitchFamily="2" charset="-122"/>
+                <a:ea typeface="SimSun" panose="02010600030101010101" pitchFamily="2" charset="-122"/>
+              </a:rPr>
+              <a:t>例子：</a:t>
+            </a:r>
+            <a:endParaRPr lang="en-US" altLang="zh-CN" sz="2800" dirty="0">
+              <a:latin typeface="SimSun" panose="02010600030101010101" pitchFamily="2" charset="-122"/>
+              <a:ea typeface="SimSun" panose="02010600030101010101" pitchFamily="2" charset="-122"/>
+            </a:endParaRPr>
+          </a:p>
+          <a:p>
+            <a:r>
+              <a:rPr lang="en-US" altLang="zh-CN" sz="2800" dirty="0">
+                <a:latin typeface="SimSun" panose="02010600030101010101" pitchFamily="2" charset="-122"/>
+                <a:ea typeface="SimSun" panose="02010600030101010101" pitchFamily="2" charset="-122"/>
+              </a:rPr>
+              <a:t>double[]</a:t>
+            </a:r>
+            <a:r>
+              <a:rPr lang="zh-CN" altLang="en-US" sz="2800" dirty="0">
+                <a:latin typeface="SimSun" panose="02010600030101010101" pitchFamily="2" charset="-122"/>
+                <a:ea typeface="SimSun" panose="02010600030101010101" pitchFamily="2" charset="-122"/>
+              </a:rPr>
+              <a:t> </a:t>
+            </a:r>
+            <a:r>
+              <a:rPr lang="en-US" altLang="zh-CN" sz="2800" dirty="0">
+                <a:latin typeface="SimSun" panose="02010600030101010101" pitchFamily="2" charset="-122"/>
+                <a:ea typeface="SimSun" panose="02010600030101010101" pitchFamily="2" charset="-122"/>
+              </a:rPr>
+              <a:t>array</a:t>
+            </a:r>
+            <a:r>
+              <a:rPr lang="zh-CN" altLang="en-US" sz="2800" dirty="0">
+                <a:latin typeface="SimSun" panose="02010600030101010101" pitchFamily="2" charset="-122"/>
+                <a:ea typeface="SimSun" panose="02010600030101010101" pitchFamily="2" charset="-122"/>
+              </a:rPr>
+              <a:t> </a:t>
+            </a:r>
+            <a:r>
+              <a:rPr lang="en-US" altLang="zh-CN" sz="2800" dirty="0">
+                <a:latin typeface="SimSun" panose="02010600030101010101" pitchFamily="2" charset="-122"/>
+                <a:ea typeface="SimSun" panose="02010600030101010101" pitchFamily="2" charset="-122"/>
+              </a:rPr>
+              <a:t>=</a:t>
+            </a:r>
+            <a:r>
+              <a:rPr lang="zh-CN" altLang="en-US" sz="2800" dirty="0">
+                <a:latin typeface="SimSun" panose="02010600030101010101" pitchFamily="2" charset="-122"/>
+                <a:ea typeface="SimSun" panose="02010600030101010101" pitchFamily="2" charset="-122"/>
+              </a:rPr>
+              <a:t> </a:t>
+            </a:r>
+            <a:r>
+              <a:rPr lang="en-US" altLang="zh-CN" sz="2800" dirty="0">
+                <a:latin typeface="SimSun" panose="02010600030101010101" pitchFamily="2" charset="-122"/>
+                <a:ea typeface="SimSun" panose="02010600030101010101" pitchFamily="2" charset="-122"/>
+              </a:rPr>
+              <a:t>new</a:t>
+            </a:r>
+            <a:r>
+              <a:rPr lang="zh-CN" altLang="en-US" sz="2800" dirty="0">
+                <a:latin typeface="SimSun" panose="02010600030101010101" pitchFamily="2" charset="-122"/>
+                <a:ea typeface="SimSun" panose="02010600030101010101" pitchFamily="2" charset="-122"/>
+              </a:rPr>
+              <a:t> </a:t>
+            </a:r>
+            <a:r>
+              <a:rPr lang="en-US" altLang="zh-CN" sz="2800" dirty="0">
+                <a:latin typeface="SimSun" panose="02010600030101010101" pitchFamily="2" charset="-122"/>
+                <a:ea typeface="SimSun" panose="02010600030101010101" pitchFamily="2" charset="-122"/>
+              </a:rPr>
+              <a:t>double[10]</a:t>
             </a:r>
           </a:p>
         </p:txBody>
@@ -6923,7 +11094,7 @@
     </p:spTree>
     <p:extLst>
       <p:ext uri="{BB962C8B-B14F-4D97-AF65-F5344CB8AC3E}">
-        <p14:creationId xmlns:p14="http://schemas.microsoft.com/office/powerpoint/2010/main" val="453787182"/>
+        <p14:creationId xmlns:p14="http://schemas.microsoft.com/office/powerpoint/2010/main" val="68214097"/>
       </p:ext>
     </p:extLst>
   </p:cSld>
@@ -6987,23 +11158,24 @@
           </a:bodyPr>
           <a:lstStyle/>
           <a:p>
-            <a:pPr marL="914400" indent="-914400" algn="ctr">
-              <a:buAutoNum type="arabicPeriod"/>
-            </a:pPr>
+            <a:pPr algn="ctr"/>
+            <a:r>
+              <a:rPr kumimoji="1" lang="en-US" altLang="zh-CN" sz="4800" dirty="0">
+                <a:latin typeface="Microsoft YaHei" panose="020B0503020204020204" pitchFamily="34" charset="-122"/>
+                <a:ea typeface="Microsoft YaHei" panose="020B0503020204020204" pitchFamily="34" charset="-122"/>
+              </a:rPr>
+              <a:t>1.3</a:t>
+            </a:r>
             <a:r>
               <a:rPr kumimoji="1" lang="zh-CN" altLang="en-US" sz="4800" dirty="0">
                 <a:latin typeface="Microsoft YaHei" panose="020B0503020204020204" pitchFamily="34" charset="-122"/>
                 <a:ea typeface="Microsoft YaHei" panose="020B0503020204020204" pitchFamily="34" charset="-122"/>
               </a:rPr>
-              <a:t>常用的方法</a:t>
-            </a:r>
-            <a:r>
-              <a:rPr kumimoji="1" lang="en-US" altLang="zh-CN" sz="4800" dirty="0">
-                <a:latin typeface="Microsoft YaHei" panose="020B0503020204020204" pitchFamily="34" charset="-122"/>
-                <a:ea typeface="Microsoft YaHei" panose="020B0503020204020204" pitchFamily="34" charset="-122"/>
-              </a:rPr>
-              <a:t>---Random</a:t>
-            </a:r>
+              <a:t> 数组元素访问及初始化</a:t>
+            </a:r>
+            <a:endParaRPr kumimoji="1" lang="en-US" altLang="zh-CN" sz="4800" dirty="0">
+              <a:ea typeface="Microsoft YaHei" panose="020B0503020204020204" pitchFamily="34" charset="-122"/>
+            </a:endParaRPr>
           </a:p>
         </p:txBody>
       </p:sp>
@@ -7021,8 +11193,8 @@
         </p:nvSpPr>
         <p:spPr>
           <a:xfrm>
-            <a:off x="2374391" y="2041451"/>
-            <a:ext cx="9236361" cy="2301629"/>
+            <a:off x="1353666" y="2147777"/>
+            <a:ext cx="10682389" cy="3312354"/>
           </a:xfrm>
           <a:prstGeom prst="rect">
             <a:avLst/>
@@ -7035,156 +11207,210 @@
           </a:bodyPr>
           <a:lstStyle/>
           <a:p>
-            <a:pPr>
-              <a:lnSpc>
-                <a:spcPct val="150000"/>
-              </a:lnSpc>
-            </a:pPr>
-            <a:r>
-              <a:rPr kumimoji="1" lang="en-US" altLang="zh-CN" sz="3600" dirty="0" err="1">
-                <a:ea typeface="Microsoft YaHei" panose="020B0503020204020204" pitchFamily="34" charset="-122"/>
-              </a:rPr>
-              <a:t>Math.random</a:t>
-            </a:r>
-            <a:r>
-              <a:rPr kumimoji="1" lang="en-US" altLang="zh-CN" sz="3600" dirty="0">
-                <a:ea typeface="Microsoft YaHei" panose="020B0503020204020204" pitchFamily="34" charset="-122"/>
-              </a:rPr>
-              <a:t>()</a:t>
-            </a:r>
-            <a:r>
-              <a:rPr kumimoji="1" lang="zh-CN" altLang="en-US" sz="3600" dirty="0">
-                <a:ea typeface="Microsoft YaHei" panose="020B0503020204020204" pitchFamily="34" charset="-122"/>
-              </a:rPr>
-              <a:t>  </a:t>
-            </a:r>
-            <a:r>
-              <a:rPr kumimoji="1" lang="en-US" altLang="zh-CN" sz="3600" dirty="0">
-                <a:ea typeface="Microsoft YaHei" panose="020B0503020204020204" pitchFamily="34" charset="-122"/>
-              </a:rPr>
-              <a:t>//</a:t>
-            </a:r>
-            <a:r>
-              <a:rPr kumimoji="1" lang="zh-CN" altLang="en-US" sz="3600" dirty="0">
-                <a:ea typeface="Microsoft YaHei" panose="020B0503020204020204" pitchFamily="34" charset="-122"/>
-              </a:rPr>
-              <a:t> 返回 </a:t>
-            </a:r>
-            <a:r>
-              <a:rPr kumimoji="1" lang="en-US" altLang="zh-CN" sz="3600" dirty="0">
-                <a:ea typeface="Microsoft YaHei" panose="020B0503020204020204" pitchFamily="34" charset="-122"/>
+            <a:r>
+              <a:rPr lang="zh-CN" altLang="en-US" sz="2800" dirty="0">
+                <a:latin typeface="SimSun" panose="02010600030101010101" pitchFamily="2" charset="-122"/>
+                <a:ea typeface="SimSun" panose="02010600030101010101" pitchFamily="2" charset="-122"/>
+              </a:rPr>
+              <a:t>和</a:t>
+            </a:r>
+            <a:r>
+              <a:rPr lang="en-US" altLang="zh-CN" sz="2800" dirty="0">
+                <a:latin typeface="SimSun" panose="02010600030101010101" pitchFamily="2" charset="-122"/>
+                <a:ea typeface="SimSun" panose="02010600030101010101" pitchFamily="2" charset="-122"/>
+              </a:rPr>
+              <a:t>C</a:t>
+            </a:r>
+            <a:r>
+              <a:rPr lang="zh-CN" altLang="en-US" sz="2800" dirty="0">
+                <a:latin typeface="SimSun" panose="02010600030101010101" pitchFamily="2" charset="-122"/>
+                <a:ea typeface="SimSun" panose="02010600030101010101" pitchFamily="2" charset="-122"/>
+              </a:rPr>
+              <a:t>语言一样，用下标进行访问，下标从</a:t>
+            </a:r>
+            <a:r>
+              <a:rPr lang="en-US" altLang="zh-CN" sz="2800" dirty="0">
+                <a:latin typeface="SimSun" panose="02010600030101010101" pitchFamily="2" charset="-122"/>
+                <a:ea typeface="SimSun" panose="02010600030101010101" pitchFamily="2" charset="-122"/>
               </a:rPr>
               <a:t>0</a:t>
             </a:r>
             <a:r>
-              <a:rPr kumimoji="1" lang="zh-CN" altLang="en-US" sz="3600" dirty="0">
-                <a:ea typeface="Microsoft YaHei" panose="020B0503020204020204" pitchFamily="34" charset="-122"/>
-              </a:rPr>
-              <a:t> 到</a:t>
-            </a:r>
-            <a:r>
-              <a:rPr kumimoji="1" lang="en-US" altLang="zh-CN" sz="3600" dirty="0">
-                <a:ea typeface="Microsoft YaHei" panose="020B0503020204020204" pitchFamily="34" charset="-122"/>
-              </a:rPr>
-              <a:t>1</a:t>
-            </a:r>
-            <a:r>
-              <a:rPr kumimoji="1" lang="zh-CN" altLang="en-US" sz="3600" dirty="0">
-                <a:ea typeface="Microsoft YaHei" panose="020B0503020204020204" pitchFamily="34" charset="-122"/>
-              </a:rPr>
-              <a:t>的双精度数值</a:t>
-            </a:r>
-            <a:endParaRPr kumimoji="1" lang="en-US" altLang="zh-CN" sz="3600" dirty="0">
-              <a:ea typeface="Microsoft YaHei" panose="020B0503020204020204" pitchFamily="34" charset="-122"/>
+              <a:rPr lang="zh-CN" altLang="en-US" sz="2800" dirty="0">
+                <a:latin typeface="SimSun" panose="02010600030101010101" pitchFamily="2" charset="-122"/>
+                <a:ea typeface="SimSun" panose="02010600030101010101" pitchFamily="2" charset="-122"/>
+              </a:rPr>
+              <a:t>开始</a:t>
+            </a:r>
+            <a:endParaRPr lang="en-US" altLang="zh-CN" sz="2800" dirty="0">
+              <a:latin typeface="SimSun" panose="02010600030101010101" pitchFamily="2" charset="-122"/>
+              <a:ea typeface="SimSun" panose="02010600030101010101" pitchFamily="2" charset="-122"/>
             </a:endParaRPr>
           </a:p>
           <a:p>
-            <a:pPr>
-              <a:lnSpc>
-                <a:spcPct val="150000"/>
-              </a:lnSpc>
-            </a:pPr>
-            <a:r>
-              <a:rPr kumimoji="1" lang="zh-CN" altLang="en-US" sz="3600" dirty="0">
-                <a:ea typeface="Microsoft YaHei" panose="020B0503020204020204" pitchFamily="34" charset="-122"/>
-              </a:rPr>
-              <a:t>拓展，还有另一种</a:t>
-            </a:r>
-            <a:r>
-              <a:rPr kumimoji="1" lang="en-US" altLang="zh-CN" sz="3600" dirty="0">
-                <a:ea typeface="Microsoft YaHei" panose="020B0503020204020204" pitchFamily="34" charset="-122"/>
-              </a:rPr>
-              <a:t>Random</a:t>
-            </a:r>
-            <a:r>
-              <a:rPr kumimoji="1" lang="zh-CN" altLang="en-US" sz="3600" dirty="0">
-                <a:ea typeface="Microsoft YaHei" panose="020B0503020204020204" pitchFamily="34" charset="-122"/>
-              </a:rPr>
-              <a:t> 对象。</a:t>
-            </a:r>
-            <a:endParaRPr kumimoji="1" lang="en-US" altLang="zh-CN" sz="3600" dirty="0">
-              <a:ea typeface="Microsoft YaHei" panose="020B0503020204020204" pitchFamily="34" charset="-122"/>
+            <a:endParaRPr lang="en-US" altLang="zh-CN" sz="2800" dirty="0">
+              <a:latin typeface="SimSun" panose="02010600030101010101" pitchFamily="2" charset="-122"/>
+              <a:ea typeface="SimSun" panose="02010600030101010101" pitchFamily="2" charset="-122"/>
             </a:endParaRPr>
           </a:p>
-        </p:txBody>
-      </p:sp>
-      <p:sp>
-        <p:nvSpPr>
-          <p:cNvPr id="3" name="文本框 2">
-            <a:extLst>
-              <a:ext uri="{FF2B5EF4-FFF2-40B4-BE49-F238E27FC236}">
-                <a16:creationId xmlns:a16="http://schemas.microsoft.com/office/drawing/2014/main" id="{51BF0D5B-BEEB-5F4B-8528-3D302D662D5C}"/>
-              </a:ext>
-            </a:extLst>
-          </p:cNvPr>
-          <p:cNvSpPr txBox="1"/>
-          <p:nvPr/>
-        </p:nvSpPr>
-        <p:spPr>
-          <a:xfrm>
-            <a:off x="2520000" y="5664531"/>
-            <a:ext cx="3203944" cy="588110"/>
-          </a:xfrm>
-          <a:prstGeom prst="rect">
-            <a:avLst/>
-          </a:prstGeom>
-          <a:solidFill>
-            <a:schemeClr val="accent2"/>
-          </a:solidFill>
-        </p:spPr>
-        <p:txBody>
-          <a:bodyPr wrap="square" rtlCol="0">
-            <a:spAutoFit/>
-          </a:bodyPr>
-          <a:lstStyle/>
-          <a:p>
-            <a:pPr>
-              <a:lnSpc>
-                <a:spcPct val="150000"/>
-              </a:lnSpc>
-            </a:pPr>
-            <a:r>
-              <a:rPr kumimoji="1" lang="zh-CN" altLang="en-US" sz="2400" dirty="0">
-                <a:solidFill>
-                  <a:schemeClr val="bg1"/>
-                </a:solidFill>
-                <a:ea typeface="Microsoft YaHei" panose="020B0503020204020204" pitchFamily="34" charset="-122"/>
-              </a:rPr>
-              <a:t>上代码</a:t>
-            </a:r>
-            <a:endParaRPr kumimoji="1" lang="en-US" altLang="zh-CN" sz="2400" dirty="0">
-              <a:solidFill>
-                <a:schemeClr val="bg1"/>
-              </a:solidFill>
-              <a:ea typeface="Microsoft YaHei" panose="020B0503020204020204" pitchFamily="34" charset="-122"/>
+          <a:p>
+            <a:r>
+              <a:rPr lang="zh-CN" altLang="en-US" sz="2800" dirty="0">
+                <a:latin typeface="SimSun" panose="02010600030101010101" pitchFamily="2" charset="-122"/>
+                <a:ea typeface="SimSun" panose="02010600030101010101" pitchFamily="2" charset="-122"/>
+              </a:rPr>
+              <a:t>例子：</a:t>
+            </a:r>
+            <a:endParaRPr lang="en-US" altLang="zh-CN" sz="2800" dirty="0">
+              <a:latin typeface="SimSun" panose="02010600030101010101" pitchFamily="2" charset="-122"/>
+              <a:ea typeface="SimSun" panose="02010600030101010101" pitchFamily="2" charset="-122"/>
             </a:endParaRPr>
+          </a:p>
+          <a:p>
+            <a:r>
+              <a:rPr lang="en-US" altLang="zh-CN" sz="2800" dirty="0">
+                <a:latin typeface="SimSun" panose="02010600030101010101" pitchFamily="2" charset="-122"/>
+                <a:ea typeface="SimSun" panose="02010600030101010101" pitchFamily="2" charset="-122"/>
+              </a:rPr>
+              <a:t>double[]</a:t>
+            </a:r>
+            <a:r>
+              <a:rPr lang="zh-CN" altLang="en-US" sz="2800" dirty="0">
+                <a:latin typeface="SimSun" panose="02010600030101010101" pitchFamily="2" charset="-122"/>
+                <a:ea typeface="SimSun" panose="02010600030101010101" pitchFamily="2" charset="-122"/>
+              </a:rPr>
+              <a:t> </a:t>
+            </a:r>
+            <a:r>
+              <a:rPr lang="en-US" altLang="zh-CN" sz="2800" dirty="0">
+                <a:latin typeface="SimSun" panose="02010600030101010101" pitchFamily="2" charset="-122"/>
+                <a:ea typeface="SimSun" panose="02010600030101010101" pitchFamily="2" charset="-122"/>
+              </a:rPr>
+              <a:t>array</a:t>
+            </a:r>
+            <a:r>
+              <a:rPr lang="zh-CN" altLang="en-US" sz="2800" dirty="0">
+                <a:latin typeface="SimSun" panose="02010600030101010101" pitchFamily="2" charset="-122"/>
+                <a:ea typeface="SimSun" panose="02010600030101010101" pitchFamily="2" charset="-122"/>
+              </a:rPr>
+              <a:t> </a:t>
+            </a:r>
+            <a:r>
+              <a:rPr lang="en-US" altLang="zh-CN" sz="2800" dirty="0">
+                <a:latin typeface="SimSun" panose="02010600030101010101" pitchFamily="2" charset="-122"/>
+                <a:ea typeface="SimSun" panose="02010600030101010101" pitchFamily="2" charset="-122"/>
+              </a:rPr>
+              <a:t>=</a:t>
+            </a:r>
+            <a:r>
+              <a:rPr lang="zh-CN" altLang="en-US" sz="2800" dirty="0">
+                <a:latin typeface="SimSun" panose="02010600030101010101" pitchFamily="2" charset="-122"/>
+                <a:ea typeface="SimSun" panose="02010600030101010101" pitchFamily="2" charset="-122"/>
+              </a:rPr>
+              <a:t> </a:t>
+            </a:r>
+            <a:r>
+              <a:rPr lang="en-US" altLang="zh-CN" sz="2800" dirty="0">
+                <a:latin typeface="SimSun" panose="02010600030101010101" pitchFamily="2" charset="-122"/>
+                <a:ea typeface="SimSun" panose="02010600030101010101" pitchFamily="2" charset="-122"/>
+              </a:rPr>
+              <a:t>new</a:t>
+            </a:r>
+            <a:r>
+              <a:rPr lang="zh-CN" altLang="en-US" sz="2800" dirty="0">
+                <a:latin typeface="SimSun" panose="02010600030101010101" pitchFamily="2" charset="-122"/>
+                <a:ea typeface="SimSun" panose="02010600030101010101" pitchFamily="2" charset="-122"/>
+              </a:rPr>
+              <a:t> </a:t>
+            </a:r>
+            <a:r>
+              <a:rPr lang="en-US" altLang="zh-CN" sz="2800" dirty="0">
+                <a:latin typeface="SimSun" panose="02010600030101010101" pitchFamily="2" charset="-122"/>
+                <a:ea typeface="SimSun" panose="02010600030101010101" pitchFamily="2" charset="-122"/>
+              </a:rPr>
+              <a:t>double[10]</a:t>
+            </a:r>
+          </a:p>
+          <a:p>
+            <a:r>
+              <a:rPr lang="en-US" altLang="zh-CN" sz="2800" dirty="0">
+                <a:latin typeface="SimSun" panose="02010600030101010101" pitchFamily="2" charset="-122"/>
+                <a:ea typeface="SimSun" panose="02010600030101010101" pitchFamily="2" charset="-122"/>
+              </a:rPr>
+              <a:t>array[0]</a:t>
+            </a:r>
+            <a:r>
+              <a:rPr lang="zh-CN" altLang="en-US" sz="2800" dirty="0">
+                <a:latin typeface="SimSun" panose="02010600030101010101" pitchFamily="2" charset="-122"/>
+                <a:ea typeface="SimSun" panose="02010600030101010101" pitchFamily="2" charset="-122"/>
+              </a:rPr>
+              <a:t> </a:t>
+            </a:r>
+            <a:r>
+              <a:rPr lang="en-US" altLang="zh-CN" sz="2800" dirty="0">
+                <a:latin typeface="SimSun" panose="02010600030101010101" pitchFamily="2" charset="-122"/>
+                <a:ea typeface="SimSun" panose="02010600030101010101" pitchFamily="2" charset="-122"/>
+              </a:rPr>
+              <a:t>=</a:t>
+            </a:r>
+            <a:r>
+              <a:rPr lang="zh-CN" altLang="en-US" sz="2800" dirty="0">
+                <a:latin typeface="SimSun" panose="02010600030101010101" pitchFamily="2" charset="-122"/>
+                <a:ea typeface="SimSun" panose="02010600030101010101" pitchFamily="2" charset="-122"/>
+              </a:rPr>
+              <a:t> </a:t>
+            </a:r>
+            <a:r>
+              <a:rPr lang="en-US" altLang="zh-CN" sz="2800" dirty="0">
+                <a:latin typeface="SimSun" panose="02010600030101010101" pitchFamily="2" charset="-122"/>
+                <a:ea typeface="SimSun" panose="02010600030101010101" pitchFamily="2" charset="-122"/>
+              </a:rPr>
+              <a:t>0;</a:t>
+            </a:r>
+          </a:p>
+          <a:p>
+            <a:r>
+              <a:rPr lang="en-US" altLang="zh-CN" sz="2800" dirty="0">
+                <a:latin typeface="SimSun" panose="02010600030101010101" pitchFamily="2" charset="-122"/>
+                <a:ea typeface="SimSun" panose="02010600030101010101" pitchFamily="2" charset="-122"/>
+              </a:rPr>
+              <a:t>Array[1]</a:t>
+            </a:r>
+            <a:r>
+              <a:rPr lang="zh-CN" altLang="en-US" sz="2800" dirty="0">
+                <a:latin typeface="SimSun" panose="02010600030101010101" pitchFamily="2" charset="-122"/>
+                <a:ea typeface="SimSun" panose="02010600030101010101" pitchFamily="2" charset="-122"/>
+              </a:rPr>
+              <a:t> </a:t>
+            </a:r>
+            <a:r>
+              <a:rPr lang="en-US" altLang="zh-CN" sz="2800" dirty="0">
+                <a:latin typeface="SimSun" panose="02010600030101010101" pitchFamily="2" charset="-122"/>
+                <a:ea typeface="SimSun" panose="02010600030101010101" pitchFamily="2" charset="-122"/>
+              </a:rPr>
+              <a:t>=</a:t>
+            </a:r>
+            <a:r>
+              <a:rPr lang="zh-CN" altLang="en-US" sz="2800" dirty="0">
+                <a:latin typeface="SimSun" panose="02010600030101010101" pitchFamily="2" charset="-122"/>
+                <a:ea typeface="SimSun" panose="02010600030101010101" pitchFamily="2" charset="-122"/>
+              </a:rPr>
+              <a:t> </a:t>
+            </a:r>
+            <a:r>
+              <a:rPr lang="en-US" altLang="zh-CN" sz="2800" dirty="0">
+                <a:latin typeface="SimSun" panose="02010600030101010101" pitchFamily="2" charset="-122"/>
+                <a:ea typeface="SimSun" panose="02010600030101010101" pitchFamily="2" charset="-122"/>
+              </a:rPr>
+              <a:t>1;</a:t>
+            </a:r>
           </a:p>
         </p:txBody>
       </p:sp>
     </p:spTree>
     <p:extLst>
       <p:ext uri="{BB962C8B-B14F-4D97-AF65-F5344CB8AC3E}">
-        <p14:creationId xmlns:p14="http://schemas.microsoft.com/office/powerpoint/2010/main" val="4198886012"/>
+        <p14:creationId xmlns:p14="http://schemas.microsoft.com/office/powerpoint/2010/main" val="2424816869"/>
       </p:ext>
     </p:extLst>
   </p:cSld>
@@ -7254,38 +11480,16 @@
                 <a:latin typeface="Microsoft YaHei" panose="020B0503020204020204" pitchFamily="34" charset="-122"/>
                 <a:ea typeface="Microsoft YaHei" panose="020B0503020204020204" pitchFamily="34" charset="-122"/>
               </a:rPr>
-              <a:t>2.</a:t>
+              <a:t>1.4</a:t>
             </a:r>
             <a:r>
               <a:rPr kumimoji="1" lang="zh-CN" altLang="en-US" sz="4800" dirty="0">
                 <a:latin typeface="Microsoft YaHei" panose="020B0503020204020204" pitchFamily="34" charset="-122"/>
                 <a:ea typeface="Microsoft YaHei" panose="020B0503020204020204" pitchFamily="34" charset="-122"/>
               </a:rPr>
-              <a:t> </a:t>
-            </a:r>
-            <a:r>
-              <a:rPr kumimoji="1" lang="en-US" altLang="zh-CN" sz="4800" dirty="0">
-                <a:latin typeface="Microsoft YaHei" panose="020B0503020204020204" pitchFamily="34" charset="-122"/>
-                <a:ea typeface="Microsoft YaHei" panose="020B0503020204020204" pitchFamily="34" charset="-122"/>
-              </a:rPr>
-              <a:t>ASCII</a:t>
-            </a:r>
-            <a:r>
-              <a:rPr kumimoji="1" lang="zh-CN" altLang="en-US" sz="4800" dirty="0">
-                <a:latin typeface="Microsoft YaHei" panose="020B0503020204020204" pitchFamily="34" charset="-122"/>
-                <a:ea typeface="Microsoft YaHei" panose="020B0503020204020204" pitchFamily="34" charset="-122"/>
-              </a:rPr>
-              <a:t> 和</a:t>
-            </a:r>
-            <a:r>
-              <a:rPr kumimoji="1" lang="en-US" altLang="zh-CN" sz="4800" dirty="0">
-                <a:latin typeface="Microsoft YaHei" panose="020B0503020204020204" pitchFamily="34" charset="-122"/>
-                <a:ea typeface="Microsoft YaHei" panose="020B0503020204020204" pitchFamily="34" charset="-122"/>
-              </a:rPr>
-              <a:t>Unicode</a:t>
-            </a:r>
-            <a:endParaRPr kumimoji="1" lang="zh-CN" altLang="en-US" sz="4800" dirty="0">
-              <a:latin typeface="Microsoft YaHei" panose="020B0503020204020204" pitchFamily="34" charset="-122"/>
+              <a:t> 数组和循环</a:t>
+            </a:r>
+            <a:endParaRPr kumimoji="1" lang="en-US" altLang="zh-CN" sz="4800" dirty="0">
               <a:ea typeface="Microsoft YaHei" panose="020B0503020204020204" pitchFamily="34" charset="-122"/>
             </a:endParaRPr>
           </a:p>
@@ -7293,10 +11497,10 @@
       </p:sp>
       <p:sp>
         <p:nvSpPr>
-          <p:cNvPr id="4" name="文本框 3">
+          <p:cNvPr id="8" name="文本框 7">
             <a:extLst>
               <a:ext uri="{FF2B5EF4-FFF2-40B4-BE49-F238E27FC236}">
-                <a16:creationId xmlns:a16="http://schemas.microsoft.com/office/drawing/2014/main" id="{7E45E982-CF6C-734E-9350-731B38FF0ED0}"/>
+                <a16:creationId xmlns:a16="http://schemas.microsoft.com/office/drawing/2014/main" id="{B294230C-E86E-7247-BAC6-5F43DED3D0AF}"/>
               </a:ext>
             </a:extLst>
           </p:cNvPr>
@@ -7305,8 +11509,8 @@
         </p:nvSpPr>
         <p:spPr>
           <a:xfrm>
-            <a:off x="2020186" y="2275367"/>
-            <a:ext cx="9144000" cy="3539430"/>
+            <a:off x="1353666" y="2147777"/>
+            <a:ext cx="10682389" cy="1157918"/>
           </a:xfrm>
           <a:prstGeom prst="rect">
             <a:avLst/>
@@ -7314,117 +11518,92 @@
           <a:noFill/>
         </p:spPr>
         <p:txBody>
+          <a:bodyPr wrap="square" tIns="360000" bIns="360000" rtlCol="0">
+            <a:spAutoFit/>
+          </a:bodyPr>
+          <a:lstStyle/>
+          <a:p>
+            <a:r>
+              <a:rPr lang="zh-CN" altLang="en-US" sz="2800" dirty="0">
+                <a:latin typeface="SimSun" panose="02010600030101010101" pitchFamily="2" charset="-122"/>
+                <a:ea typeface="SimSun" panose="02010600030101010101" pitchFamily="2" charset="-122"/>
+              </a:rPr>
+              <a:t>一维数组的很多操作几乎都和 一层</a:t>
+            </a:r>
+            <a:r>
+              <a:rPr lang="en-US" altLang="zh-CN" sz="2800" dirty="0">
+                <a:latin typeface="SimSun" panose="02010600030101010101" pitchFamily="2" charset="-122"/>
+                <a:ea typeface="SimSun" panose="02010600030101010101" pitchFamily="2" charset="-122"/>
+              </a:rPr>
+              <a:t>for</a:t>
+            </a:r>
+            <a:r>
+              <a:rPr lang="zh-CN" altLang="en-US" sz="2800" dirty="0">
+                <a:latin typeface="SimSun" panose="02010600030101010101" pitchFamily="2" charset="-122"/>
+                <a:ea typeface="SimSun" panose="02010600030101010101" pitchFamily="2" charset="-122"/>
+              </a:rPr>
+              <a:t>循环绑定在一起</a:t>
+            </a:r>
+            <a:endParaRPr lang="en-US" altLang="zh-CN" sz="2800" dirty="0">
+              <a:latin typeface="SimSun" panose="02010600030101010101" pitchFamily="2" charset="-122"/>
+              <a:ea typeface="SimSun" panose="02010600030101010101" pitchFamily="2" charset="-122"/>
+            </a:endParaRPr>
+          </a:p>
+        </p:txBody>
+      </p:sp>
+      <p:sp>
+        <p:nvSpPr>
+          <p:cNvPr id="3" name="文本框 2">
+            <a:extLst>
+              <a:ext uri="{FF2B5EF4-FFF2-40B4-BE49-F238E27FC236}">
+                <a16:creationId xmlns:a16="http://schemas.microsoft.com/office/drawing/2014/main" id="{59F61838-30B6-124B-BC7D-CB17496083F0}"/>
+              </a:ext>
+            </a:extLst>
+          </p:cNvPr>
+          <p:cNvSpPr txBox="1"/>
+          <p:nvPr/>
+        </p:nvSpPr>
+        <p:spPr>
+          <a:xfrm>
+            <a:off x="4546653" y="5255655"/>
+            <a:ext cx="3682517" cy="523220"/>
+          </a:xfrm>
+          <a:prstGeom prst="rect">
+            <a:avLst/>
+          </a:prstGeom>
+          <a:solidFill>
+            <a:schemeClr val="accent2"/>
+          </a:solidFill>
+        </p:spPr>
+        <p:txBody>
           <a:bodyPr wrap="square" rtlCol="0">
             <a:spAutoFit/>
           </a:bodyPr>
           <a:lstStyle/>
           <a:p>
-            <a:pPr marL="457200" indent="-457200">
-              <a:buFont typeface="Arial" panose="020B0604020202020204" pitchFamily="34" charset="0"/>
-              <a:buChar char="•"/>
-            </a:pPr>
-            <a:r>
-              <a:rPr kumimoji="1" lang="en-US" altLang="zh-CN" sz="3200" dirty="0"/>
-              <a:t>ASCII</a:t>
-            </a:r>
-            <a:r>
-              <a:rPr kumimoji="1" lang="zh-CN" altLang="en-US" sz="3200" dirty="0"/>
-              <a:t> </a:t>
-            </a:r>
-            <a:r>
-              <a:rPr kumimoji="1" lang="en-US" altLang="zh-CN" sz="3200" dirty="0"/>
-              <a:t>:</a:t>
-            </a:r>
-            <a:r>
-              <a:rPr kumimoji="1" lang="zh-CN" altLang="en-US" sz="3200" dirty="0"/>
-              <a:t> </a:t>
-            </a:r>
-            <a:r>
-              <a:rPr kumimoji="1" lang="en-US" altLang="zh-CN" sz="3200" dirty="0"/>
-              <a:t>8</a:t>
-            </a:r>
-            <a:r>
-              <a:rPr kumimoji="1" lang="zh-CN" altLang="en-US" sz="3200" dirty="0"/>
-              <a:t>位编码 。 因为它表示字符有限，所以有了下面的</a:t>
-            </a:r>
-            <a:r>
-              <a:rPr kumimoji="1" lang="en-US" altLang="zh-CN" sz="3200" dirty="0"/>
-              <a:t>Unicode</a:t>
-            </a:r>
-            <a:r>
-              <a:rPr kumimoji="1" lang="zh-CN" altLang="en-US" sz="3200" dirty="0"/>
-              <a:t>。</a:t>
-            </a:r>
-            <a:endParaRPr kumimoji="1" lang="en-US" altLang="zh-CN" sz="3200" dirty="0"/>
-          </a:p>
-          <a:p>
-            <a:pPr marL="457200" indent="-457200">
-              <a:buFont typeface="Arial" panose="020B0604020202020204" pitchFamily="34" charset="0"/>
-              <a:buChar char="•"/>
-            </a:pPr>
-            <a:r>
-              <a:rPr kumimoji="1" lang="en-US" altLang="zh-CN" sz="3200" dirty="0"/>
-              <a:t>Unicode:</a:t>
-            </a:r>
-            <a:r>
-              <a:rPr kumimoji="1" lang="zh-CN" altLang="en-US" sz="3200" dirty="0"/>
-              <a:t> 用</a:t>
-            </a:r>
-            <a:r>
-              <a:rPr kumimoji="1" lang="en-US" altLang="zh-CN" sz="3200" dirty="0"/>
-              <a:t>1-4</a:t>
-            </a:r>
-            <a:r>
-              <a:rPr kumimoji="1" lang="zh-CN" altLang="en-US" sz="3200" dirty="0"/>
-              <a:t>个字节</a:t>
-            </a:r>
-            <a:r>
-              <a:rPr kumimoji="1" lang="en-US" altLang="zh-CN" sz="3200" dirty="0"/>
-              <a:t>(8-32</a:t>
-            </a:r>
-            <a:r>
-              <a:rPr kumimoji="1" lang="zh-CN" altLang="en-US" sz="3200" dirty="0"/>
-              <a:t>位编码</a:t>
-            </a:r>
-            <a:r>
-              <a:rPr kumimoji="1" lang="en-US" altLang="zh-CN" sz="3200" dirty="0"/>
-              <a:t>)</a:t>
-            </a:r>
-            <a:r>
-              <a:rPr kumimoji="1" lang="zh-CN" altLang="en-US" sz="3200" dirty="0"/>
-              <a:t>，能表示所有语言的符号。其中有</a:t>
-            </a:r>
-            <a:r>
-              <a:rPr kumimoji="1" lang="en-US" altLang="zh-CN" sz="3200" dirty="0"/>
-              <a:t>UTF-8</a:t>
-            </a:r>
-            <a:r>
-              <a:rPr kumimoji="1" lang="zh-CN" altLang="en-US" sz="3200" dirty="0"/>
-              <a:t>，</a:t>
-            </a:r>
-            <a:r>
-              <a:rPr kumimoji="1" lang="en-US" altLang="zh-CN" sz="3200" dirty="0"/>
-              <a:t>UTF-16,UTF-32</a:t>
-            </a:r>
-            <a:r>
-              <a:rPr kumimoji="1" lang="zh-CN" altLang="en-US" sz="3200" dirty="0"/>
-              <a:t>等标准。</a:t>
-            </a:r>
-            <a:r>
-              <a:rPr kumimoji="1" lang="en-US" altLang="zh-CN" sz="3200" dirty="0"/>
-              <a:t>UTF-8</a:t>
-            </a:r>
-            <a:r>
-              <a:rPr kumimoji="1" lang="zh-CN" altLang="en-US" sz="3200" dirty="0"/>
-              <a:t>是常用的编码方式，是种压缩的编码，毕竟每个字符是不需要</a:t>
-            </a:r>
-            <a:r>
-              <a:rPr kumimoji="1" lang="en-US" altLang="zh-CN" sz="3200" dirty="0"/>
-              <a:t>32</a:t>
-            </a:r>
-            <a:r>
-              <a:rPr kumimoji="1" lang="zh-CN" altLang="en-US" sz="3200" dirty="0"/>
-              <a:t>位来浪费存储的。</a:t>
+            <a:r>
+              <a:rPr kumimoji="1" lang="zh-CN" altLang="en-US" sz="2800" dirty="0">
+                <a:solidFill>
+                  <a:schemeClr val="bg1"/>
+                </a:solidFill>
+              </a:rPr>
+              <a:t>看书中</a:t>
+            </a:r>
+            <a:r>
+              <a:rPr kumimoji="1" lang="en-US" altLang="zh-CN" sz="2800" dirty="0">
+                <a:solidFill>
+                  <a:schemeClr val="bg1"/>
+                </a:solidFill>
+              </a:rPr>
+              <a:t>9</a:t>
+            </a:r>
+            <a:r>
+              <a:rPr kumimoji="1" lang="zh-CN" altLang="en-US" sz="2800" dirty="0">
+                <a:solidFill>
+                  <a:schemeClr val="bg1"/>
+                </a:solidFill>
+              </a:rPr>
+              <a:t>个简单的例子</a:t>
             </a:r>
           </a:p>
         </p:txBody>
@@ -7432,7 +11611,7 @@
     </p:spTree>
     <p:extLst>
       <p:ext uri="{BB962C8B-B14F-4D97-AF65-F5344CB8AC3E}">
-        <p14:creationId xmlns:p14="http://schemas.microsoft.com/office/powerpoint/2010/main" val="3634669245"/>
+        <p14:creationId xmlns:p14="http://schemas.microsoft.com/office/powerpoint/2010/main" val="223380716"/>
       </p:ext>
     </p:extLst>
   </p:cSld>
@@ -7482,8 +11661,8 @@
         </p:nvSpPr>
         <p:spPr>
           <a:xfrm>
-            <a:off x="2520000" y="720000"/>
-            <a:ext cx="7735824" cy="830997"/>
+            <a:off x="1372125" y="829339"/>
+            <a:ext cx="9447750" cy="830997"/>
           </a:xfrm>
           <a:prstGeom prst="rect">
             <a:avLst/>
@@ -7498,28 +11677,38 @@
           <a:p>
             <a:pPr algn="ctr"/>
             <a:r>
+              <a:rPr kumimoji="1" lang="zh-CN" altLang="en-US" sz="4800" dirty="0">
+                <a:latin typeface="Microsoft YaHei" panose="020B0503020204020204" pitchFamily="34" charset="-122"/>
+                <a:ea typeface="Microsoft YaHei" panose="020B0503020204020204" pitchFamily="34" charset="-122"/>
+              </a:rPr>
+              <a:t>用书中</a:t>
+            </a:r>
+            <a:r>
               <a:rPr kumimoji="1" lang="en-US" altLang="zh-CN" sz="4800" dirty="0">
                 <a:latin typeface="Microsoft YaHei" panose="020B0503020204020204" pitchFamily="34" charset="-122"/>
                 <a:ea typeface="Microsoft YaHei" panose="020B0503020204020204" pitchFamily="34" charset="-122"/>
               </a:rPr>
-              <a:t>3.</a:t>
+              <a:t>2</a:t>
             </a:r>
             <a:r>
               <a:rPr kumimoji="1" lang="zh-CN" altLang="en-US" sz="4800" dirty="0">
                 <a:latin typeface="Microsoft YaHei" panose="020B0503020204020204" pitchFamily="34" charset="-122"/>
                 <a:ea typeface="Microsoft YaHei" panose="020B0503020204020204" pitchFamily="34" charset="-122"/>
               </a:rPr>
-              <a:t>特殊字符和转义字符</a:t>
-            </a:r>
-          </a:p>
-        </p:txBody>
-      </p:sp>
-      <p:sp>
-        <p:nvSpPr>
-          <p:cNvPr id="4" name="文本框 3">
+              <a:t>个例子巩固数组基本知识</a:t>
+            </a:r>
+            <a:endParaRPr kumimoji="1" lang="en-US" altLang="zh-CN" sz="4800" dirty="0">
+              <a:ea typeface="Microsoft YaHei" panose="020B0503020204020204" pitchFamily="34" charset="-122"/>
+            </a:endParaRPr>
+          </a:p>
+        </p:txBody>
+      </p:sp>
+      <p:sp>
+        <p:nvSpPr>
+          <p:cNvPr id="8" name="文本框 7">
             <a:extLst>
               <a:ext uri="{FF2B5EF4-FFF2-40B4-BE49-F238E27FC236}">
-                <a16:creationId xmlns:a16="http://schemas.microsoft.com/office/drawing/2014/main" id="{7E45E982-CF6C-734E-9350-731B38FF0ED0}"/>
+                <a16:creationId xmlns:a16="http://schemas.microsoft.com/office/drawing/2014/main" id="{B294230C-E86E-7247-BAC6-5F43DED3D0AF}"/>
               </a:ext>
             </a:extLst>
           </p:cNvPr>
@@ -7528,8 +11717,8 @@
         </p:nvSpPr>
         <p:spPr>
           <a:xfrm>
-            <a:off x="877907" y="4856861"/>
-            <a:ext cx="10419907" cy="954107"/>
+            <a:off x="1353666" y="2147777"/>
+            <a:ext cx="10682389" cy="2019693"/>
           </a:xfrm>
           <a:prstGeom prst="rect">
             <a:avLst/>
@@ -7537,145 +11726,66 @@
           <a:noFill/>
         </p:spPr>
         <p:txBody>
-          <a:bodyPr wrap="square" rtlCol="0">
+          <a:bodyPr wrap="square" tIns="360000" bIns="360000" rtlCol="0">
             <a:spAutoFit/>
           </a:bodyPr>
           <a:lstStyle/>
-          <a:p>
-            <a:r>
-              <a:rPr kumimoji="1" lang="en-US" altLang="zh-CN" sz="2800" dirty="0" err="1"/>
-              <a:t>System.out.println</a:t>
-            </a:r>
-            <a:r>
-              <a:rPr kumimoji="1" lang="en-US" altLang="zh-CN" sz="2800" dirty="0"/>
-              <a:t>(“</a:t>
-            </a:r>
-            <a:r>
-              <a:rPr kumimoji="1" lang="zh-CN" altLang="en-US" sz="2800" dirty="0"/>
-              <a:t> 妈妈说 </a:t>
-            </a:r>
-            <a:r>
-              <a:rPr kumimoji="1" lang="en-US" altLang="zh-CN" sz="2800" dirty="0"/>
-              <a:t>:</a:t>
-            </a:r>
-            <a:r>
-              <a:rPr kumimoji="1" lang="zh-CN" altLang="en-US" sz="2800" dirty="0"/>
-              <a:t> </a:t>
-            </a:r>
-            <a:r>
-              <a:rPr kumimoji="1" lang="en-US" altLang="zh-CN" sz="2800" dirty="0"/>
-              <a:t>\</a:t>
-            </a:r>
-            <a:r>
-              <a:rPr kumimoji="1" lang="zh-CN" altLang="en-US" sz="2800" dirty="0"/>
-              <a:t>”天气冷了，你该穿秋裤了“</a:t>
-            </a:r>
-            <a:r>
-              <a:rPr kumimoji="1" lang="en-US" altLang="zh-CN" sz="2800" dirty="0"/>
-              <a:t>\</a:t>
-            </a:r>
-            <a:r>
-              <a:rPr kumimoji="1" lang="zh-CN" altLang="en-US" sz="2800" dirty="0"/>
-              <a:t>，你听到后</a:t>
-            </a:r>
-            <a:r>
-              <a:rPr kumimoji="1" lang="en-US" altLang="zh-CN" sz="2800" dirty="0"/>
-              <a:t>….</a:t>
-            </a:r>
-            <a:r>
-              <a:rPr kumimoji="1" lang="zh-CN" altLang="en-US" sz="2800" dirty="0"/>
-              <a:t> </a:t>
-            </a:r>
-            <a:r>
-              <a:rPr kumimoji="1" lang="en-US" altLang="zh-CN" sz="2800" dirty="0"/>
-              <a:t>”)</a:t>
-            </a:r>
-            <a:endParaRPr kumimoji="1" lang="zh-CN" altLang="en-US" sz="2800" dirty="0"/>
-          </a:p>
-        </p:txBody>
-      </p:sp>
-      <p:sp>
-        <p:nvSpPr>
-          <p:cNvPr id="5" name="文本框 4">
-            <a:extLst>
-              <a:ext uri="{FF2B5EF4-FFF2-40B4-BE49-F238E27FC236}">
-                <a16:creationId xmlns:a16="http://schemas.microsoft.com/office/drawing/2014/main" id="{BDDFC8EF-233D-6844-BAEC-86A2AA36D545}"/>
-              </a:ext>
-            </a:extLst>
-          </p:cNvPr>
-          <p:cNvSpPr txBox="1"/>
-          <p:nvPr/>
-        </p:nvSpPr>
-        <p:spPr>
-          <a:xfrm>
-            <a:off x="935664" y="2295988"/>
-            <a:ext cx="9937898" cy="1815882"/>
-          </a:xfrm>
-          <a:prstGeom prst="rect">
-            <a:avLst/>
-          </a:prstGeom>
-          <a:noFill/>
-        </p:spPr>
-        <p:txBody>
-          <a:bodyPr wrap="square" rtlCol="0">
-            <a:spAutoFit/>
-          </a:bodyPr>
-          <a:lstStyle/>
-          <a:p>
-            <a:r>
-              <a:rPr kumimoji="1" lang="zh-CN" altLang="en-US" sz="2800" dirty="0"/>
-              <a:t>转义字符的作用：</a:t>
-            </a:r>
-            <a:endParaRPr kumimoji="1" lang="en-US" altLang="zh-CN" sz="2800" dirty="0"/>
-          </a:p>
           <a:p>
             <a:pPr marL="514350" indent="-514350">
               <a:buFont typeface="+mj-lt"/>
               <a:buAutoNum type="arabicPeriod"/>
             </a:pPr>
             <a:r>
-              <a:rPr kumimoji="1" lang="zh-CN" altLang="en-US" sz="2800" dirty="0"/>
-              <a:t>为了让字符串内容中出现的某些符号</a:t>
-            </a:r>
-            <a:r>
-              <a:rPr kumimoji="1" lang="en-US" altLang="zh-CN" sz="2800" dirty="0"/>
-              <a:t>(</a:t>
-            </a:r>
-            <a:r>
-              <a:rPr kumimoji="1" lang="zh-CN" altLang="en-US" sz="2800" dirty="0"/>
-              <a:t>已被字符串指定为特殊用途</a:t>
-            </a:r>
-            <a:r>
-              <a:rPr kumimoji="1" lang="en-US" altLang="zh-CN" sz="2800" dirty="0"/>
-              <a:t>)</a:t>
-            </a:r>
-            <a:r>
-              <a:rPr kumimoji="1" lang="zh-CN" altLang="en-US" sz="2800" dirty="0"/>
-              <a:t>，按照其本身意义输出，比如 双引号“</a:t>
-            </a:r>
-            <a:endParaRPr kumimoji="1" lang="en-US" altLang="zh-CN" sz="2800" dirty="0"/>
+              <a:rPr lang="zh-CN" altLang="en-US" sz="2800" dirty="0">
+                <a:latin typeface="SimSun" panose="02010600030101010101" pitchFamily="2" charset="-122"/>
+                <a:ea typeface="SimSun" panose="02010600030101010101" pitchFamily="2" charset="-122"/>
+              </a:rPr>
+              <a:t>分析数字：编写一个程序 ，找到大于所有项平均值的那些项。 </a:t>
+            </a:r>
           </a:p>
           <a:p>
             <a:pPr marL="514350" indent="-514350">
               <a:buFont typeface="+mj-lt"/>
               <a:buAutoNum type="arabicPeriod"/>
             </a:pPr>
-            <a:r>
-              <a:rPr kumimoji="1" lang="zh-CN" altLang="en-US" sz="2800" dirty="0"/>
-              <a:t>为了输出 通过键盘上难以打出的字符 ，比如换行</a:t>
-            </a:r>
-            <a:r>
-              <a:rPr kumimoji="1" lang="en-US" altLang="zh-CN" sz="2800" dirty="0"/>
-              <a:t>:\n</a:t>
-            </a:r>
-            <a:endParaRPr kumimoji="1" lang="zh-CN" altLang="en-US" sz="2800" dirty="0"/>
+            <a:endParaRPr lang="en-US" altLang="zh-CN" sz="2800" dirty="0">
+              <a:latin typeface="SimSun" panose="02010600030101010101" pitchFamily="2" charset="-122"/>
+              <a:ea typeface="SimSun" panose="02010600030101010101" pitchFamily="2" charset="-122"/>
+            </a:endParaRPr>
+          </a:p>
+          <a:p>
+            <a:pPr marL="514350" indent="-514350">
+              <a:buFont typeface="+mj-lt"/>
+              <a:buAutoNum type="arabicPeriod"/>
+            </a:pPr>
+            <a:r>
+              <a:rPr lang="zh-CN" altLang="en-US" sz="2800" dirty="0">
+                <a:latin typeface="SimSun" panose="02010600030101010101" pitchFamily="2" charset="-122"/>
+                <a:ea typeface="SimSun" panose="02010600030101010101" pitchFamily="2" charset="-122"/>
+              </a:rPr>
+              <a:t>一副牌：编写一个程序，从一副牌中随机选出 </a:t>
+            </a:r>
+            <a:r>
+              <a:rPr lang="en-US" altLang="zh-CN" sz="2800" dirty="0">
+                <a:latin typeface="SimSun" panose="02010600030101010101" pitchFamily="2" charset="-122"/>
+                <a:ea typeface="SimSun" panose="02010600030101010101" pitchFamily="2" charset="-122"/>
+              </a:rPr>
+              <a:t>4 </a:t>
+            </a:r>
+            <a:r>
+              <a:rPr lang="zh-CN" altLang="en-US" sz="2800" dirty="0">
+                <a:latin typeface="SimSun" panose="02010600030101010101" pitchFamily="2" charset="-122"/>
+                <a:ea typeface="SimSun" panose="02010600030101010101" pitchFamily="2" charset="-122"/>
+              </a:rPr>
+              <a:t>张牌</a:t>
+            </a:r>
           </a:p>
         </p:txBody>
       </p:sp>
     </p:spTree>
     <p:extLst>
       <p:ext uri="{BB962C8B-B14F-4D97-AF65-F5344CB8AC3E}">
-        <p14:creationId xmlns:p14="http://schemas.microsoft.com/office/powerpoint/2010/main" val="1711521261"/>
+        <p14:creationId xmlns:p14="http://schemas.microsoft.com/office/powerpoint/2010/main" val="3320192020"/>
       </p:ext>
     </p:extLst>
   </p:cSld>
@@ -7745,52 +11855,182 @@
                 <a:latin typeface="Microsoft YaHei" panose="020B0503020204020204" pitchFamily="34" charset="-122"/>
                 <a:ea typeface="Microsoft YaHei" panose="020B0503020204020204" pitchFamily="34" charset="-122"/>
               </a:rPr>
-              <a:t>3.</a:t>
+              <a:t>2.</a:t>
             </a:r>
             <a:r>
               <a:rPr kumimoji="1" lang="zh-CN" altLang="en-US" sz="4800" dirty="0">
                 <a:latin typeface="Microsoft YaHei" panose="020B0503020204020204" pitchFamily="34" charset="-122"/>
                 <a:ea typeface="Microsoft YaHei" panose="020B0503020204020204" pitchFamily="34" charset="-122"/>
               </a:rPr>
-              <a:t>常用转义字符</a:t>
-            </a:r>
-          </a:p>
-        </p:txBody>
-      </p:sp>
-      <p:pic>
-        <p:nvPicPr>
-          <p:cNvPr id="3" name="图片 2">
+              <a:t> 数组的复制</a:t>
+            </a:r>
+            <a:endParaRPr kumimoji="1" lang="en-US" altLang="zh-CN" sz="4800" dirty="0">
+              <a:ea typeface="Microsoft YaHei" panose="020B0503020204020204" pitchFamily="34" charset="-122"/>
+            </a:endParaRPr>
+          </a:p>
+        </p:txBody>
+      </p:sp>
+      <p:sp>
+        <p:nvSpPr>
+          <p:cNvPr id="8" name="文本框 7">
             <a:extLst>
               <a:ext uri="{FF2B5EF4-FFF2-40B4-BE49-F238E27FC236}">
-                <a16:creationId xmlns:a16="http://schemas.microsoft.com/office/drawing/2014/main" id="{C82D2F49-1269-094F-A233-9AADC5A26F6C}"/>
+                <a16:creationId xmlns:a16="http://schemas.microsoft.com/office/drawing/2014/main" id="{B294230C-E86E-7247-BAC6-5F43DED3D0AF}"/>
               </a:ext>
             </a:extLst>
           </p:cNvPr>
-          <p:cNvPicPr>
-            <a:picLocks noChangeAspect="1"/>
-          </p:cNvPicPr>
+          <p:cNvSpPr txBox="1"/>
           <p:nvPr/>
-        </p:nvPicPr>
-        <p:blipFill>
-          <a:blip r:embed="rId4"/>
-          <a:stretch>
-            <a:fillRect/>
-          </a:stretch>
-        </p:blipFill>
+        </p:nvSpPr>
         <p:spPr>
           <a:xfrm>
-            <a:off x="523481" y="2207584"/>
-            <a:ext cx="11145037" cy="3470201"/>
+            <a:off x="2820960" y="2219076"/>
+            <a:ext cx="7960455" cy="3743242"/>
           </a:xfrm>
           <a:prstGeom prst="rect">
             <a:avLst/>
           </a:prstGeom>
+          <a:noFill/>
         </p:spPr>
-      </p:pic>
+        <p:txBody>
+          <a:bodyPr wrap="square" tIns="360000" bIns="360000" rtlCol="0">
+            <a:spAutoFit/>
+          </a:bodyPr>
+          <a:lstStyle/>
+          <a:p>
+            <a:pPr marL="457200" indent="-457200">
+              <a:buFont typeface="Arial" panose="020B0604020202020204" pitchFamily="34" charset="0"/>
+              <a:buChar char="•"/>
+            </a:pPr>
+            <a:r>
+              <a:rPr lang="zh-CN" altLang="en-US" sz="2800" dirty="0">
+                <a:latin typeface="SimSun" panose="02010600030101010101" pitchFamily="2" charset="-122"/>
+                <a:ea typeface="SimSun" panose="02010600030101010101" pitchFamily="2" charset="-122"/>
+              </a:rPr>
+              <a:t>要将一个数组中的内容复制到另外一个中，你需要将数组的每个元素复制到另外一个数组中 </a:t>
+            </a:r>
+            <a:endParaRPr lang="en-US" altLang="zh-CN" sz="2800" dirty="0">
+              <a:latin typeface="SimSun" panose="02010600030101010101" pitchFamily="2" charset="-122"/>
+              <a:ea typeface="SimSun" panose="02010600030101010101" pitchFamily="2" charset="-122"/>
+            </a:endParaRPr>
+          </a:p>
+          <a:p>
+            <a:pPr marL="457200" indent="-457200">
+              <a:buFont typeface="Arial" panose="020B0604020202020204" pitchFamily="34" charset="0"/>
+              <a:buChar char="•"/>
+            </a:pPr>
+            <a:endParaRPr lang="en-US" altLang="zh-CN" sz="2800" dirty="0">
+              <a:latin typeface="SimSun" panose="02010600030101010101" pitchFamily="2" charset="-122"/>
+              <a:ea typeface="SimSun" panose="02010600030101010101" pitchFamily="2" charset="-122"/>
+            </a:endParaRPr>
+          </a:p>
+          <a:p>
+            <a:pPr marL="457200" indent="-457200">
+              <a:buFont typeface="Arial" panose="020B0604020202020204" pitchFamily="34" charset="0"/>
+              <a:buChar char="•"/>
+            </a:pPr>
+            <a:r>
+              <a:rPr lang="zh-CN" altLang="en-US" sz="2800" dirty="0">
+                <a:latin typeface="SimSun" panose="02010600030101010101" pitchFamily="2" charset="-122"/>
+                <a:ea typeface="SimSun" panose="02010600030101010101" pitchFamily="2" charset="-122"/>
+              </a:rPr>
+              <a:t>将一个数组变量赋值给另一个数组变量，实际上是将一个数组的引用复制给另一个变量，使两个变量 都指向相同的内存地址 </a:t>
+            </a:r>
+          </a:p>
+          <a:p>
+            <a:endParaRPr lang="zh-CN" altLang="en-US" sz="2800" dirty="0">
+              <a:latin typeface="SimSun" panose="02010600030101010101" pitchFamily="2" charset="-122"/>
+              <a:ea typeface="SimSun" panose="02010600030101010101" pitchFamily="2" charset="-122"/>
+            </a:endParaRPr>
+          </a:p>
+        </p:txBody>
+      </p:sp>
+      <p:sp>
+        <p:nvSpPr>
+          <p:cNvPr id="3" name="文本框 2">
+            <a:extLst>
+              <a:ext uri="{FF2B5EF4-FFF2-40B4-BE49-F238E27FC236}">
+                <a16:creationId xmlns:a16="http://schemas.microsoft.com/office/drawing/2014/main" id="{92D133D2-EF0E-B342-93FD-5588A76F53DB}"/>
+              </a:ext>
+            </a:extLst>
+          </p:cNvPr>
+          <p:cNvSpPr txBox="1"/>
+          <p:nvPr/>
+        </p:nvSpPr>
+        <p:spPr>
+          <a:xfrm>
+            <a:off x="956931" y="2219076"/>
+            <a:ext cx="1353666" cy="461665"/>
+          </a:xfrm>
+          <a:prstGeom prst="rect">
+            <a:avLst/>
+          </a:prstGeom>
+          <a:solidFill>
+            <a:schemeClr val="accent2"/>
+          </a:solidFill>
+        </p:spPr>
+        <p:txBody>
+          <a:bodyPr wrap="square" rtlCol="0">
+            <a:spAutoFit/>
+          </a:bodyPr>
+          <a:lstStyle/>
+          <a:p>
+            <a:r>
+              <a:rPr kumimoji="1" lang="zh-CN" altLang="en-US" sz="2400" dirty="0">
+                <a:solidFill>
+                  <a:schemeClr val="bg1"/>
+                </a:solidFill>
+              </a:rPr>
+              <a:t>要点</a:t>
+            </a:r>
+          </a:p>
+        </p:txBody>
+      </p:sp>
+      <p:sp>
+        <p:nvSpPr>
+          <p:cNvPr id="4" name="文本框 3">
+            <a:extLst>
+              <a:ext uri="{FF2B5EF4-FFF2-40B4-BE49-F238E27FC236}">
+                <a16:creationId xmlns:a16="http://schemas.microsoft.com/office/drawing/2014/main" id="{41C26BB1-B91E-FA44-813E-AA8425B20095}"/>
+              </a:ext>
+            </a:extLst>
+          </p:cNvPr>
+          <p:cNvSpPr txBox="1"/>
+          <p:nvPr/>
+        </p:nvSpPr>
+        <p:spPr>
+          <a:xfrm>
+            <a:off x="2820960" y="5962318"/>
+            <a:ext cx="3792491" cy="461665"/>
+          </a:xfrm>
+          <a:prstGeom prst="rect">
+            <a:avLst/>
+          </a:prstGeom>
+          <a:solidFill>
+            <a:schemeClr val="accent2"/>
+          </a:solidFill>
+        </p:spPr>
+        <p:txBody>
+          <a:bodyPr wrap="square" rtlCol="0">
+            <a:spAutoFit/>
+          </a:bodyPr>
+          <a:lstStyle/>
+          <a:p>
+            <a:r>
+              <a:rPr kumimoji="1" lang="zh-CN" altLang="en-US" sz="2400" dirty="0">
+                <a:solidFill>
+                  <a:schemeClr val="bg1"/>
+                </a:solidFill>
+              </a:rPr>
+              <a:t>上代码</a:t>
+            </a:r>
+          </a:p>
+        </p:txBody>
+      </p:sp>
     </p:spTree>
     <p:extLst>
       <p:ext uri="{BB962C8B-B14F-4D97-AF65-F5344CB8AC3E}">
-        <p14:creationId xmlns:p14="http://schemas.microsoft.com/office/powerpoint/2010/main" val="3639934790"/>
+        <p14:creationId xmlns:p14="http://schemas.microsoft.com/office/powerpoint/2010/main" val="4182521481"/>
       </p:ext>
     </p:extLst>
   </p:cSld>
